--- a/Presentation.pptx
+++ b/Presentation.pptx
@@ -20739,8 +20739,8 @@
           </a:p>
         </p:txBody>
       </p:sp>
-      <mc:AlternateContent xmlns:mc="http://schemas.openxmlformats.org/markup-compatibility/2006">
-        <mc:Choice xmlns:a14="http://schemas.microsoft.com/office/drawing/2010/main" Requires="a14">
+      <mc:AlternateContent xmlns:mc="http://schemas.openxmlformats.org/markup-compatibility/2006" xmlns:a14="http://schemas.microsoft.com/office/drawing/2010/main">
+        <mc:Choice Requires="a14">
           <p:sp>
             <p:nvSpPr>
               <p:cNvPr id="4" name="Rectangle 1">
@@ -21129,7 +21129,7 @@
             </p:txBody>
           </p:sp>
         </mc:Choice>
-        <mc:Fallback>
+        <mc:Fallback xmlns="">
           <p:sp>
             <p:nvSpPr>
               <p:cNvPr id="4" name="Rectangle 1">
@@ -34428,8 +34428,8 @@
           </a:p>
         </p:txBody>
       </p:sp>
-      <mc:AlternateContent xmlns:mc="http://schemas.openxmlformats.org/markup-compatibility/2006">
-        <mc:Choice xmlns:a14="http://schemas.microsoft.com/office/drawing/2010/main" Requires="a14">
+      <mc:AlternateContent xmlns:mc="http://schemas.openxmlformats.org/markup-compatibility/2006" xmlns:a14="http://schemas.microsoft.com/office/drawing/2010/main">
+        <mc:Choice Requires="a14">
           <p:sp>
             <p:nvSpPr>
               <p:cNvPr id="6" name="object 3">
@@ -34700,7 +34700,7 @@
             </p:txBody>
           </p:sp>
         </mc:Choice>
-        <mc:Fallback>
+        <mc:Fallback xmlns="">
           <p:sp>
             <p:nvSpPr>
               <p:cNvPr id="6" name="object 3">
@@ -36286,8 +36286,8 @@
           </a:p>
         </p:txBody>
       </p:sp>
-      <mc:AlternateContent xmlns:mc="http://schemas.openxmlformats.org/markup-compatibility/2006">
-        <mc:Choice xmlns:a14="http://schemas.microsoft.com/office/drawing/2010/main" Requires="a14">
+      <mc:AlternateContent xmlns:mc="http://schemas.openxmlformats.org/markup-compatibility/2006" xmlns:a14="http://schemas.microsoft.com/office/drawing/2010/main">
+        <mc:Choice Requires="a14">
           <p:sp>
             <p:nvSpPr>
               <p:cNvPr id="3" name="Content Placeholder 2"/>
@@ -36877,7 +36877,7 @@
             </p:txBody>
           </p:sp>
         </mc:Choice>
-        <mc:Fallback>
+        <mc:Fallback xmlns="">
           <p:sp>
             <p:nvSpPr>
               <p:cNvPr id="3" name="Content Placeholder 2"/>
@@ -37472,8 +37472,8 @@
           </a:p>
         </p:txBody>
       </p:sp>
-      <mc:AlternateContent xmlns:mc="http://schemas.openxmlformats.org/markup-compatibility/2006">
-        <mc:Choice xmlns:a14="http://schemas.microsoft.com/office/drawing/2010/main" Requires="a14">
+      <mc:AlternateContent xmlns:mc="http://schemas.openxmlformats.org/markup-compatibility/2006" xmlns:a14="http://schemas.microsoft.com/office/drawing/2010/main">
+        <mc:Choice Requires="a14">
           <p:sp>
             <p:nvSpPr>
               <p:cNvPr id="3" name="Content Placeholder 2">
@@ -38071,7 +38071,7 @@
             </p:txBody>
           </p:sp>
         </mc:Choice>
-        <mc:Fallback>
+        <mc:Fallback xmlns="">
           <p:sp>
             <p:nvSpPr>
               <p:cNvPr id="3" name="Content Placeholder 2">

--- a/Presentation.pptx
+++ b/Presentation.pptx
@@ -16998,7 +16998,7 @@
           <a:p>
             <a:r>
               <a:rPr lang="it-IT" sz="2000" dirty="0"/>
-              <a:t>Possono essere rese più sparse o più grossolane.</a:t>
+              <a:t>Possono essere rese più fini o più grossolane.</a:t>
             </a:r>
           </a:p>
           <a:p>
@@ -34689,7 +34689,13 @@
                           <a:rPr lang="it-IT" i="1">
                             <a:latin typeface="Cambria Math" panose="02040503050406030204" pitchFamily="18" charset="0"/>
                           </a:rPr>
-                          <m:t>−2</m:t>
+                          <m:t>−</m:t>
+                        </m:r>
+                        <m:r>
+                          <a:rPr lang="it-IT" i="1">
+                            <a:latin typeface="Cambria Math" panose="02040503050406030204" pitchFamily="18" charset="0"/>
+                          </a:rPr>
+                          <m:t>2</m:t>
                         </m:r>
                       </m:sup>
                     </m:sSup>

--- a/Presentation.pptx
+++ b/Presentation.pptx
@@ -2774,7 +2774,7 @@
           <a:p>
             <a:fld id="{5BCAD085-E8A6-8845-BD4E-CB4CCA059FC4}" type="datetimeFigureOut">
               <a:rPr lang="en-US" smtClean="0"/>
-              <a:t>9/25/2025</a:t>
+              <a:t>9/26/2025</a:t>
             </a:fld>
             <a:endParaRPr lang="en-US"/>
           </a:p>
@@ -2942,7 +2942,7 @@
           <a:p>
             <a:fld id="{5BCAD085-E8A6-8845-BD4E-CB4CCA059FC4}" type="datetimeFigureOut">
               <a:rPr lang="en-US" smtClean="0"/>
-              <a:t>9/25/2025</a:t>
+              <a:t>9/26/2025</a:t>
             </a:fld>
             <a:endParaRPr lang="en-US"/>
           </a:p>
@@ -3120,7 +3120,7 @@
           <a:p>
             <a:fld id="{5BCAD085-E8A6-8845-BD4E-CB4CCA059FC4}" type="datetimeFigureOut">
               <a:rPr lang="en-US" smtClean="0"/>
-              <a:t>9/25/2025</a:t>
+              <a:t>9/26/2025</a:t>
             </a:fld>
             <a:endParaRPr lang="en-US"/>
           </a:p>
@@ -3288,7 +3288,7 @@
           <a:p>
             <a:fld id="{5BCAD085-E8A6-8845-BD4E-CB4CCA059FC4}" type="datetimeFigureOut">
               <a:rPr lang="en-US" smtClean="0"/>
-              <a:t>9/25/2025</a:t>
+              <a:t>9/26/2025</a:t>
             </a:fld>
             <a:endParaRPr lang="en-US"/>
           </a:p>
@@ -3533,7 +3533,7 @@
           <a:p>
             <a:fld id="{5BCAD085-E8A6-8845-BD4E-CB4CCA059FC4}" type="datetimeFigureOut">
               <a:rPr lang="en-US" smtClean="0"/>
-              <a:t>9/25/2025</a:t>
+              <a:t>9/26/2025</a:t>
             </a:fld>
             <a:endParaRPr lang="en-US"/>
           </a:p>
@@ -3818,7 +3818,7 @@
           <a:p>
             <a:fld id="{5BCAD085-E8A6-8845-BD4E-CB4CCA059FC4}" type="datetimeFigureOut">
               <a:rPr lang="en-US" smtClean="0"/>
-              <a:t>9/25/2025</a:t>
+              <a:t>9/26/2025</a:t>
             </a:fld>
             <a:endParaRPr lang="en-US"/>
           </a:p>
@@ -4237,7 +4237,7 @@
           <a:p>
             <a:fld id="{5BCAD085-E8A6-8845-BD4E-CB4CCA059FC4}" type="datetimeFigureOut">
               <a:rPr lang="en-US" smtClean="0"/>
-              <a:t>9/25/2025</a:t>
+              <a:t>9/26/2025</a:t>
             </a:fld>
             <a:endParaRPr lang="en-US"/>
           </a:p>
@@ -4354,7 +4354,7 @@
           <a:p>
             <a:fld id="{5BCAD085-E8A6-8845-BD4E-CB4CCA059FC4}" type="datetimeFigureOut">
               <a:rPr lang="en-US" smtClean="0"/>
-              <a:t>9/25/2025</a:t>
+              <a:t>9/26/2025</a:t>
             </a:fld>
             <a:endParaRPr lang="en-US"/>
           </a:p>
@@ -4449,7 +4449,7 @@
           <a:p>
             <a:fld id="{5BCAD085-E8A6-8845-BD4E-CB4CCA059FC4}" type="datetimeFigureOut">
               <a:rPr lang="en-US" smtClean="0"/>
-              <a:t>9/25/2025</a:t>
+              <a:t>9/26/2025</a:t>
             </a:fld>
             <a:endParaRPr lang="en-US"/>
           </a:p>
@@ -4724,7 +4724,7 @@
           <a:p>
             <a:fld id="{5BCAD085-E8A6-8845-BD4E-CB4CCA059FC4}" type="datetimeFigureOut">
               <a:rPr lang="en-US" smtClean="0"/>
-              <a:t>9/25/2025</a:t>
+              <a:t>9/26/2025</a:t>
             </a:fld>
             <a:endParaRPr lang="en-US"/>
           </a:p>
@@ -4976,7 +4976,7 @@
           <a:p>
             <a:fld id="{5BCAD085-E8A6-8845-BD4E-CB4CCA059FC4}" type="datetimeFigureOut">
               <a:rPr lang="en-US" smtClean="0"/>
-              <a:t>9/25/2025</a:t>
+              <a:t>9/26/2025</a:t>
             </a:fld>
             <a:endParaRPr lang="en-US"/>
           </a:p>
@@ -5187,7 +5187,7 @@
           <a:p>
             <a:fld id="{5BCAD085-E8A6-8845-BD4E-CB4CCA059FC4}" type="datetimeFigureOut">
               <a:rPr lang="en-US" smtClean="0"/>
-              <a:t>9/25/2025</a:t>
+              <a:t>9/26/2025</a:t>
             </a:fld>
             <a:endParaRPr lang="en-US"/>
           </a:p>
@@ -16860,7 +16860,7 @@
           <a:p>
             <a:r>
               <a:rPr lang="it-IT" sz="4000" dirty="0"/>
-              <a:t>KAN ottengono il meglio di MLP e </a:t>
+              <a:t>KAN selezionano il meglio di MLP e </a:t>
             </a:r>
             <a:r>
               <a:rPr lang="it-IT" sz="4000" dirty="0" err="1"/>
@@ -16978,13 +16978,25 @@
           <a:p>
             <a:r>
               <a:rPr lang="it-IT" sz="2000" dirty="0"/>
-              <a:t>Ottime per dati a bassa dimensionalità.</a:t>
-            </a:r>
-          </a:p>
-          <a:p>
+              <a:t>Ottime per </a:t>
+            </a:r>
+            <a:r>
+              <a:rPr lang="it-IT" sz="2000" b="1" dirty="0"/>
+              <a:t>dati a bassa dimensionalità</a:t>
+            </a:r>
             <a:r>
               <a:rPr lang="it-IT" sz="2000" dirty="0"/>
-              <a:t>Controllo locale utile per l'apprendimento continuo (</a:t>
+              <a:t>.</a:t>
+            </a:r>
+          </a:p>
+          <a:p>
+            <a:r>
+              <a:rPr lang="it-IT" sz="2000" b="1" dirty="0"/>
+              <a:t>Controllo locale </a:t>
+            </a:r>
+            <a:r>
+              <a:rPr lang="it-IT" sz="2000" dirty="0"/>
+              <a:t>utile per l'apprendimento continuo (</a:t>
             </a:r>
             <a:r>
               <a:rPr lang="it-IT" sz="2000" dirty="0" err="1"/>
@@ -16998,7 +17010,19 @@
           <a:p>
             <a:r>
               <a:rPr lang="it-IT" sz="2000" dirty="0"/>
-              <a:t>Possono essere rese più fini o più grossolane.</a:t>
+              <a:t>Possono essere </a:t>
+            </a:r>
+            <a:r>
+              <a:rPr lang="it-IT" sz="2000" b="1" dirty="0"/>
+              <a:t>regolate le risoluzioni delle </a:t>
+            </a:r>
+            <a:r>
+              <a:rPr lang="it-IT" sz="2000" b="1" dirty="0" err="1"/>
+              <a:t>Spline</a:t>
+            </a:r>
+            <a:r>
+              <a:rPr lang="it-IT" sz="2000" dirty="0"/>
+              <a:t>.</a:t>
             </a:r>
           </a:p>
           <a:p>
@@ -17012,21 +17036,37 @@
           </a:p>
           <a:p>
             <a:r>
-              <a:rPr lang="it-IT" sz="2000" dirty="0" err="1"/>
+              <a:rPr lang="it-IT" sz="2000" b="1" dirty="0" err="1"/>
               <a:t>Backpropagation</a:t>
             </a:r>
-            <a:endParaRPr lang="it-IT" sz="2000" dirty="0"/>
+            <a:endParaRPr lang="it-IT" sz="2000" b="1" dirty="0"/>
           </a:p>
           <a:p>
             <a:r>
               <a:rPr lang="it-IT" sz="2000" dirty="0"/>
-              <a:t>Ottimi per la composizionalità.</a:t>
-            </a:r>
-          </a:p>
-          <a:p>
+              <a:t>Ottimi per la </a:t>
+            </a:r>
+            <a:r>
+              <a:rPr lang="it-IT" sz="2000" b="1" dirty="0"/>
+              <a:t>composizionalità</a:t>
+            </a:r>
             <a:r>
               <a:rPr lang="it-IT" sz="2000" dirty="0"/>
-              <a:t>Aumentare gli strati/la larghezza per aggiungere complessità.</a:t>
+              <a:t> (adatta ad apprendere e sfruttare pattern composizionali).</a:t>
+            </a:r>
+          </a:p>
+          <a:p>
+            <a:r>
+              <a:rPr lang="it-IT" sz="2000" dirty="0"/>
+              <a:t>Aumentare gli strati/la larghezza per aggiungere complessità (</a:t>
+            </a:r>
+            <a:r>
+              <a:rPr lang="it-IT" sz="2000" b="1" dirty="0" err="1"/>
+              <a:t>scalabilitá</a:t>
+            </a:r>
+            <a:r>
+              <a:rPr lang="it-IT" sz="2000" dirty="0"/>
+              <a:t>).</a:t>
             </a:r>
           </a:p>
           <a:p>
@@ -17038,18 +17078,34 @@
             </a:pPr>
             <a:r>
               <a:rPr lang="it-IT" sz="2000" dirty="0"/>
-              <a:t>Le KAN superano la </a:t>
-            </a:r>
-            <a:r>
-              <a:rPr lang="it-IT" sz="2000" dirty="0" err="1"/>
+              <a:t>Le </a:t>
+            </a:r>
+            <a:r>
+              <a:rPr lang="it-IT" sz="2000" b="1" dirty="0"/>
+              <a:t>KAN</a:t>
+            </a:r>
+            <a:r>
+              <a:rPr lang="it-IT" sz="2000" dirty="0"/>
+              <a:t> </a:t>
+            </a:r>
+            <a:r>
+              <a:rPr lang="it-IT" sz="2000" b="1" dirty="0"/>
+              <a:t>superano</a:t>
+            </a:r>
+            <a:r>
+              <a:rPr lang="it-IT" sz="2000" dirty="0"/>
+              <a:t> la </a:t>
+            </a:r>
+            <a:r>
+              <a:rPr lang="it-IT" sz="2000" b="1" dirty="0" err="1"/>
               <a:t>curse</a:t>
             </a:r>
             <a:r>
-              <a:rPr lang="it-IT" sz="2000" dirty="0"/>
+              <a:rPr lang="it-IT" sz="2000" b="1" dirty="0"/>
               <a:t> of </a:t>
             </a:r>
             <a:r>
-              <a:rPr lang="it-IT" sz="2000" dirty="0" err="1"/>
+              <a:rPr lang="it-IT" sz="2000" b="1" dirty="0" err="1"/>
               <a:t>dimensionality</a:t>
             </a:r>
             <a:r>
@@ -17062,14 +17118,26 @@
             </a:r>
             <a:r>
               <a:rPr lang="it-IT" sz="2000" dirty="0"/>
-              <a:t>, rendendolo quasi indipendente dalla dimensione dell'input. Questo si traduce in scaling </a:t>
-            </a:r>
-            <a:r>
-              <a:rPr lang="it-IT" sz="2000" dirty="0" err="1"/>
+              <a:t>, rendendolo quasi </a:t>
+            </a:r>
+            <a:r>
+              <a:rPr lang="it-IT" sz="2000" b="1" dirty="0"/>
+              <a:t>indipendente dalla dimensione dell'input</a:t>
+            </a:r>
+            <a:r>
+              <a:rPr lang="it-IT" sz="2000" dirty="0"/>
+              <a:t>. Questo si traduce in </a:t>
+            </a:r>
+            <a:r>
+              <a:rPr lang="it-IT" sz="2000" b="1" dirty="0"/>
+              <a:t>scaling </a:t>
+            </a:r>
+            <a:r>
+              <a:rPr lang="it-IT" sz="2000" b="1" dirty="0" err="1"/>
               <a:t>laws</a:t>
             </a:r>
             <a:r>
-              <a:rPr lang="it-IT" sz="2000" dirty="0"/>
+              <a:rPr lang="it-IT" sz="2000" b="1" dirty="0"/>
               <a:t> più favorevoli</a:t>
             </a:r>
           </a:p>
@@ -31119,8 +31187,8 @@
         </p:nvSpPr>
         <p:spPr>
           <a:xfrm>
-            <a:off x="1203772" y="3796629"/>
-            <a:ext cx="6367460" cy="505263"/>
+            <a:off x="566780" y="3805142"/>
+            <a:ext cx="6367460" cy="259042"/>
           </a:xfrm>
           <a:prstGeom prst="rect">
             <a:avLst/>
@@ -31159,7 +31227,7 @@
                 <a:latin typeface="Tahoma"/>
                 <a:cs typeface="Tahoma"/>
               </a:rPr>
-              <a:t> che interpola i punti intermedi.</a:t>
+              <a:t>:</a:t>
             </a:r>
           </a:p>
         </p:txBody>
@@ -33895,7 +33963,7 @@
         <p:spPr>
           <a:xfrm>
             <a:off x="498704" y="2173787"/>
-            <a:ext cx="11297612" cy="830997"/>
+            <a:ext cx="11297612" cy="584775"/>
           </a:xfrm>
           <a:prstGeom prst="rect">
             <a:avLst/>
@@ -33954,7 +34022,7 @@
                 <a:ea typeface="Tahoma" panose="020B0604030504040204" pitchFamily="34" charset="0"/>
                 <a:cs typeface="Tahoma" panose="020B0604030504040204" pitchFamily="34" charset="0"/>
               </a:rPr>
-              <a:t>, compresa tra 0 e 1). Ad esempio, dati due punti, possiamo calcolare la curva lineare B come la seguente interpolazione:</a:t>
+              <a:t>, compresa tra 0 e 1).</a:t>
             </a:r>
           </a:p>
         </p:txBody>
@@ -34689,13 +34757,7 @@
                           <a:rPr lang="it-IT" i="1">
                             <a:latin typeface="Cambria Math" panose="02040503050406030204" pitchFamily="18" charset="0"/>
                           </a:rPr>
-                          <m:t>−</m:t>
-                        </m:r>
-                        <m:r>
-                          <a:rPr lang="it-IT" i="1">
-                            <a:latin typeface="Cambria Math" panose="02040503050406030204" pitchFamily="18" charset="0"/>
-                          </a:rPr>
-                          <m:t>2</m:t>
+                          <m:t>−2</m:t>
                         </m:r>
                       </m:sup>
                     </m:sSup>

--- a/Presentation.pptx
+++ b/Presentation.pptx
@@ -13815,7 +13815,7 @@
             </a:r>
             <a:r>
               <a:rPr lang="it-IT" sz="2400" dirty="0"/>
-              <a:t>attraverso un'analisi approfondita.</a:t>
+              <a:t>attraverso un'analisi approfondita:</a:t>
             </a:r>
           </a:p>
           <a:p>
@@ -17946,7 +17946,7 @@
         </p:blipFill>
         <p:spPr>
           <a:xfrm>
-            <a:off x="5559853" y="3406544"/>
+            <a:off x="5633005" y="2867402"/>
             <a:ext cx="6387198" cy="2677300"/>
           </a:xfrm>
           <a:prstGeom prst="rect">
@@ -17956,208 +17956,10 @@
       </p:pic>
       <p:sp>
         <p:nvSpPr>
-          <p:cNvPr id="13" name="Rectangle 3">
+          <p:cNvPr id="5" name="CasellaDiTesto 4">
             <a:extLst>
               <a:ext uri="{FF2B5EF4-FFF2-40B4-BE49-F238E27FC236}">
-                <a16:creationId xmlns:a16="http://schemas.microsoft.com/office/drawing/2014/main" id="{808B22BA-1795-62B7-49D1-E1B5741902DE}"/>
-              </a:ext>
-            </a:extLst>
-          </p:cNvPr>
-          <p:cNvSpPr>
-            <a:spLocks noChangeArrowheads="1"/>
-          </p:cNvSpPr>
-          <p:nvPr/>
-        </p:nvSpPr>
-        <p:spPr bwMode="auto">
-          <a:xfrm>
-            <a:off x="506648" y="3591032"/>
-            <a:ext cx="5318079" cy="2308324"/>
-          </a:xfrm>
-          <a:prstGeom prst="rect">
-            <a:avLst/>
-          </a:prstGeom>
-          <a:noFill/>
-          <a:ln>
-            <a:noFill/>
-          </a:ln>
-          <a:effectLst/>
-          <a:extLst>
-            <a:ext uri="{909E8E84-426E-40DD-AFC4-6F175D3DCCD1}">
-              <a14:hiddenFill xmlns:a14="http://schemas.microsoft.com/office/drawing/2010/main">
-                <a:solidFill>
-                  <a:schemeClr val="accent1"/>
-                </a:solidFill>
-              </a14:hiddenFill>
-            </a:ext>
-            <a:ext uri="{91240B29-F687-4F45-9708-019B960494DF}">
-              <a14:hiddenLine xmlns:a14="http://schemas.microsoft.com/office/drawing/2010/main" w="9525">
-                <a:solidFill>
-                  <a:schemeClr val="tx1"/>
-                </a:solidFill>
-                <a:miter lim="800000"/>
-                <a:headEnd/>
-                <a:tailEnd/>
-              </a14:hiddenLine>
-            </a:ext>
-            <a:ext uri="{AF507438-7753-43E0-B8FC-AC1667EBCBE1}">
-              <a14:hiddenEffects xmlns:a14="http://schemas.microsoft.com/office/drawing/2010/main">
-                <a:effectLst>
-                  <a:outerShdw dist="35921" dir="2700000" algn="ctr" rotWithShape="0">
-                    <a:schemeClr val="bg2"/>
-                  </a:outerShdw>
-                </a:effectLst>
-              </a14:hiddenEffects>
-            </a:ext>
-          </a:extLst>
-        </p:spPr>
-        <p:txBody>
-          <a:bodyPr vert="horz" wrap="square" lIns="91440" tIns="45720" rIns="91440" bIns="45720" numCol="1" anchor="ctr" anchorCtr="0" compatLnSpc="1">
-            <a:prstTxWarp prst="textNoShape">
-              <a:avLst/>
-            </a:prstTxWarp>
-            <a:spAutoFit/>
-          </a:bodyPr>
-          <a:lstStyle/>
-          <a:p>
-            <a:pPr marL="285750" marR="0" lvl="0" indent="-285750" algn="l" defTabSz="914400" rtl="0" eaLnBrk="0" fontAlgn="base" latinLnBrk="0" hangingPunct="0">
-              <a:lnSpc>
-                <a:spcPct val="100000"/>
-              </a:lnSpc>
-              <a:spcBef>
-                <a:spcPct val="0"/>
-              </a:spcBef>
-              <a:spcAft>
-                <a:spcPct val="0"/>
-              </a:spcAft>
-              <a:buClrTx/>
-              <a:buSzTx/>
-              <a:buFont typeface="Arial" panose="020B0604020202020204" pitchFamily="34" charset="0"/>
-              <a:buChar char="•"/>
-              <a:tabLst/>
-            </a:pPr>
-            <a:r>
-              <a:rPr lang="it-IT" altLang="it-IT" dirty="0"/>
-              <a:t>Le </a:t>
-            </a:r>
-            <a:r>
-              <a:rPr lang="it-IT" altLang="it-IT" b="1" dirty="0"/>
-              <a:t>B-</a:t>
-            </a:r>
-            <a:r>
-              <a:rPr lang="it-IT" altLang="it-IT" b="1" dirty="0" err="1"/>
-              <a:t>spline</a:t>
-            </a:r>
-            <a:r>
-              <a:rPr lang="it-IT" altLang="it-IT" dirty="0"/>
-              <a:t> sono </a:t>
-            </a:r>
-            <a:r>
-              <a:rPr lang="it-IT" altLang="it-IT" b="1" dirty="0"/>
-              <a:t>funzioni polinomiali a tratti</a:t>
-            </a:r>
-            <a:r>
-              <a:rPr lang="it-IT" altLang="it-IT" dirty="0"/>
-              <a:t>.</a:t>
-            </a:r>
-          </a:p>
-          <a:p>
-            <a:pPr marL="285750" marR="0" lvl="0" indent="-285750" algn="l" defTabSz="914400" rtl="0" eaLnBrk="0" fontAlgn="base" latinLnBrk="0" hangingPunct="0">
-              <a:lnSpc>
-                <a:spcPct val="100000"/>
-              </a:lnSpc>
-              <a:spcBef>
-                <a:spcPct val="0"/>
-              </a:spcBef>
-              <a:spcAft>
-                <a:spcPct val="0"/>
-              </a:spcAft>
-              <a:buClrTx/>
-              <a:buSzTx/>
-              <a:buFont typeface="Arial" panose="020B0604020202020204" pitchFamily="34" charset="0"/>
-              <a:buChar char="•"/>
-              <a:tabLst/>
-            </a:pPr>
-            <a:r>
-              <a:rPr lang="it-IT" altLang="it-IT" dirty="0"/>
-              <a:t>Sono </a:t>
-            </a:r>
-            <a:r>
-              <a:rPr lang="it-IT" altLang="it-IT" b="1" dirty="0"/>
-              <a:t>continue</a:t>
-            </a:r>
-            <a:r>
-              <a:rPr lang="it-IT" altLang="it-IT" dirty="0"/>
-              <a:t> e </a:t>
-            </a:r>
-            <a:r>
-              <a:rPr lang="it-IT" altLang="it-IT" b="1" dirty="0"/>
-              <a:t>differenziabili</a:t>
-            </a:r>
-            <a:r>
-              <a:rPr lang="it-IT" altLang="it-IT" dirty="0"/>
-              <a:t>.</a:t>
-            </a:r>
-          </a:p>
-          <a:p>
-            <a:pPr marL="285750" marR="0" lvl="0" indent="-285750" algn="l" defTabSz="914400" rtl="0" eaLnBrk="0" fontAlgn="base" latinLnBrk="0" hangingPunct="0">
-              <a:lnSpc>
-                <a:spcPct val="100000"/>
-              </a:lnSpc>
-              <a:spcBef>
-                <a:spcPct val="0"/>
-              </a:spcBef>
-              <a:spcAft>
-                <a:spcPct val="0"/>
-              </a:spcAft>
-              <a:buClrTx/>
-              <a:buSzTx/>
-              <a:buFont typeface="Arial" panose="020B0604020202020204" pitchFamily="34" charset="0"/>
-              <a:buChar char="•"/>
-              <a:tabLst/>
-            </a:pPr>
-            <a:r>
-              <a:rPr lang="it-IT" altLang="it-IT" dirty="0"/>
-              <a:t>Hanno </a:t>
-            </a:r>
-            <a:r>
-              <a:rPr lang="it-IT" altLang="it-IT" b="1" dirty="0"/>
-              <a:t>controllo locale</a:t>
-            </a:r>
-            <a:r>
-              <a:rPr lang="it-IT" altLang="it-IT" dirty="0"/>
-              <a:t>: cambiare un punto di controllo influisce solo su una zona locale della curva.</a:t>
-            </a:r>
-          </a:p>
-          <a:p>
-            <a:pPr marL="285750" marR="0" lvl="0" indent="-285750" algn="l" defTabSz="914400" rtl="0" eaLnBrk="0" fontAlgn="base" latinLnBrk="0" hangingPunct="0">
-              <a:lnSpc>
-                <a:spcPct val="100000"/>
-              </a:lnSpc>
-              <a:spcBef>
-                <a:spcPct val="0"/>
-              </a:spcBef>
-              <a:spcAft>
-                <a:spcPct val="0"/>
-              </a:spcAft>
-              <a:buClrTx/>
-              <a:buSzTx/>
-              <a:buFont typeface="Arial" panose="020B0604020202020204" pitchFamily="34" charset="0"/>
-              <a:buChar char="•"/>
-              <a:tabLst/>
-            </a:pPr>
-            <a:r>
-              <a:rPr lang="it-IT" altLang="it-IT" dirty="0"/>
-              <a:t>I coefficienti della loro rappresentazione possono essere imparati dalla rete durante il processo di training.</a:t>
-            </a:r>
-          </a:p>
-        </p:txBody>
-      </p:sp>
-      <p:sp>
-        <p:nvSpPr>
-          <p:cNvPr id="4" name="CasellaDiTesto 3">
-            <a:extLst>
-              <a:ext uri="{FF2B5EF4-FFF2-40B4-BE49-F238E27FC236}">
-                <a16:creationId xmlns:a16="http://schemas.microsoft.com/office/drawing/2014/main" id="{63879D1D-D5F8-172B-D44A-D73FDC92709C}"/>
+                <a16:creationId xmlns:a16="http://schemas.microsoft.com/office/drawing/2014/main" id="{4D3E33FA-10C3-D03A-7991-145E593CD74A}"/>
               </a:ext>
             </a:extLst>
           </p:cNvPr>
@@ -18166,8 +17968,8 @@
         </p:nvSpPr>
         <p:spPr>
           <a:xfrm>
-            <a:off x="694817" y="2043448"/>
-            <a:ext cx="10656026" cy="1354217"/>
+            <a:off x="525780" y="2650568"/>
+            <a:ext cx="5705792" cy="3477875"/>
           </a:xfrm>
           <a:prstGeom prst="rect">
             <a:avLst/>
@@ -18180,126 +17982,164 @@
           </a:bodyPr>
           <a:lstStyle/>
           <a:p>
-            <a:pPr lvl="0" defTabSz="914400" eaLnBrk="0" fontAlgn="base" hangingPunct="0">
-              <a:spcBef>
-                <a:spcPct val="0"/>
-              </a:spcBef>
-              <a:spcAft>
-                <a:spcPct val="0"/>
-              </a:spcAft>
+            <a:r>
+              <a:rPr lang="it-IT" sz="2000" b="1" dirty="0"/>
+              <a:t>Vantaggi Rispetto alle Curve di </a:t>
+            </a:r>
+            <a:r>
+              <a:rPr lang="it-IT" sz="2000" b="1" dirty="0" err="1"/>
+              <a:t>Bézier</a:t>
+            </a:r>
+            <a:endParaRPr lang="it-IT" sz="2000" b="1" dirty="0"/>
+          </a:p>
+          <a:p>
+            <a:pPr marL="342900" indent="-342900">
+              <a:buFont typeface="Arial" panose="020B0604020202020204" pitchFamily="34" charset="0"/>
+              <a:buChar char="•"/>
             </a:pPr>
             <a:r>
-              <a:rPr lang="it-IT" altLang="it-IT" sz="1600" dirty="0"/>
-              <a:t>Una </a:t>
-            </a:r>
-            <a:r>
-              <a:rPr lang="it-IT" altLang="it-IT" sz="1600" b="1" dirty="0"/>
-              <a:t>curva di </a:t>
-            </a:r>
-            <a:r>
-              <a:rPr lang="it-IT" altLang="it-IT" sz="1600" b="1" dirty="0" err="1"/>
+              <a:rPr lang="it-IT" sz="2000" b="1" dirty="0"/>
+              <a:t>Controllo Locale</a:t>
+            </a:r>
+            <a:r>
+              <a:rPr lang="it-IT" sz="2000" dirty="0"/>
+              <a:t>: La modifica di un punto di controllo influisce solo su una zona locale della curva (non è necessario ricalcolare tutto).</a:t>
+            </a:r>
+          </a:p>
+          <a:p>
+            <a:pPr marL="342900" indent="-342900">
+              <a:buFont typeface="Arial" panose="020B0604020202020204" pitchFamily="34" charset="0"/>
+              <a:buChar char="•"/>
+            </a:pPr>
+            <a:r>
+              <a:rPr lang="it-IT" sz="2000" b="1" dirty="0"/>
+              <a:t>Scalabilità</a:t>
+            </a:r>
+            <a:r>
+              <a:rPr lang="it-IT" sz="2000" dirty="0"/>
+              <a:t>: Il grado del polinomio è fisso e non dipende strettamente dal numero di punti di controllo (evita la complessità n−1).</a:t>
+            </a:r>
+          </a:p>
+          <a:p>
+            <a:r>
+              <a:rPr lang="it-IT" sz="2000" dirty="0"/>
+              <a:t>Caratteristiche Fondamentali</a:t>
+            </a:r>
+          </a:p>
+          <a:p>
+            <a:pPr marL="342900" indent="-342900">
+              <a:buFont typeface="Arial" panose="020B0604020202020204" pitchFamily="34" charset="0"/>
+              <a:buChar char="•"/>
+            </a:pPr>
+            <a:r>
+              <a:rPr lang="it-IT" sz="2000" dirty="0"/>
+              <a:t>Sono </a:t>
+            </a:r>
+            <a:r>
+              <a:rPr lang="it-IT" sz="2000" b="1" dirty="0"/>
+              <a:t>continue e differenziabili</a:t>
+            </a:r>
+            <a:r>
+              <a:rPr lang="it-IT" sz="2000" dirty="0"/>
+              <a:t>.</a:t>
+            </a:r>
+          </a:p>
+          <a:p>
+            <a:pPr marL="342900" indent="-342900">
+              <a:buFont typeface="Arial" panose="020B0604020202020204" pitchFamily="34" charset="0"/>
+              <a:buChar char="•"/>
+            </a:pPr>
+            <a:r>
+              <a:rPr lang="it-IT" sz="2000" dirty="0"/>
+              <a:t>I loro </a:t>
+            </a:r>
+            <a:r>
+              <a:rPr lang="it-IT" sz="2000" b="1" dirty="0"/>
+              <a:t>coefficienti</a:t>
+            </a:r>
+            <a:r>
+              <a:rPr lang="it-IT" sz="2000" dirty="0"/>
+              <a:t> possono essere </a:t>
+            </a:r>
+            <a:r>
+              <a:rPr lang="it-IT" sz="2000" b="1" dirty="0"/>
+              <a:t>imparati</a:t>
+            </a:r>
+            <a:r>
+              <a:rPr lang="it-IT" sz="2000" dirty="0"/>
+              <a:t> da una rete neurale </a:t>
+            </a:r>
+            <a:r>
+              <a:rPr lang="it-IT" sz="2000" b="1" dirty="0"/>
+              <a:t>durante il processo di training</a:t>
+            </a:r>
+            <a:r>
+              <a:rPr lang="it-IT" sz="2000" dirty="0"/>
+              <a:t>.</a:t>
+            </a:r>
+          </a:p>
+        </p:txBody>
+      </p:sp>
+      <p:sp>
+        <p:nvSpPr>
+          <p:cNvPr id="8" name="CasellaDiTesto 7">
+            <a:extLst>
+              <a:ext uri="{FF2B5EF4-FFF2-40B4-BE49-F238E27FC236}">
+                <a16:creationId xmlns:a16="http://schemas.microsoft.com/office/drawing/2014/main" id="{5FEE72D9-360B-07AF-CBDA-2D059FAD405C}"/>
+              </a:ext>
+            </a:extLst>
+          </p:cNvPr>
+          <p:cNvSpPr txBox="1"/>
+          <p:nvPr/>
+        </p:nvSpPr>
+        <p:spPr>
+          <a:xfrm>
+            <a:off x="1619535" y="2068385"/>
+            <a:ext cx="8949754" cy="400110"/>
+          </a:xfrm>
+          <a:prstGeom prst="rect">
+            <a:avLst/>
+          </a:prstGeom>
+          <a:noFill/>
+        </p:spPr>
+        <p:txBody>
+          <a:bodyPr wrap="square">
+            <a:spAutoFit/>
+          </a:bodyPr>
+          <a:lstStyle/>
+          <a:p>
+            <a:r>
+              <a:rPr lang="it-IT" sz="1800" dirty="0"/>
+              <a:t>Le </a:t>
+            </a:r>
+            <a:r>
+              <a:rPr lang="it-IT" sz="2000" b="1" dirty="0"/>
+              <a:t>B-</a:t>
+            </a:r>
+            <a:r>
+              <a:rPr lang="it-IT" sz="2000" b="1" dirty="0" err="1"/>
+              <a:t>spline</a:t>
+            </a:r>
+            <a:r>
+              <a:rPr lang="it-IT" sz="1800" dirty="0"/>
+              <a:t> sono </a:t>
+            </a:r>
+            <a:r>
+              <a:rPr lang="it-IT" sz="2000" b="1" dirty="0"/>
+              <a:t>funzioni polinomiali a tratti </a:t>
+            </a:r>
+            <a:r>
+              <a:rPr lang="it-IT" sz="1800" dirty="0"/>
+              <a:t>che risolvono le criticità delle curve di </a:t>
+            </a:r>
+            <a:r>
+              <a:rPr lang="it-IT" sz="1800" dirty="0" err="1"/>
               <a:t>Bézier</a:t>
             </a:r>
             <a:r>
-              <a:rPr lang="it-IT" altLang="it-IT" sz="1600" dirty="0"/>
-              <a:t> è una </a:t>
-            </a:r>
-            <a:r>
-              <a:rPr lang="it-IT" altLang="it-IT" sz="1600" b="1" dirty="0"/>
-              <a:t>curva parametrica</a:t>
-            </a:r>
-            <a:r>
-              <a:rPr lang="it-IT" altLang="it-IT" sz="1600" dirty="0"/>
-              <a:t>, dove tutte le coordinate della curva dipendono da una variabile indipendente t.</a:t>
-            </a:r>
-          </a:p>
-          <a:p>
-            <a:pPr lvl="0" defTabSz="914400" eaLnBrk="0" fontAlgn="base" hangingPunct="0">
-              <a:spcBef>
-                <a:spcPct val="0"/>
-              </a:spcBef>
-              <a:spcAft>
-                <a:spcPct val="0"/>
-              </a:spcAft>
-            </a:pPr>
-            <a:endParaRPr lang="it-IT" altLang="it-IT" sz="1600" dirty="0"/>
-          </a:p>
-          <a:p>
-            <a:pPr lvl="0" defTabSz="914400" eaLnBrk="0" fontAlgn="base" hangingPunct="0">
-              <a:spcBef>
-                <a:spcPct val="0"/>
-              </a:spcBef>
-              <a:spcAft>
-                <a:spcPct val="0"/>
-              </a:spcAft>
-            </a:pPr>
-            <a:r>
-              <a:rPr lang="it-IT" altLang="it-IT" sz="1600" dirty="0"/>
-              <a:t>Problema 1: Se ho </a:t>
-            </a:r>
-            <a:r>
-              <a:rPr lang="it-IT" sz="1600" dirty="0"/>
-              <a:t>𝑛</a:t>
-            </a:r>
-            <a:r>
-              <a:rPr lang="it-IT" altLang="it-IT" sz="1600" dirty="0"/>
-              <a:t> punti di controllo, devo usare una curva di </a:t>
-            </a:r>
-            <a:r>
-              <a:rPr lang="it-IT" altLang="it-IT" sz="1600" dirty="0" err="1"/>
-              <a:t>Bézier</a:t>
-            </a:r>
-            <a:r>
-              <a:rPr lang="it-IT" altLang="it-IT" sz="1600" dirty="0"/>
-              <a:t> di grado </a:t>
-            </a:r>
-            <a:r>
-              <a:rPr lang="it-IT" sz="1600" dirty="0"/>
-              <a:t>𝑛 </a:t>
-            </a:r>
-            <a:r>
-              <a:rPr lang="it-IT" altLang="it-IT" sz="1600" dirty="0"/>
-              <a:t>– 1 (</a:t>
-            </a:r>
-            <a:r>
-              <a:rPr lang="it-IT" altLang="it-IT" sz="1600" b="1" dirty="0" err="1"/>
-              <a:t>computazionalmente</a:t>
-            </a:r>
-            <a:r>
-              <a:rPr lang="it-IT" altLang="it-IT" sz="1600" b="1" dirty="0"/>
-              <a:t> complesso da calcolare all’aumenta di </a:t>
-            </a:r>
-            <a:r>
-              <a:rPr lang="it-IT" sz="1600" b="1" dirty="0"/>
-              <a:t>𝑛</a:t>
-            </a:r>
-            <a:r>
-              <a:rPr lang="it-IT" altLang="it-IT" sz="1600" dirty="0"/>
-              <a:t>).</a:t>
-            </a:r>
-          </a:p>
-          <a:p>
-            <a:pPr lvl="0" defTabSz="914400" eaLnBrk="0" fontAlgn="base" hangingPunct="0">
-              <a:spcBef>
-                <a:spcPct val="0"/>
-              </a:spcBef>
-              <a:spcAft>
-                <a:spcPct val="0"/>
-              </a:spcAft>
-            </a:pPr>
-            <a:r>
-              <a:rPr lang="it-IT" altLang="it-IT" sz="1600" dirty="0"/>
-              <a:t>Problema 2: Se sposto un punto di controllo, devo ricalcolare l'intera curva (</a:t>
-            </a:r>
-            <a:r>
-              <a:rPr lang="it-IT" altLang="it-IT" sz="1600" b="1" dirty="0"/>
-              <a:t>non ho controllo locale</a:t>
-            </a:r>
-            <a:r>
-              <a:rPr lang="it-IT" altLang="it-IT" sz="1600" dirty="0"/>
-              <a:t>).</a:t>
-            </a:r>
-            <a:endParaRPr lang="it-IT" sz="1600" dirty="0"/>
+              <a:rPr lang="it-IT" sz="1800" dirty="0"/>
+              <a:t>.</a:t>
+            </a:r>
           </a:p>
         </p:txBody>
       </p:sp>
@@ -18792,7 +18632,7 @@
             </a:r>
             <a:r>
               <a:rPr lang="it-IT" sz="4000" dirty="0"/>
-              <a:t> (KART) - KAN</a:t>
+              <a:t> (KART)</a:t>
             </a:r>
           </a:p>
         </p:txBody>
@@ -18865,8 +18705,8 @@
           </a:p>
         </p:txBody>
       </p:sp>
-      <mc:AlternateContent xmlns:mc="http://schemas.openxmlformats.org/markup-compatibility/2006">
-        <mc:Choice xmlns:a14="http://schemas.microsoft.com/office/drawing/2010/main" Requires="a14">
+      <mc:AlternateContent xmlns:mc="http://schemas.openxmlformats.org/markup-compatibility/2006" xmlns:a14="http://schemas.microsoft.com/office/drawing/2010/main">
+        <mc:Choice Requires="a14">
           <p:sp>
             <p:nvSpPr>
               <p:cNvPr id="3" name="Content Placeholder 2">
@@ -19356,7 +19196,7 @@
             </p:txBody>
           </p:sp>
         </mc:Choice>
-        <mc:Fallback>
+        <mc:Fallback xmlns="">
           <p:sp>
             <p:nvSpPr>
               <p:cNvPr id="3" name="Content Placeholder 2">
@@ -19914,12 +19754,8 @@
           </a:p>
           <a:p>
             <a:r>
-              <a:rPr lang="it-IT" sz="2000" dirty="0"/>
-              <a:t>Ottime per </a:t>
-            </a:r>
-            <a:r>
               <a:rPr lang="it-IT" sz="2000" b="1" dirty="0"/>
-              <a:t>dati a bassa dimensionalità</a:t>
+              <a:t>Efficacia a bassa dimensionalità</a:t>
             </a:r>
             <a:r>
               <a:rPr lang="it-IT" sz="2000" dirty="0"/>
@@ -19929,20 +19765,9 @@
           <a:p>
             <a:r>
               <a:rPr lang="it-IT" sz="2000" b="1" dirty="0"/>
-              <a:t>Controllo locale </a:t>
-            </a:r>
-            <a:r>
-              <a:rPr lang="it-IT" sz="2000" dirty="0"/>
-              <a:t>utile per l'apprendimento continuo (</a:t>
-            </a:r>
-            <a:r>
-              <a:rPr lang="it-IT" sz="2000" dirty="0" err="1"/>
-              <a:t>Continual</a:t>
-            </a:r>
-            <a:r>
-              <a:rPr lang="it-IT" sz="2000" dirty="0"/>
-              <a:t> Learning).</a:t>
-            </a:r>
+              <a:t>Controllo locale.</a:t>
+            </a:r>
+            <a:endParaRPr lang="it-IT" sz="2000" dirty="0"/>
           </a:p>
           <a:p>
             <a:pPr marL="0" indent="0">

--- a/Presentation.pptx
+++ b/Presentation.pptx
@@ -2411,7 +2411,7 @@
           <a:p>
             <a:fld id="{5BCAD085-E8A6-8845-BD4E-CB4CCA059FC4}" type="datetimeFigureOut">
               <a:rPr lang="en-US" smtClean="0"/>
-              <a:t>9/26/2025</a:t>
+              <a:t>9/27/2025</a:t>
             </a:fld>
             <a:endParaRPr lang="en-US"/>
           </a:p>
@@ -2579,7 +2579,7 @@
           <a:p>
             <a:fld id="{5BCAD085-E8A6-8845-BD4E-CB4CCA059FC4}" type="datetimeFigureOut">
               <a:rPr lang="en-US" smtClean="0"/>
-              <a:t>9/26/2025</a:t>
+              <a:t>9/27/2025</a:t>
             </a:fld>
             <a:endParaRPr lang="en-US"/>
           </a:p>
@@ -2757,7 +2757,7 @@
           <a:p>
             <a:fld id="{5BCAD085-E8A6-8845-BD4E-CB4CCA059FC4}" type="datetimeFigureOut">
               <a:rPr lang="en-US" smtClean="0"/>
-              <a:t>9/26/2025</a:t>
+              <a:t>9/27/2025</a:t>
             </a:fld>
             <a:endParaRPr lang="en-US"/>
           </a:p>
@@ -2925,7 +2925,7 @@
           <a:p>
             <a:fld id="{5BCAD085-E8A6-8845-BD4E-CB4CCA059FC4}" type="datetimeFigureOut">
               <a:rPr lang="en-US" smtClean="0"/>
-              <a:t>9/26/2025</a:t>
+              <a:t>9/27/2025</a:t>
             </a:fld>
             <a:endParaRPr lang="en-US"/>
           </a:p>
@@ -3170,7 +3170,7 @@
           <a:p>
             <a:fld id="{5BCAD085-E8A6-8845-BD4E-CB4CCA059FC4}" type="datetimeFigureOut">
               <a:rPr lang="en-US" smtClean="0"/>
-              <a:t>9/26/2025</a:t>
+              <a:t>9/27/2025</a:t>
             </a:fld>
             <a:endParaRPr lang="en-US"/>
           </a:p>
@@ -3455,7 +3455,7 @@
           <a:p>
             <a:fld id="{5BCAD085-E8A6-8845-BD4E-CB4CCA059FC4}" type="datetimeFigureOut">
               <a:rPr lang="en-US" smtClean="0"/>
-              <a:t>9/26/2025</a:t>
+              <a:t>9/27/2025</a:t>
             </a:fld>
             <a:endParaRPr lang="en-US"/>
           </a:p>
@@ -3874,7 +3874,7 @@
           <a:p>
             <a:fld id="{5BCAD085-E8A6-8845-BD4E-CB4CCA059FC4}" type="datetimeFigureOut">
               <a:rPr lang="en-US" smtClean="0"/>
-              <a:t>9/26/2025</a:t>
+              <a:t>9/27/2025</a:t>
             </a:fld>
             <a:endParaRPr lang="en-US"/>
           </a:p>
@@ -3991,7 +3991,7 @@
           <a:p>
             <a:fld id="{5BCAD085-E8A6-8845-BD4E-CB4CCA059FC4}" type="datetimeFigureOut">
               <a:rPr lang="en-US" smtClean="0"/>
-              <a:t>9/26/2025</a:t>
+              <a:t>9/27/2025</a:t>
             </a:fld>
             <a:endParaRPr lang="en-US"/>
           </a:p>
@@ -4086,7 +4086,7 @@
           <a:p>
             <a:fld id="{5BCAD085-E8A6-8845-BD4E-CB4CCA059FC4}" type="datetimeFigureOut">
               <a:rPr lang="en-US" smtClean="0"/>
-              <a:t>9/26/2025</a:t>
+              <a:t>9/27/2025</a:t>
             </a:fld>
             <a:endParaRPr lang="en-US"/>
           </a:p>
@@ -4361,7 +4361,7 @@
           <a:p>
             <a:fld id="{5BCAD085-E8A6-8845-BD4E-CB4CCA059FC4}" type="datetimeFigureOut">
               <a:rPr lang="en-US" smtClean="0"/>
-              <a:t>9/26/2025</a:t>
+              <a:t>9/27/2025</a:t>
             </a:fld>
             <a:endParaRPr lang="en-US"/>
           </a:p>
@@ -4613,7 +4613,7 @@
           <a:p>
             <a:fld id="{5BCAD085-E8A6-8845-BD4E-CB4CCA059FC4}" type="datetimeFigureOut">
               <a:rPr lang="en-US" smtClean="0"/>
-              <a:t>9/26/2025</a:t>
+              <a:t>9/27/2025</a:t>
             </a:fld>
             <a:endParaRPr lang="en-US"/>
           </a:p>
@@ -4824,7 +4824,7 @@
           <a:p>
             <a:fld id="{5BCAD085-E8A6-8845-BD4E-CB4CCA059FC4}" type="datetimeFigureOut">
               <a:rPr lang="en-US" smtClean="0"/>
-              <a:t>9/26/2025</a:t>
+              <a:t>9/27/2025</a:t>
             </a:fld>
             <a:endParaRPr lang="en-US"/>
           </a:p>
@@ -9376,7 +9376,7 @@
             </a:pPr>
             <a:r>
               <a:rPr lang="it-IT" altLang="it-IT" sz="2400" b="1" dirty="0"/>
-              <a:t>Studio di Ablazione</a:t>
+              <a:t>Valutare lo Studio di Ablazione</a:t>
             </a:r>
           </a:p>
         </p:txBody>
@@ -13079,8 +13079,8 @@
         </p:nvSpPr>
         <p:spPr bwMode="auto">
           <a:xfrm>
-            <a:off x="1689794" y="2705677"/>
-            <a:ext cx="9166891" cy="2800767"/>
+            <a:off x="1689794" y="2874954"/>
+            <a:ext cx="9166891" cy="2462213"/>
           </a:xfrm>
           <a:prstGeom prst="rect">
             <a:avLst/>
@@ -13293,28 +13293,6 @@
               <a:t>di CNN con classificatori finali MLP e KAN.</a:t>
             </a:r>
           </a:p>
-          <a:p>
-            <a:pPr marL="342900" marR="0" lvl="0" indent="-342900" algn="l" defTabSz="914400" rtl="0" eaLnBrk="0" fontAlgn="base" latinLnBrk="0" hangingPunct="0">
-              <a:lnSpc>
-                <a:spcPct val="100000"/>
-              </a:lnSpc>
-              <a:spcBef>
-                <a:spcPct val="0"/>
-              </a:spcBef>
-              <a:spcAft>
-                <a:spcPct val="0"/>
-              </a:spcAft>
-              <a:buClrTx/>
-              <a:buSzTx/>
-              <a:buFont typeface="+mj-lt"/>
-              <a:buAutoNum type="arabicPeriod"/>
-              <a:tabLst/>
-            </a:pPr>
-            <a:r>
-              <a:rPr lang="it-IT" altLang="it-IT" sz="2200" b="1" dirty="0"/>
-              <a:t>Studio di Ablazione</a:t>
-            </a:r>
-          </a:p>
         </p:txBody>
       </p:sp>
     </p:spTree>
@@ -13865,7 +13843,7 @@
             </a:r>
             <a:r>
               <a:rPr lang="it-IT" sz="2400" dirty="0"/>
-              <a:t>(riduzione dei parametri) per misurare il compromesso tra la complessità del modello e le prestazioni.</a:t>
+              <a:t>(riduzione dei parametri) per misurare il trade-off tra la complessità del modello e le prestazioni.</a:t>
             </a:r>
           </a:p>
         </p:txBody>
@@ -15980,7 +15958,7 @@
         <p:spPr>
           <a:xfrm>
             <a:off x="1363725" y="2411512"/>
-            <a:ext cx="9458325" cy="2862322"/>
+            <a:ext cx="9458325" cy="2246769"/>
           </a:xfrm>
           <a:prstGeom prst="rect">
             <a:avLst/>
@@ -16101,7 +16079,7 @@
             </a:pPr>
             <a:r>
               <a:rPr lang="it-IT" sz="2000" b="1" dirty="0"/>
-              <a:t>CNN+MLP </a:t>
+              <a:t>CNN standard </a:t>
             </a:r>
             <a:r>
               <a:rPr lang="it-IT" sz="2000" dirty="0"/>
@@ -16123,61 +16101,31 @@
             </a:pPr>
             <a:r>
               <a:rPr lang="it-IT" sz="2000" dirty="0"/>
-              <a:t>Gli </a:t>
+              <a:t>La </a:t>
             </a:r>
             <a:r>
               <a:rPr lang="it-IT" sz="2000" b="1" dirty="0"/>
-              <a:t>Ensemble</a:t>
+              <a:t>resilienza al </a:t>
+            </a:r>
+            <a:r>
+              <a:rPr lang="it-IT" sz="2000" b="1" dirty="0" err="1"/>
+              <a:t>Pruning</a:t>
+            </a:r>
+            <a:r>
+              <a:rPr lang="it-IT" sz="2000" b="1" dirty="0"/>
+              <a:t> </a:t>
             </a:r>
             <a:r>
               <a:rPr lang="it-IT" sz="2000" dirty="0"/>
-              <a:t> mostrano una </a:t>
+              <a:t>dei vari modelli </a:t>
             </a:r>
             <a:r>
               <a:rPr lang="it-IT" sz="2000" b="1" dirty="0"/>
-              <a:t>straordinaria resilienza alla compressione</a:t>
+              <a:t>dipende dalla natura del problema</a:t>
             </a:r>
             <a:r>
               <a:rPr lang="it-IT" sz="2000" dirty="0"/>
-              <a:t>, mantenendo le prestazioni anche dopo un </a:t>
-            </a:r>
-            <a:r>
-              <a:rPr lang="it-IT" sz="2000" dirty="0" err="1"/>
-              <a:t>pruning</a:t>
-            </a:r>
-            <a:r>
-              <a:rPr lang="it-IT" sz="2000" dirty="0"/>
-              <a:t> del 90%.</a:t>
-            </a:r>
-          </a:p>
-          <a:p>
-            <a:pPr marL="285750" indent="-285750">
-              <a:buFont typeface="Arial" panose="020B0604020202020204" pitchFamily="34" charset="0"/>
-              <a:buChar char="•"/>
-            </a:pPr>
-            <a:r>
-              <a:rPr lang="it-IT" sz="2000" dirty="0"/>
-              <a:t>Le </a:t>
-            </a:r>
-            <a:r>
-              <a:rPr lang="it-IT" sz="2000" b="1" dirty="0"/>
-              <a:t>Reti Neurali </a:t>
-            </a:r>
-            <a:r>
-              <a:rPr lang="it-IT" sz="2000" dirty="0"/>
-              <a:t>sono </a:t>
-            </a:r>
-            <a:r>
-              <a:rPr lang="it-IT" sz="2000" b="1" dirty="0"/>
-              <a:t>più fragili al </a:t>
-            </a:r>
-            <a:r>
-              <a:rPr lang="it-IT" sz="2000" b="1" dirty="0" err="1"/>
-              <a:t>pruning</a:t>
-            </a:r>
-            <a:r>
-              <a:rPr lang="it-IT" sz="2000" dirty="0"/>
-              <a:t>, tollerando una compressione inferiore.</a:t>
+              <a:t>.</a:t>
             </a:r>
           </a:p>
           <a:p>

--- a/Presentation.pptx
+++ b/Presentation.pptx
@@ -5,7 +5,7 @@
     <p:sldMasterId id="2147483648" r:id="rId1"/>
   </p:sldMasterIdLst>
   <p:notesMasterIdLst>
-    <p:notesMasterId r:id="rId24"/>
+    <p:notesMasterId r:id="rId28"/>
   </p:notesMasterIdLst>
   <p:sldIdLst>
     <p:sldId id="256" r:id="rId2"/>
@@ -30,6 +30,10 @@
     <p:sldId id="314" r:id="rId21"/>
     <p:sldId id="315" r:id="rId22"/>
     <p:sldId id="270" r:id="rId23"/>
+    <p:sldId id="316" r:id="rId24"/>
+    <p:sldId id="317" r:id="rId25"/>
+    <p:sldId id="318" r:id="rId26"/>
+    <p:sldId id="319" r:id="rId27"/>
   </p:sldIdLst>
   <p:sldSz cx="12188825" cy="6858000"/>
   <p:notesSz cx="6858000" cy="9144000"/>
@@ -1582,6 +1586,394 @@
 </p:notes>
 </file>
 
+<file path=ppt/notesSlides/notesSlide23.xml><?xml version="1.0" encoding="utf-8"?>
+<p:notes xmlns:a="http://schemas.openxmlformats.org/drawingml/2006/main" xmlns:r="http://schemas.openxmlformats.org/officeDocument/2006/relationships" xmlns:p="http://schemas.openxmlformats.org/presentationml/2006/main">
+  <p:cSld>
+    <p:spTree>
+      <p:nvGrpSpPr>
+        <p:cNvPr id="1" name="">
+          <a:extLst>
+            <a:ext uri="{FF2B5EF4-FFF2-40B4-BE49-F238E27FC236}">
+              <a16:creationId xmlns:a16="http://schemas.microsoft.com/office/drawing/2014/main" id="{FF54D72B-31CD-2DCB-1508-60AF76378AAB}"/>
+            </a:ext>
+          </a:extLst>
+        </p:cNvPr>
+        <p:cNvGrpSpPr/>
+        <p:nvPr/>
+      </p:nvGrpSpPr>
+      <p:grpSpPr>
+        <a:xfrm>
+          <a:off x="0" y="0"/>
+          <a:ext cx="0" cy="0"/>
+          <a:chOff x="0" y="0"/>
+          <a:chExt cx="0" cy="0"/>
+        </a:xfrm>
+      </p:grpSpPr>
+      <p:sp>
+        <p:nvSpPr>
+          <p:cNvPr id="2" name="Slide Image Placeholder 1">
+            <a:extLst>
+              <a:ext uri="{FF2B5EF4-FFF2-40B4-BE49-F238E27FC236}">
+                <a16:creationId xmlns:a16="http://schemas.microsoft.com/office/drawing/2014/main" id="{E60CA8EB-A556-48BB-43DC-8499FF8B87DE}"/>
+              </a:ext>
+            </a:extLst>
+          </p:cNvPr>
+          <p:cNvSpPr>
+            <a:spLocks noGrp="1" noRot="1" noChangeAspect="1"/>
+          </p:cNvSpPr>
+          <p:nvPr>
+            <p:ph type="sldImg" idx="2"/>
+          </p:nvPr>
+        </p:nvSpPr>
+        <p:spPr/>
+      </p:sp>
+      <p:sp>
+        <p:nvSpPr>
+          <p:cNvPr id="3" name="Notes Placeholder 2">
+            <a:extLst>
+              <a:ext uri="{FF2B5EF4-FFF2-40B4-BE49-F238E27FC236}">
+                <a16:creationId xmlns:a16="http://schemas.microsoft.com/office/drawing/2014/main" id="{50E26714-3A09-91CA-BFE4-414100CA1161}"/>
+              </a:ext>
+            </a:extLst>
+          </p:cNvPr>
+          <p:cNvSpPr>
+            <a:spLocks noGrp="1"/>
+          </p:cNvSpPr>
+          <p:nvPr>
+            <p:ph type="body" sz="quarter" idx="3"/>
+          </p:nvPr>
+        </p:nvSpPr>
+        <p:spPr/>
+        <p:txBody>
+          <a:bodyPr/>
+          <a:lstStyle/>
+          <a:p>
+            <a:endParaRPr dirty="0"/>
+          </a:p>
+        </p:txBody>
+      </p:sp>
+      <p:sp>
+        <p:nvSpPr>
+          <p:cNvPr id="4" name="Slide Number Placeholder 3">
+            <a:extLst>
+              <a:ext uri="{FF2B5EF4-FFF2-40B4-BE49-F238E27FC236}">
+                <a16:creationId xmlns:a16="http://schemas.microsoft.com/office/drawing/2014/main" id="{0EB61D32-5878-2142-579E-AE3D410B27C0}"/>
+              </a:ext>
+            </a:extLst>
+          </p:cNvPr>
+          <p:cNvSpPr>
+            <a:spLocks noGrp="1"/>
+          </p:cNvSpPr>
+          <p:nvPr>
+            <p:ph type="sldNum" sz="quarter" idx="5"/>
+          </p:nvPr>
+        </p:nvSpPr>
+        <p:spPr/>
+      </p:sp>
+    </p:spTree>
+    <p:extLst>
+      <p:ext uri="{BB962C8B-B14F-4D97-AF65-F5344CB8AC3E}">
+        <p14:creationId xmlns:p14="http://schemas.microsoft.com/office/powerpoint/2010/main" val="4161655941"/>
+      </p:ext>
+    </p:extLst>
+  </p:cSld>
+  <p:clrMapOvr>
+    <a:masterClrMapping/>
+  </p:clrMapOvr>
+</p:notes>
+</file>
+
+<file path=ppt/notesSlides/notesSlide24.xml><?xml version="1.0" encoding="utf-8"?>
+<p:notes xmlns:a="http://schemas.openxmlformats.org/drawingml/2006/main" xmlns:r="http://schemas.openxmlformats.org/officeDocument/2006/relationships" xmlns:p="http://schemas.openxmlformats.org/presentationml/2006/main">
+  <p:cSld>
+    <p:spTree>
+      <p:nvGrpSpPr>
+        <p:cNvPr id="1" name="">
+          <a:extLst>
+            <a:ext uri="{FF2B5EF4-FFF2-40B4-BE49-F238E27FC236}">
+              <a16:creationId xmlns:a16="http://schemas.microsoft.com/office/drawing/2014/main" id="{D8754969-40BF-EC62-0DAF-2ED2A2103F79}"/>
+            </a:ext>
+          </a:extLst>
+        </p:cNvPr>
+        <p:cNvGrpSpPr/>
+        <p:nvPr/>
+      </p:nvGrpSpPr>
+      <p:grpSpPr>
+        <a:xfrm>
+          <a:off x="0" y="0"/>
+          <a:ext cx="0" cy="0"/>
+          <a:chOff x="0" y="0"/>
+          <a:chExt cx="0" cy="0"/>
+        </a:xfrm>
+      </p:grpSpPr>
+      <p:sp>
+        <p:nvSpPr>
+          <p:cNvPr id="2" name="Slide Image Placeholder 1">
+            <a:extLst>
+              <a:ext uri="{FF2B5EF4-FFF2-40B4-BE49-F238E27FC236}">
+                <a16:creationId xmlns:a16="http://schemas.microsoft.com/office/drawing/2014/main" id="{B5301D32-C226-685A-89A4-333CD1694B11}"/>
+              </a:ext>
+            </a:extLst>
+          </p:cNvPr>
+          <p:cNvSpPr>
+            <a:spLocks noGrp="1" noRot="1" noChangeAspect="1"/>
+          </p:cNvSpPr>
+          <p:nvPr>
+            <p:ph type="sldImg" idx="2"/>
+          </p:nvPr>
+        </p:nvSpPr>
+        <p:spPr/>
+      </p:sp>
+      <p:sp>
+        <p:nvSpPr>
+          <p:cNvPr id="3" name="Notes Placeholder 2">
+            <a:extLst>
+              <a:ext uri="{FF2B5EF4-FFF2-40B4-BE49-F238E27FC236}">
+                <a16:creationId xmlns:a16="http://schemas.microsoft.com/office/drawing/2014/main" id="{C963E14E-EE75-2266-EF53-6C7F376BB694}"/>
+              </a:ext>
+            </a:extLst>
+          </p:cNvPr>
+          <p:cNvSpPr>
+            <a:spLocks noGrp="1"/>
+          </p:cNvSpPr>
+          <p:nvPr>
+            <p:ph type="body" sz="quarter" idx="3"/>
+          </p:nvPr>
+        </p:nvSpPr>
+        <p:spPr/>
+        <p:txBody>
+          <a:bodyPr/>
+          <a:lstStyle/>
+          <a:p>
+            <a:endParaRPr dirty="0"/>
+          </a:p>
+        </p:txBody>
+      </p:sp>
+      <p:sp>
+        <p:nvSpPr>
+          <p:cNvPr id="4" name="Slide Number Placeholder 3">
+            <a:extLst>
+              <a:ext uri="{FF2B5EF4-FFF2-40B4-BE49-F238E27FC236}">
+                <a16:creationId xmlns:a16="http://schemas.microsoft.com/office/drawing/2014/main" id="{027867D8-23A7-0151-6536-B0293B4ECA78}"/>
+              </a:ext>
+            </a:extLst>
+          </p:cNvPr>
+          <p:cNvSpPr>
+            <a:spLocks noGrp="1"/>
+          </p:cNvSpPr>
+          <p:nvPr>
+            <p:ph type="sldNum" sz="quarter" idx="5"/>
+          </p:nvPr>
+        </p:nvSpPr>
+        <p:spPr/>
+      </p:sp>
+    </p:spTree>
+    <p:extLst>
+      <p:ext uri="{BB962C8B-B14F-4D97-AF65-F5344CB8AC3E}">
+        <p14:creationId xmlns:p14="http://schemas.microsoft.com/office/powerpoint/2010/main" val="1099220264"/>
+      </p:ext>
+    </p:extLst>
+  </p:cSld>
+  <p:clrMapOvr>
+    <a:masterClrMapping/>
+  </p:clrMapOvr>
+</p:notes>
+</file>
+
+<file path=ppt/notesSlides/notesSlide25.xml><?xml version="1.0" encoding="utf-8"?>
+<p:notes xmlns:a="http://schemas.openxmlformats.org/drawingml/2006/main" xmlns:r="http://schemas.openxmlformats.org/officeDocument/2006/relationships" xmlns:p="http://schemas.openxmlformats.org/presentationml/2006/main">
+  <p:cSld>
+    <p:spTree>
+      <p:nvGrpSpPr>
+        <p:cNvPr id="1" name="">
+          <a:extLst>
+            <a:ext uri="{FF2B5EF4-FFF2-40B4-BE49-F238E27FC236}">
+              <a16:creationId xmlns:a16="http://schemas.microsoft.com/office/drawing/2014/main" id="{5B9D5D8A-80D6-17CE-8AE9-E7BE10285317}"/>
+            </a:ext>
+          </a:extLst>
+        </p:cNvPr>
+        <p:cNvGrpSpPr/>
+        <p:nvPr/>
+      </p:nvGrpSpPr>
+      <p:grpSpPr>
+        <a:xfrm>
+          <a:off x="0" y="0"/>
+          <a:ext cx="0" cy="0"/>
+          <a:chOff x="0" y="0"/>
+          <a:chExt cx="0" cy="0"/>
+        </a:xfrm>
+      </p:grpSpPr>
+      <p:sp>
+        <p:nvSpPr>
+          <p:cNvPr id="2" name="Slide Image Placeholder 1">
+            <a:extLst>
+              <a:ext uri="{FF2B5EF4-FFF2-40B4-BE49-F238E27FC236}">
+                <a16:creationId xmlns:a16="http://schemas.microsoft.com/office/drawing/2014/main" id="{01FA58A6-4EE0-1E88-D368-0AB921A2E631}"/>
+              </a:ext>
+            </a:extLst>
+          </p:cNvPr>
+          <p:cNvSpPr>
+            <a:spLocks noGrp="1" noRot="1" noChangeAspect="1"/>
+          </p:cNvSpPr>
+          <p:nvPr>
+            <p:ph type="sldImg" idx="2"/>
+          </p:nvPr>
+        </p:nvSpPr>
+        <p:spPr/>
+      </p:sp>
+      <p:sp>
+        <p:nvSpPr>
+          <p:cNvPr id="3" name="Notes Placeholder 2">
+            <a:extLst>
+              <a:ext uri="{FF2B5EF4-FFF2-40B4-BE49-F238E27FC236}">
+                <a16:creationId xmlns:a16="http://schemas.microsoft.com/office/drawing/2014/main" id="{ECA52EF1-E683-CEB3-18A9-4B9C270BE767}"/>
+              </a:ext>
+            </a:extLst>
+          </p:cNvPr>
+          <p:cNvSpPr>
+            <a:spLocks noGrp="1"/>
+          </p:cNvSpPr>
+          <p:nvPr>
+            <p:ph type="body" sz="quarter" idx="3"/>
+          </p:nvPr>
+        </p:nvSpPr>
+        <p:spPr/>
+        <p:txBody>
+          <a:bodyPr/>
+          <a:lstStyle/>
+          <a:p>
+            <a:endParaRPr dirty="0"/>
+          </a:p>
+        </p:txBody>
+      </p:sp>
+      <p:sp>
+        <p:nvSpPr>
+          <p:cNvPr id="4" name="Slide Number Placeholder 3">
+            <a:extLst>
+              <a:ext uri="{FF2B5EF4-FFF2-40B4-BE49-F238E27FC236}">
+                <a16:creationId xmlns:a16="http://schemas.microsoft.com/office/drawing/2014/main" id="{9A527544-8367-4621-2320-342E87F0E241}"/>
+              </a:ext>
+            </a:extLst>
+          </p:cNvPr>
+          <p:cNvSpPr>
+            <a:spLocks noGrp="1"/>
+          </p:cNvSpPr>
+          <p:nvPr>
+            <p:ph type="sldNum" sz="quarter" idx="5"/>
+          </p:nvPr>
+        </p:nvSpPr>
+        <p:spPr/>
+      </p:sp>
+    </p:spTree>
+    <p:extLst>
+      <p:ext uri="{BB962C8B-B14F-4D97-AF65-F5344CB8AC3E}">
+        <p14:creationId xmlns:p14="http://schemas.microsoft.com/office/powerpoint/2010/main" val="4264321919"/>
+      </p:ext>
+    </p:extLst>
+  </p:cSld>
+  <p:clrMapOvr>
+    <a:masterClrMapping/>
+  </p:clrMapOvr>
+</p:notes>
+</file>
+
+<file path=ppt/notesSlides/notesSlide26.xml><?xml version="1.0" encoding="utf-8"?>
+<p:notes xmlns:a="http://schemas.openxmlformats.org/drawingml/2006/main" xmlns:r="http://schemas.openxmlformats.org/officeDocument/2006/relationships" xmlns:p="http://schemas.openxmlformats.org/presentationml/2006/main">
+  <p:cSld>
+    <p:spTree>
+      <p:nvGrpSpPr>
+        <p:cNvPr id="1" name="">
+          <a:extLst>
+            <a:ext uri="{FF2B5EF4-FFF2-40B4-BE49-F238E27FC236}">
+              <a16:creationId xmlns:a16="http://schemas.microsoft.com/office/drawing/2014/main" id="{6E28A46B-AF08-2654-9526-2A0A76BBB7B3}"/>
+            </a:ext>
+          </a:extLst>
+        </p:cNvPr>
+        <p:cNvGrpSpPr/>
+        <p:nvPr/>
+      </p:nvGrpSpPr>
+      <p:grpSpPr>
+        <a:xfrm>
+          <a:off x="0" y="0"/>
+          <a:ext cx="0" cy="0"/>
+          <a:chOff x="0" y="0"/>
+          <a:chExt cx="0" cy="0"/>
+        </a:xfrm>
+      </p:grpSpPr>
+      <p:sp>
+        <p:nvSpPr>
+          <p:cNvPr id="2" name="Slide Image Placeholder 1">
+            <a:extLst>
+              <a:ext uri="{FF2B5EF4-FFF2-40B4-BE49-F238E27FC236}">
+                <a16:creationId xmlns:a16="http://schemas.microsoft.com/office/drawing/2014/main" id="{E3C61226-2367-AE61-5F3C-0804D2024A12}"/>
+              </a:ext>
+            </a:extLst>
+          </p:cNvPr>
+          <p:cNvSpPr>
+            <a:spLocks noGrp="1" noRot="1" noChangeAspect="1"/>
+          </p:cNvSpPr>
+          <p:nvPr>
+            <p:ph type="sldImg" idx="2"/>
+          </p:nvPr>
+        </p:nvSpPr>
+        <p:spPr/>
+      </p:sp>
+      <p:sp>
+        <p:nvSpPr>
+          <p:cNvPr id="3" name="Notes Placeholder 2">
+            <a:extLst>
+              <a:ext uri="{FF2B5EF4-FFF2-40B4-BE49-F238E27FC236}">
+                <a16:creationId xmlns:a16="http://schemas.microsoft.com/office/drawing/2014/main" id="{AB5D0592-92CA-5A1E-066D-A89E66814C71}"/>
+              </a:ext>
+            </a:extLst>
+          </p:cNvPr>
+          <p:cNvSpPr>
+            <a:spLocks noGrp="1"/>
+          </p:cNvSpPr>
+          <p:nvPr>
+            <p:ph type="body" sz="quarter" idx="3"/>
+          </p:nvPr>
+        </p:nvSpPr>
+        <p:spPr/>
+        <p:txBody>
+          <a:bodyPr/>
+          <a:lstStyle/>
+          <a:p>
+            <a:endParaRPr dirty="0"/>
+          </a:p>
+        </p:txBody>
+      </p:sp>
+      <p:sp>
+        <p:nvSpPr>
+          <p:cNvPr id="4" name="Slide Number Placeholder 3">
+            <a:extLst>
+              <a:ext uri="{FF2B5EF4-FFF2-40B4-BE49-F238E27FC236}">
+                <a16:creationId xmlns:a16="http://schemas.microsoft.com/office/drawing/2014/main" id="{8BDAB4E9-4A2B-7C69-7E5F-9C94A8651C27}"/>
+              </a:ext>
+            </a:extLst>
+          </p:cNvPr>
+          <p:cNvSpPr>
+            <a:spLocks noGrp="1"/>
+          </p:cNvSpPr>
+          <p:nvPr>
+            <p:ph type="sldNum" sz="quarter" idx="5"/>
+          </p:nvPr>
+        </p:nvSpPr>
+        <p:spPr/>
+      </p:sp>
+    </p:spTree>
+    <p:extLst>
+      <p:ext uri="{BB962C8B-B14F-4D97-AF65-F5344CB8AC3E}">
+        <p14:creationId xmlns:p14="http://schemas.microsoft.com/office/powerpoint/2010/main" val="3677914509"/>
+      </p:ext>
+    </p:extLst>
+  </p:cSld>
+  <p:clrMapOvr>
+    <a:masterClrMapping/>
+  </p:clrMapOvr>
+</p:notes>
+</file>
+
 <file path=ppt/notesSlides/notesSlide3.xml><?xml version="1.0" encoding="utf-8"?>
 <p:notes xmlns:a="http://schemas.openxmlformats.org/drawingml/2006/main" xmlns:r="http://schemas.openxmlformats.org/officeDocument/2006/relationships" xmlns:p="http://schemas.openxmlformats.org/presentationml/2006/main">
   <p:cSld>
@@ -2411,7 +2803,7 @@
           <a:p>
             <a:fld id="{5BCAD085-E8A6-8845-BD4E-CB4CCA059FC4}" type="datetimeFigureOut">
               <a:rPr lang="en-US" smtClean="0"/>
-              <a:t>9/27/2025</a:t>
+              <a:t>9/28/2025</a:t>
             </a:fld>
             <a:endParaRPr lang="en-US"/>
           </a:p>
@@ -2579,7 +2971,7 @@
           <a:p>
             <a:fld id="{5BCAD085-E8A6-8845-BD4E-CB4CCA059FC4}" type="datetimeFigureOut">
               <a:rPr lang="en-US" smtClean="0"/>
-              <a:t>9/27/2025</a:t>
+              <a:t>9/28/2025</a:t>
             </a:fld>
             <a:endParaRPr lang="en-US"/>
           </a:p>
@@ -2757,7 +3149,7 @@
           <a:p>
             <a:fld id="{5BCAD085-E8A6-8845-BD4E-CB4CCA059FC4}" type="datetimeFigureOut">
               <a:rPr lang="en-US" smtClean="0"/>
-              <a:t>9/27/2025</a:t>
+              <a:t>9/28/2025</a:t>
             </a:fld>
             <a:endParaRPr lang="en-US"/>
           </a:p>
@@ -2925,7 +3317,7 @@
           <a:p>
             <a:fld id="{5BCAD085-E8A6-8845-BD4E-CB4CCA059FC4}" type="datetimeFigureOut">
               <a:rPr lang="en-US" smtClean="0"/>
-              <a:t>9/27/2025</a:t>
+              <a:t>9/28/2025</a:t>
             </a:fld>
             <a:endParaRPr lang="en-US"/>
           </a:p>
@@ -3170,7 +3562,7 @@
           <a:p>
             <a:fld id="{5BCAD085-E8A6-8845-BD4E-CB4CCA059FC4}" type="datetimeFigureOut">
               <a:rPr lang="en-US" smtClean="0"/>
-              <a:t>9/27/2025</a:t>
+              <a:t>9/28/2025</a:t>
             </a:fld>
             <a:endParaRPr lang="en-US"/>
           </a:p>
@@ -3455,7 +3847,7 @@
           <a:p>
             <a:fld id="{5BCAD085-E8A6-8845-BD4E-CB4CCA059FC4}" type="datetimeFigureOut">
               <a:rPr lang="en-US" smtClean="0"/>
-              <a:t>9/27/2025</a:t>
+              <a:t>9/28/2025</a:t>
             </a:fld>
             <a:endParaRPr lang="en-US"/>
           </a:p>
@@ -3874,7 +4266,7 @@
           <a:p>
             <a:fld id="{5BCAD085-E8A6-8845-BD4E-CB4CCA059FC4}" type="datetimeFigureOut">
               <a:rPr lang="en-US" smtClean="0"/>
-              <a:t>9/27/2025</a:t>
+              <a:t>9/28/2025</a:t>
             </a:fld>
             <a:endParaRPr lang="en-US"/>
           </a:p>
@@ -3991,7 +4383,7 @@
           <a:p>
             <a:fld id="{5BCAD085-E8A6-8845-BD4E-CB4CCA059FC4}" type="datetimeFigureOut">
               <a:rPr lang="en-US" smtClean="0"/>
-              <a:t>9/27/2025</a:t>
+              <a:t>9/28/2025</a:t>
             </a:fld>
             <a:endParaRPr lang="en-US"/>
           </a:p>
@@ -4086,7 +4478,7 @@
           <a:p>
             <a:fld id="{5BCAD085-E8A6-8845-BD4E-CB4CCA059FC4}" type="datetimeFigureOut">
               <a:rPr lang="en-US" smtClean="0"/>
-              <a:t>9/27/2025</a:t>
+              <a:t>9/28/2025</a:t>
             </a:fld>
             <a:endParaRPr lang="en-US"/>
           </a:p>
@@ -4361,7 +4753,7 @@
           <a:p>
             <a:fld id="{5BCAD085-E8A6-8845-BD4E-CB4CCA059FC4}" type="datetimeFigureOut">
               <a:rPr lang="en-US" smtClean="0"/>
-              <a:t>9/27/2025</a:t>
+              <a:t>9/28/2025</a:t>
             </a:fld>
             <a:endParaRPr lang="en-US"/>
           </a:p>
@@ -4613,7 +5005,7 @@
           <a:p>
             <a:fld id="{5BCAD085-E8A6-8845-BD4E-CB4CCA059FC4}" type="datetimeFigureOut">
               <a:rPr lang="en-US" smtClean="0"/>
-              <a:t>9/27/2025</a:t>
+              <a:t>9/28/2025</a:t>
             </a:fld>
             <a:endParaRPr lang="en-US"/>
           </a:p>
@@ -4824,7 +5216,7 @@
           <a:p>
             <a:fld id="{5BCAD085-E8A6-8845-BD4E-CB4CCA059FC4}" type="datetimeFigureOut">
               <a:rPr lang="en-US" smtClean="0"/>
-              <a:t>9/27/2025</a:t>
+              <a:t>9/28/2025</a:t>
             </a:fld>
             <a:endParaRPr lang="en-US"/>
           </a:p>
@@ -9922,8 +10314,8 @@
         </p:nvSpPr>
         <p:spPr bwMode="auto">
           <a:xfrm>
-            <a:off x="2090907" y="2597759"/>
-            <a:ext cx="8002411" cy="2862322"/>
+            <a:off x="2090907" y="2869425"/>
+            <a:ext cx="8002411" cy="2246769"/>
           </a:xfrm>
           <a:prstGeom prst="rect">
             <a:avLst/>
@@ -9971,34 +10363,6 @@
           </a:bodyPr>
           <a:lstStyle/>
           <a:p>
-            <a:pPr marL="0" marR="0" lvl="0" indent="0" algn="l" defTabSz="914400" rtl="0" eaLnBrk="0" fontAlgn="base" latinLnBrk="0" hangingPunct="0">
-              <a:lnSpc>
-                <a:spcPct val="100000"/>
-              </a:lnSpc>
-              <a:spcBef>
-                <a:spcPct val="0"/>
-              </a:spcBef>
-              <a:spcAft>
-                <a:spcPct val="0"/>
-              </a:spcAft>
-              <a:buClrTx/>
-              <a:buSzTx/>
-              <a:tabLst/>
-            </a:pPr>
-            <a:r>
-              <a:rPr lang="it-IT" altLang="it-IT" sz="2000" b="1" dirty="0"/>
-              <a:t>Fasi di </a:t>
-            </a:r>
-            <a:r>
-              <a:rPr lang="it-IT" altLang="it-IT" sz="2000" b="1" dirty="0" err="1"/>
-              <a:t>preprocessing</a:t>
-            </a:r>
-            <a:r>
-              <a:rPr lang="it-IT" altLang="it-IT" sz="2000" b="1" dirty="0"/>
-              <a:t>:</a:t>
-            </a:r>
-          </a:p>
-          <a:p>
             <a:pPr marL="342900" marR="0" lvl="0" indent="-342900" algn="l" defTabSz="914400" rtl="0" eaLnBrk="0" fontAlgn="base" latinLnBrk="0" hangingPunct="0">
               <a:lnSpc>
                 <a:spcPct val="100000"/>
@@ -10016,8 +10380,12 @@
               <a:tabLst/>
             </a:pPr>
             <a:r>
+              <a:rPr lang="it-IT" altLang="it-IT" sz="2000" b="1" dirty="0"/>
+              <a:t>Rimozione di colonne ridondanti e non significative</a:t>
+            </a:r>
+            <a:r>
               <a:rPr lang="it-IT" altLang="it-IT" sz="2000" dirty="0"/>
-              <a:t>Rimozione di colonne ridondanti.</a:t>
+              <a:t>.</a:t>
             </a:r>
           </a:p>
           <a:p>
@@ -10077,7 +10445,15 @@
             </a:pPr>
             <a:r>
               <a:rPr lang="it-IT" altLang="it-IT" sz="2000" dirty="0"/>
-              <a:t>Rimosse colonne con &gt;40% di dati mancanti.</a:t>
+              <a:t>Rimosse colonne con </a:t>
+            </a:r>
+            <a:r>
+              <a:rPr lang="it-IT" altLang="it-IT" sz="2000" dirty="0" err="1"/>
+              <a:t>piú</a:t>
+            </a:r>
+            <a:r>
+              <a:rPr lang="it-IT" altLang="it-IT" sz="2000" dirty="0"/>
+              <a:t> del 40% di dati mancanti.</a:t>
             </a:r>
           </a:p>
           <a:p>
@@ -10099,7 +10475,7 @@
             </a:pPr>
             <a:r>
               <a:rPr lang="it-IT" altLang="it-IT" sz="2000" dirty="0"/>
-              <a:t>I restanti valori mancanti sono stati riempiti con </a:t>
+              <a:t>I restanti valori sono stati riempiti con </a:t>
             </a:r>
             <a:r>
               <a:rPr lang="it-IT" altLang="it-IT" sz="2000" dirty="0" err="1"/>
@@ -10107,7 +10483,7 @@
             </a:r>
             <a:r>
               <a:rPr lang="it-IT" altLang="it-IT" sz="2000" dirty="0"/>
-              <a:t> e poi con la media.</a:t>
+              <a:t> o con la media.</a:t>
             </a:r>
           </a:p>
           <a:p>
@@ -10804,16 +11180,28 @@
               <a:buAutoNum type="arabicPeriod"/>
             </a:pPr>
             <a:r>
+              <a:rPr lang="it-IT" sz="2000" b="1" dirty="0"/>
+              <a:t>Conversione del dato continuo</a:t>
+            </a:r>
+            <a:r>
               <a:rPr lang="it-IT" sz="2000" dirty="0"/>
-              <a:t>Conversione del dato continuo di PM2.5 in </a:t>
+              <a:t> di PM2.5 </a:t>
             </a:r>
             <a:r>
               <a:rPr lang="it-IT" sz="2000" b="1" dirty="0"/>
-              <a:t>6 classi discrete basate sull'indice AQI (Air Quality Index) dell'EPA</a:t>
+              <a:t>in</a:t>
             </a:r>
             <a:r>
               <a:rPr lang="it-IT" sz="2000" dirty="0"/>
-              <a:t>, da GOOD a HAZARDOUS. Le classi sono mappate a valori interi da 1 a 6.</a:t>
+              <a:t> </a:t>
+            </a:r>
+            <a:r>
+              <a:rPr lang="it-IT" sz="2000" b="1" dirty="0"/>
+              <a:t>6 classi discrete </a:t>
+            </a:r>
+            <a:r>
+              <a:rPr lang="it-IT" sz="2000" dirty="0"/>
+              <a:t>basate sull'indice AQI (Air Quality Index) dell'EPA, da GOOD a HAZARDOUS. Le classi sono mappate a valori interi da 1 a 6.</a:t>
             </a:r>
           </a:p>
         </p:txBody>
@@ -14388,7 +14776,7 @@
         <p:spPr>
           <a:xfrm>
             <a:off x="2383877" y="3030441"/>
-            <a:ext cx="7416471" cy="1938992"/>
+            <a:ext cx="7416471" cy="1631216"/>
           </a:xfrm>
           <a:prstGeom prst="rect">
             <a:avLst/>
@@ -14401,24 +14789,6 @@
           </a:bodyPr>
           <a:lstStyle/>
           <a:p>
-            <a:pPr marL="285750" indent="-285750">
-              <a:buFont typeface="Arial" panose="020B0604020202020204" pitchFamily="34" charset="0"/>
-              <a:buChar char="•"/>
-            </a:pPr>
-            <a:r>
-              <a:rPr lang="it-IT" sz="2000" b="1" dirty="0"/>
-              <a:t>Fasi di </a:t>
-            </a:r>
-            <a:r>
-              <a:rPr lang="it-IT" sz="2000" b="1" dirty="0" err="1"/>
-              <a:t>preprocessing</a:t>
-            </a:r>
-            <a:r>
-              <a:rPr lang="it-IT" sz="2000" b="1" dirty="0"/>
-              <a:t>:</a:t>
-            </a:r>
-          </a:p>
-          <a:p>
             <a:pPr marL="342900" indent="-342900">
               <a:buFont typeface="+mj-lt"/>
               <a:buAutoNum type="arabicPeriod"/>
@@ -14437,7 +14807,7 @@
             </a:r>
             <a:r>
               <a:rPr lang="it-IT" sz="2000" dirty="0"/>
-              <a:t> quasi </a:t>
+              <a:t> </a:t>
             </a:r>
             <a:r>
               <a:rPr lang="it-IT" sz="2000" b="1" dirty="0"/>
@@ -16145,6 +16515,2455 @@
         </p:txBody>
       </p:sp>
     </p:spTree>
+  </p:cSld>
+  <p:clrMapOvr>
+    <a:masterClrMapping/>
+  </p:clrMapOvr>
+</p:sld>
+</file>
+
+<file path=ppt/slides/slide23.xml><?xml version="1.0" encoding="utf-8"?>
+<p:sld xmlns:a="http://schemas.openxmlformats.org/drawingml/2006/main" xmlns:r="http://schemas.openxmlformats.org/officeDocument/2006/relationships" xmlns:p="http://schemas.openxmlformats.org/presentationml/2006/main">
+  <p:cSld>
+    <p:bg>
+      <p:bgPr>
+        <a:solidFill>
+          <a:schemeClr val="bg1"/>
+        </a:solidFill>
+        <a:effectLst/>
+      </p:bgPr>
+    </p:bg>
+    <p:spTree>
+      <p:nvGrpSpPr>
+        <p:cNvPr id="1" name="">
+          <a:extLst>
+            <a:ext uri="{FF2B5EF4-FFF2-40B4-BE49-F238E27FC236}">
+              <a16:creationId xmlns:a16="http://schemas.microsoft.com/office/drawing/2014/main" id="{20AD8BC5-E34A-3478-2576-9F4FF5BF8CB3}"/>
+            </a:ext>
+          </a:extLst>
+        </p:cNvPr>
+        <p:cNvGrpSpPr/>
+        <p:nvPr/>
+      </p:nvGrpSpPr>
+      <p:grpSpPr>
+        <a:xfrm>
+          <a:off x="0" y="0"/>
+          <a:ext cx="0" cy="0"/>
+          <a:chOff x="0" y="0"/>
+          <a:chExt cx="0" cy="0"/>
+        </a:xfrm>
+      </p:grpSpPr>
+      <p:sp useBgFill="1">
+        <p:nvSpPr>
+          <p:cNvPr id="28" name="Rectangle 27">
+            <a:extLst>
+              <a:ext uri="{FF2B5EF4-FFF2-40B4-BE49-F238E27FC236}">
+                <a16:creationId xmlns:a16="http://schemas.microsoft.com/office/drawing/2014/main" id="{0F28564D-8A1C-AB44-35BA-BA554D719444}"/>
+              </a:ext>
+              <a:ext uri="{C183D7F6-B498-43B3-948B-1728B52AA6E4}">
+                <adec:decorative xmlns:adec="http://schemas.microsoft.com/office/drawing/2017/decorative" val="1"/>
+              </a:ext>
+            </a:extLst>
+          </p:cNvPr>
+          <p:cNvSpPr>
+            <a:spLocks noGrp="1" noRot="1" noChangeAspect="1" noMove="1" noResize="1" noEditPoints="1" noAdjustHandles="1" noChangeArrowheads="1" noChangeShapeType="1" noTextEdit="1"/>
+          </p:cNvSpPr>
+          <p:nvPr>
+            <p:extLst>
+              <p:ext uri="{386F3935-93C4-4BCD-93E2-E3B085C9AB24}">
+                <p16:designElem xmlns:p16="http://schemas.microsoft.com/office/powerpoint/2015/main" val="1"/>
+              </p:ext>
+            </p:extLst>
+          </p:nvPr>
+        </p:nvSpPr>
+        <p:spPr>
+          <a:xfrm>
+            <a:off x="0" y="0"/>
+            <a:ext cx="12185777" cy="6858000"/>
+          </a:xfrm>
+          <a:prstGeom prst="rect">
+            <a:avLst/>
+          </a:prstGeom>
+          <a:ln>
+            <a:noFill/>
+          </a:ln>
+        </p:spPr>
+        <p:style>
+          <a:lnRef idx="2">
+            <a:schemeClr val="accent1">
+              <a:shade val="50000"/>
+            </a:schemeClr>
+          </a:lnRef>
+          <a:fillRef idx="1">
+            <a:schemeClr val="accent1"/>
+          </a:fillRef>
+          <a:effectRef idx="0">
+            <a:schemeClr val="accent1"/>
+          </a:effectRef>
+          <a:fontRef idx="minor">
+            <a:schemeClr val="lt1"/>
+          </a:fontRef>
+        </p:style>
+        <p:txBody>
+          <a:bodyPr rtlCol="0" anchor="ctr"/>
+          <a:lstStyle/>
+          <a:p>
+            <a:pPr algn="ctr"/>
+            <a:endParaRPr lang="en-US"/>
+          </a:p>
+        </p:txBody>
+      </p:sp>
+      <p:sp useBgFill="1">
+        <p:nvSpPr>
+          <p:cNvPr id="30" name="Freeform: Shape 29">
+            <a:extLst>
+              <a:ext uri="{FF2B5EF4-FFF2-40B4-BE49-F238E27FC236}">
+                <a16:creationId xmlns:a16="http://schemas.microsoft.com/office/drawing/2014/main" id="{13846926-1356-44BF-A8F6-7997EE43EAF6}"/>
+              </a:ext>
+              <a:ext uri="{C183D7F6-B498-43B3-948B-1728B52AA6E4}">
+                <adec:decorative xmlns:adec="http://schemas.microsoft.com/office/drawing/2017/decorative" val="1"/>
+              </a:ext>
+            </a:extLst>
+          </p:cNvPr>
+          <p:cNvSpPr>
+            <a:spLocks noGrp="1" noRot="1" noChangeAspect="1" noMove="1" noResize="1" noEditPoints="1" noAdjustHandles="1" noChangeArrowheads="1" noChangeShapeType="1" noTextEdit="1"/>
+          </p:cNvSpPr>
+          <p:nvPr>
+            <p:extLst>
+              <p:ext uri="{386F3935-93C4-4BCD-93E2-E3B085C9AB24}">
+                <p16:designElem xmlns:p16="http://schemas.microsoft.com/office/powerpoint/2015/main" val="1"/>
+              </p:ext>
+            </p:extLst>
+          </p:nvPr>
+        </p:nvSpPr>
+        <p:spPr>
+          <a:xfrm>
+            <a:off x="0" y="0"/>
+            <a:ext cx="12185777" cy="1899601"/>
+          </a:xfrm>
+          <a:custGeom>
+            <a:avLst/>
+            <a:gdLst>
+              <a:gd name="connsiteX0" fmla="*/ 0 w 12188952"/>
+              <a:gd name="connsiteY0" fmla="*/ 0 h 1899601"/>
+              <a:gd name="connsiteX1" fmla="*/ 12188952 w 12188952"/>
+              <a:gd name="connsiteY1" fmla="*/ 0 h 1899601"/>
+              <a:gd name="connsiteX2" fmla="*/ 12188952 w 12188952"/>
+              <a:gd name="connsiteY2" fmla="*/ 1635106 h 1899601"/>
+              <a:gd name="connsiteX3" fmla="*/ 11356325 w 12188952"/>
+              <a:gd name="connsiteY3" fmla="*/ 1707615 h 1899601"/>
+              <a:gd name="connsiteX4" fmla="*/ 6096001 w 12188952"/>
+              <a:gd name="connsiteY4" fmla="*/ 1899601 h 1899601"/>
+              <a:gd name="connsiteX5" fmla="*/ 835678 w 12188952"/>
+              <a:gd name="connsiteY5" fmla="*/ 1707615 h 1899601"/>
+              <a:gd name="connsiteX6" fmla="*/ 0 w 12188952"/>
+              <a:gd name="connsiteY6" fmla="*/ 1634841 h 1899601"/>
+            </a:gdLst>
+            <a:ahLst/>
+            <a:cxnLst>
+              <a:cxn ang="0">
+                <a:pos x="connsiteX0" y="connsiteY0"/>
+              </a:cxn>
+              <a:cxn ang="0">
+                <a:pos x="connsiteX1" y="connsiteY1"/>
+              </a:cxn>
+              <a:cxn ang="0">
+                <a:pos x="connsiteX2" y="connsiteY2"/>
+              </a:cxn>
+              <a:cxn ang="0">
+                <a:pos x="connsiteX3" y="connsiteY3"/>
+              </a:cxn>
+              <a:cxn ang="0">
+                <a:pos x="connsiteX4" y="connsiteY4"/>
+              </a:cxn>
+              <a:cxn ang="0">
+                <a:pos x="connsiteX5" y="connsiteY5"/>
+              </a:cxn>
+              <a:cxn ang="0">
+                <a:pos x="connsiteX6" y="connsiteY6"/>
+              </a:cxn>
+            </a:cxnLst>
+            <a:rect l="l" t="t" r="r" b="b"/>
+            <a:pathLst>
+              <a:path w="12188952" h="1899601">
+                <a:moveTo>
+                  <a:pt x="0" y="0"/>
+                </a:moveTo>
+                <a:lnTo>
+                  <a:pt x="12188952" y="0"/>
+                </a:lnTo>
+                <a:lnTo>
+                  <a:pt x="12188952" y="1635106"/>
+                </a:lnTo>
+                <a:lnTo>
+                  <a:pt x="11356325" y="1707615"/>
+                </a:lnTo>
+                <a:cubicBezTo>
+                  <a:pt x="9739512" y="1831240"/>
+                  <a:pt x="7961919" y="1899601"/>
+                  <a:pt x="6096001" y="1899601"/>
+                </a:cubicBezTo>
+                <a:cubicBezTo>
+                  <a:pt x="4230084" y="1899601"/>
+                  <a:pt x="2452490" y="1831240"/>
+                  <a:pt x="835678" y="1707615"/>
+                </a:cubicBezTo>
+                <a:lnTo>
+                  <a:pt x="0" y="1634841"/>
+                </a:lnTo>
+                <a:close/>
+              </a:path>
+            </a:pathLst>
+          </a:custGeom>
+          <a:ln w="9525">
+            <a:solidFill>
+              <a:srgbClr val="E6E6E6"/>
+            </a:solidFill>
+          </a:ln>
+          <a:effectLst>
+            <a:outerShdw blurRad="50800" dist="38100" dir="2700000" algn="tl" rotWithShape="0">
+              <a:schemeClr val="bg1">
+                <a:lumMod val="85000"/>
+                <a:alpha val="50000"/>
+              </a:schemeClr>
+            </a:outerShdw>
+          </a:effectLst>
+        </p:spPr>
+        <p:style>
+          <a:lnRef idx="2">
+            <a:schemeClr val="accent1">
+              <a:shade val="50000"/>
+            </a:schemeClr>
+          </a:lnRef>
+          <a:fillRef idx="1">
+            <a:schemeClr val="accent1"/>
+          </a:fillRef>
+          <a:effectRef idx="0">
+            <a:schemeClr val="accent1"/>
+          </a:effectRef>
+          <a:fontRef idx="minor">
+            <a:schemeClr val="lt1"/>
+          </a:fontRef>
+        </p:style>
+        <p:txBody>
+          <a:bodyPr wrap="square" rtlCol="0" anchor="ctr">
+            <a:noAutofit/>
+          </a:bodyPr>
+          <a:lstStyle/>
+          <a:p>
+            <a:pPr marL="0" marR="0" lvl="0" indent="0" algn="ctr" defTabSz="914400" rtl="0" eaLnBrk="1" fontAlgn="auto" latinLnBrk="0" hangingPunct="1">
+              <a:lnSpc>
+                <a:spcPct val="100000"/>
+              </a:lnSpc>
+              <a:spcBef>
+                <a:spcPts val="0"/>
+              </a:spcBef>
+              <a:spcAft>
+                <a:spcPts val="0"/>
+              </a:spcAft>
+              <a:buClrTx/>
+              <a:buSzTx/>
+              <a:buFontTx/>
+              <a:buNone/>
+              <a:tabLst/>
+              <a:defRPr/>
+            </a:pPr>
+            <a:endParaRPr kumimoji="0" lang="en-US" sz="1800" b="0" i="0" u="none" strike="noStrike" kern="1200" cap="none" spc="0" normalizeH="0" baseline="0" noProof="0">
+              <a:ln>
+                <a:noFill/>
+              </a:ln>
+              <a:solidFill>
+                <a:prstClr val="white"/>
+              </a:solidFill>
+              <a:effectLst/>
+              <a:uLnTx/>
+              <a:uFillTx/>
+              <a:latin typeface="Calibri" panose="020F0502020204030204"/>
+              <a:ea typeface="+mn-ea"/>
+              <a:cs typeface="+mn-cs"/>
+            </a:endParaRPr>
+          </a:p>
+        </p:txBody>
+      </p:sp>
+      <p:sp useBgFill="1">
+        <p:nvSpPr>
+          <p:cNvPr id="32" name="Freeform: Shape 31">
+            <a:extLst>
+              <a:ext uri="{FF2B5EF4-FFF2-40B4-BE49-F238E27FC236}">
+                <a16:creationId xmlns:a16="http://schemas.microsoft.com/office/drawing/2014/main" id="{3F4CAD68-93A1-4393-C17B-FFE7EDDCF442}"/>
+              </a:ext>
+              <a:ext uri="{C183D7F6-B498-43B3-948B-1728B52AA6E4}">
+                <adec:decorative xmlns:adec="http://schemas.microsoft.com/office/drawing/2017/decorative" val="1"/>
+              </a:ext>
+            </a:extLst>
+          </p:cNvPr>
+          <p:cNvSpPr>
+            <a:spLocks noGrp="1" noRot="1" noChangeAspect="1" noMove="1" noResize="1" noEditPoints="1" noAdjustHandles="1" noChangeArrowheads="1" noChangeShapeType="1" noTextEdit="1"/>
+          </p:cNvSpPr>
+          <p:nvPr>
+            <p:extLst>
+              <p:ext uri="{386F3935-93C4-4BCD-93E2-E3B085C9AB24}">
+                <p16:designElem xmlns:p16="http://schemas.microsoft.com/office/powerpoint/2015/main" val="1"/>
+              </p:ext>
+            </p:extLst>
+          </p:nvPr>
+        </p:nvSpPr>
+        <p:spPr>
+          <a:xfrm>
+            <a:off x="0" y="0"/>
+            <a:ext cx="12188825" cy="1890722"/>
+          </a:xfrm>
+          <a:custGeom>
+            <a:avLst/>
+            <a:gdLst>
+              <a:gd name="connsiteX0" fmla="*/ 0 w 12192000"/>
+              <a:gd name="connsiteY0" fmla="*/ 0 h 1890722"/>
+              <a:gd name="connsiteX1" fmla="*/ 12192000 w 12192000"/>
+              <a:gd name="connsiteY1" fmla="*/ 0 h 1890722"/>
+              <a:gd name="connsiteX2" fmla="*/ 12192000 w 12192000"/>
+              <a:gd name="connsiteY2" fmla="*/ 1626227 h 1890722"/>
+              <a:gd name="connsiteX3" fmla="*/ 11359165 w 12192000"/>
+              <a:gd name="connsiteY3" fmla="*/ 1698736 h 1890722"/>
+              <a:gd name="connsiteX4" fmla="*/ 6097526 w 12192000"/>
+              <a:gd name="connsiteY4" fmla="*/ 1890722 h 1890722"/>
+              <a:gd name="connsiteX5" fmla="*/ 835887 w 12192000"/>
+              <a:gd name="connsiteY5" fmla="*/ 1698736 h 1890722"/>
+              <a:gd name="connsiteX6" fmla="*/ 0 w 12192000"/>
+              <a:gd name="connsiteY6" fmla="*/ 1625962 h 1890722"/>
+            </a:gdLst>
+            <a:ahLst/>
+            <a:cxnLst>
+              <a:cxn ang="0">
+                <a:pos x="connsiteX0" y="connsiteY0"/>
+              </a:cxn>
+              <a:cxn ang="0">
+                <a:pos x="connsiteX1" y="connsiteY1"/>
+              </a:cxn>
+              <a:cxn ang="0">
+                <a:pos x="connsiteX2" y="connsiteY2"/>
+              </a:cxn>
+              <a:cxn ang="0">
+                <a:pos x="connsiteX3" y="connsiteY3"/>
+              </a:cxn>
+              <a:cxn ang="0">
+                <a:pos x="connsiteX4" y="connsiteY4"/>
+              </a:cxn>
+              <a:cxn ang="0">
+                <a:pos x="connsiteX5" y="connsiteY5"/>
+              </a:cxn>
+              <a:cxn ang="0">
+                <a:pos x="connsiteX6" y="connsiteY6"/>
+              </a:cxn>
+            </a:cxnLst>
+            <a:rect l="l" t="t" r="r" b="b"/>
+            <a:pathLst>
+              <a:path w="12192000" h="1890722">
+                <a:moveTo>
+                  <a:pt x="0" y="0"/>
+                </a:moveTo>
+                <a:lnTo>
+                  <a:pt x="12192000" y="0"/>
+                </a:lnTo>
+                <a:lnTo>
+                  <a:pt x="12192000" y="1626227"/>
+                </a:lnTo>
+                <a:lnTo>
+                  <a:pt x="11359165" y="1698736"/>
+                </a:lnTo>
+                <a:cubicBezTo>
+                  <a:pt x="9741947" y="1822361"/>
+                  <a:pt x="7963910" y="1890722"/>
+                  <a:pt x="6097526" y="1890722"/>
+                </a:cubicBezTo>
+                <a:cubicBezTo>
+                  <a:pt x="4231142" y="1890722"/>
+                  <a:pt x="2453104" y="1822361"/>
+                  <a:pt x="835887" y="1698736"/>
+                </a:cubicBezTo>
+                <a:lnTo>
+                  <a:pt x="0" y="1625962"/>
+                </a:lnTo>
+                <a:close/>
+              </a:path>
+            </a:pathLst>
+          </a:custGeom>
+          <a:ln w="9525">
+            <a:noFill/>
+          </a:ln>
+          <a:effectLst/>
+        </p:spPr>
+        <p:style>
+          <a:lnRef idx="2">
+            <a:schemeClr val="accent1">
+              <a:shade val="50000"/>
+            </a:schemeClr>
+          </a:lnRef>
+          <a:fillRef idx="1">
+            <a:schemeClr val="accent1"/>
+          </a:fillRef>
+          <a:effectRef idx="0">
+            <a:schemeClr val="accent1"/>
+          </a:effectRef>
+          <a:fontRef idx="minor">
+            <a:schemeClr val="lt1"/>
+          </a:fontRef>
+        </p:style>
+        <p:txBody>
+          <a:bodyPr wrap="square" rtlCol="0" anchor="ctr">
+            <a:noAutofit/>
+          </a:bodyPr>
+          <a:lstStyle/>
+          <a:p>
+            <a:pPr marL="0" marR="0" lvl="0" indent="0" algn="ctr" defTabSz="914400" rtl="0" eaLnBrk="1" fontAlgn="auto" latinLnBrk="0" hangingPunct="1">
+              <a:lnSpc>
+                <a:spcPct val="100000"/>
+              </a:lnSpc>
+              <a:spcBef>
+                <a:spcPts val="0"/>
+              </a:spcBef>
+              <a:spcAft>
+                <a:spcPts val="0"/>
+              </a:spcAft>
+              <a:buClrTx/>
+              <a:buSzTx/>
+              <a:buFontTx/>
+              <a:buNone/>
+              <a:tabLst/>
+              <a:defRPr/>
+            </a:pPr>
+            <a:endParaRPr kumimoji="0" lang="en-US" sz="1800" b="0" i="0" u="none" strike="noStrike" kern="1200" cap="none" spc="0" normalizeH="0" baseline="0" noProof="0">
+              <a:ln>
+                <a:noFill/>
+              </a:ln>
+              <a:solidFill>
+                <a:prstClr val="white"/>
+              </a:solidFill>
+              <a:effectLst/>
+              <a:uLnTx/>
+              <a:uFillTx/>
+              <a:latin typeface="Calibri" panose="020F0502020204030204"/>
+              <a:ea typeface="+mn-ea"/>
+              <a:cs typeface="+mn-cs"/>
+            </a:endParaRPr>
+          </a:p>
+        </p:txBody>
+      </p:sp>
+      <p:sp>
+        <p:nvSpPr>
+          <p:cNvPr id="2" name="Title 1">
+            <a:extLst>
+              <a:ext uri="{FF2B5EF4-FFF2-40B4-BE49-F238E27FC236}">
+                <a16:creationId xmlns:a16="http://schemas.microsoft.com/office/drawing/2014/main" id="{03F2EBD9-A53D-20D7-D437-BF000F56178F}"/>
+              </a:ext>
+            </a:extLst>
+          </p:cNvPr>
+          <p:cNvSpPr>
+            <a:spLocks noGrp="1"/>
+          </p:cNvSpPr>
+          <p:nvPr>
+            <p:ph type="title"/>
+          </p:nvPr>
+        </p:nvSpPr>
+        <p:spPr>
+          <a:xfrm>
+            <a:off x="837981" y="253397"/>
+            <a:ext cx="10512862" cy="1273233"/>
+          </a:xfrm>
+        </p:spPr>
+        <p:txBody>
+          <a:bodyPr>
+            <a:normAutofit/>
+          </a:bodyPr>
+          <a:lstStyle/>
+          <a:p>
+            <a:r>
+              <a:rPr lang="it-IT" sz="4000" dirty="0"/>
+              <a:t>Formule Metriche - Regressione</a:t>
+            </a:r>
+          </a:p>
+        </p:txBody>
+      </p:sp>
+      <p:sp>
+        <p:nvSpPr>
+          <p:cNvPr id="34" name="Rectangle 33">
+            <a:extLst>
+              <a:ext uri="{FF2B5EF4-FFF2-40B4-BE49-F238E27FC236}">
+                <a16:creationId xmlns:a16="http://schemas.microsoft.com/office/drawing/2014/main" id="{1DDF9361-F0B6-FCF7-6DB1-16732353AB97}"/>
+              </a:ext>
+              <a:ext uri="{C183D7F6-B498-43B3-948B-1728B52AA6E4}">
+                <adec:decorative xmlns:adec="http://schemas.microsoft.com/office/drawing/2017/decorative" val="1"/>
+              </a:ext>
+            </a:extLst>
+          </p:cNvPr>
+          <p:cNvSpPr>
+            <a:spLocks noGrp="1" noRot="1" noChangeAspect="1" noMove="1" noResize="1" noEditPoints="1" noAdjustHandles="1" noChangeArrowheads="1" noChangeShapeType="1" noTextEdit="1"/>
+          </p:cNvSpPr>
+          <p:nvPr>
+            <p:extLst>
+              <p:ext uri="{386F3935-93C4-4BCD-93E2-E3B085C9AB24}">
+                <p16:designElem xmlns:p16="http://schemas.microsoft.com/office/powerpoint/2015/main" val="1"/>
+              </p:ext>
+            </p:extLst>
+          </p:nvPr>
+        </p:nvSpPr>
+        <p:spPr>
+          <a:xfrm>
+            <a:off x="0" y="524522"/>
+            <a:ext cx="127982" cy="704088"/>
+          </a:xfrm>
+          <a:prstGeom prst="rect">
+            <a:avLst/>
+          </a:prstGeom>
+          <a:solidFill>
+            <a:schemeClr val="accent2"/>
+          </a:solidFill>
+          <a:ln>
+            <a:noFill/>
+          </a:ln>
+        </p:spPr>
+        <p:style>
+          <a:lnRef idx="2">
+            <a:schemeClr val="accent1">
+              <a:shade val="50000"/>
+            </a:schemeClr>
+          </a:lnRef>
+          <a:fillRef idx="1">
+            <a:schemeClr val="accent1"/>
+          </a:fillRef>
+          <a:effectRef idx="0">
+            <a:schemeClr val="accent1"/>
+          </a:effectRef>
+          <a:fontRef idx="minor">
+            <a:schemeClr val="lt1"/>
+          </a:fontRef>
+        </p:style>
+        <p:txBody>
+          <a:bodyPr rtlCol="0" anchor="ctr"/>
+          <a:lstStyle/>
+          <a:p>
+            <a:pPr algn="ctr"/>
+            <a:endParaRPr lang="en-US">
+              <a:solidFill>
+                <a:prstClr val="white"/>
+              </a:solidFill>
+              <a:latin typeface="Calibri" panose="020F0502020204030204"/>
+            </a:endParaRPr>
+          </a:p>
+        </p:txBody>
+      </p:sp>
+      <p:pic>
+        <p:nvPicPr>
+          <p:cNvPr id="4" name="Immagine 3" descr="Immagine che contiene testo, schermata, Carattere, documento&#10;&#10;Il contenuto generato dall'IA potrebbe non essere corretto.">
+            <a:extLst>
+              <a:ext uri="{FF2B5EF4-FFF2-40B4-BE49-F238E27FC236}">
+                <a16:creationId xmlns:a16="http://schemas.microsoft.com/office/drawing/2014/main" id="{72361128-DD52-1DB3-AF36-49C73727BA39}"/>
+              </a:ext>
+            </a:extLst>
+          </p:cNvPr>
+          <p:cNvPicPr>
+            <a:picLocks noChangeAspect="1"/>
+          </p:cNvPicPr>
+          <p:nvPr/>
+        </p:nvPicPr>
+        <p:blipFill>
+          <a:blip r:embed="rId3"/>
+          <a:stretch>
+            <a:fillRect/>
+          </a:stretch>
+        </p:blipFill>
+        <p:spPr>
+          <a:xfrm>
+            <a:off x="3388655" y="2396195"/>
+            <a:ext cx="5411513" cy="3744723"/>
+          </a:xfrm>
+          <a:prstGeom prst="rect">
+            <a:avLst/>
+          </a:prstGeom>
+        </p:spPr>
+      </p:pic>
+    </p:spTree>
+    <p:extLst>
+      <p:ext uri="{BB962C8B-B14F-4D97-AF65-F5344CB8AC3E}">
+        <p14:creationId xmlns:p14="http://schemas.microsoft.com/office/powerpoint/2010/main" val="721766587"/>
+      </p:ext>
+    </p:extLst>
+  </p:cSld>
+  <p:clrMapOvr>
+    <a:masterClrMapping/>
+  </p:clrMapOvr>
+</p:sld>
+</file>
+
+<file path=ppt/slides/slide24.xml><?xml version="1.0" encoding="utf-8"?>
+<p:sld xmlns:a="http://schemas.openxmlformats.org/drawingml/2006/main" xmlns:r="http://schemas.openxmlformats.org/officeDocument/2006/relationships" xmlns:p="http://schemas.openxmlformats.org/presentationml/2006/main">
+  <p:cSld>
+    <p:bg>
+      <p:bgPr>
+        <a:solidFill>
+          <a:schemeClr val="bg1"/>
+        </a:solidFill>
+        <a:effectLst/>
+      </p:bgPr>
+    </p:bg>
+    <p:spTree>
+      <p:nvGrpSpPr>
+        <p:cNvPr id="1" name="">
+          <a:extLst>
+            <a:ext uri="{FF2B5EF4-FFF2-40B4-BE49-F238E27FC236}">
+              <a16:creationId xmlns:a16="http://schemas.microsoft.com/office/drawing/2014/main" id="{9305C32A-45DC-85A2-C446-1025A2660D18}"/>
+            </a:ext>
+          </a:extLst>
+        </p:cNvPr>
+        <p:cNvGrpSpPr/>
+        <p:nvPr/>
+      </p:nvGrpSpPr>
+      <p:grpSpPr>
+        <a:xfrm>
+          <a:off x="0" y="0"/>
+          <a:ext cx="0" cy="0"/>
+          <a:chOff x="0" y="0"/>
+          <a:chExt cx="0" cy="0"/>
+        </a:xfrm>
+      </p:grpSpPr>
+      <p:sp useBgFill="1">
+        <p:nvSpPr>
+          <p:cNvPr id="28" name="Rectangle 27">
+            <a:extLst>
+              <a:ext uri="{FF2B5EF4-FFF2-40B4-BE49-F238E27FC236}">
+                <a16:creationId xmlns:a16="http://schemas.microsoft.com/office/drawing/2014/main" id="{31792EEF-0BB5-CB90-7D21-0A0B81F6FD04}"/>
+              </a:ext>
+              <a:ext uri="{C183D7F6-B498-43B3-948B-1728B52AA6E4}">
+                <adec:decorative xmlns:adec="http://schemas.microsoft.com/office/drawing/2017/decorative" val="1"/>
+              </a:ext>
+            </a:extLst>
+          </p:cNvPr>
+          <p:cNvSpPr>
+            <a:spLocks noGrp="1" noRot="1" noChangeAspect="1" noMove="1" noResize="1" noEditPoints="1" noAdjustHandles="1" noChangeArrowheads="1" noChangeShapeType="1" noTextEdit="1"/>
+          </p:cNvSpPr>
+          <p:nvPr>
+            <p:extLst>
+              <p:ext uri="{386F3935-93C4-4BCD-93E2-E3B085C9AB24}">
+                <p16:designElem xmlns:p16="http://schemas.microsoft.com/office/powerpoint/2015/main" val="1"/>
+              </p:ext>
+            </p:extLst>
+          </p:nvPr>
+        </p:nvSpPr>
+        <p:spPr>
+          <a:xfrm>
+            <a:off x="0" y="0"/>
+            <a:ext cx="12185777" cy="6858000"/>
+          </a:xfrm>
+          <a:prstGeom prst="rect">
+            <a:avLst/>
+          </a:prstGeom>
+          <a:ln>
+            <a:noFill/>
+          </a:ln>
+        </p:spPr>
+        <p:style>
+          <a:lnRef idx="2">
+            <a:schemeClr val="accent1">
+              <a:shade val="50000"/>
+            </a:schemeClr>
+          </a:lnRef>
+          <a:fillRef idx="1">
+            <a:schemeClr val="accent1"/>
+          </a:fillRef>
+          <a:effectRef idx="0">
+            <a:schemeClr val="accent1"/>
+          </a:effectRef>
+          <a:fontRef idx="minor">
+            <a:schemeClr val="lt1"/>
+          </a:fontRef>
+        </p:style>
+        <p:txBody>
+          <a:bodyPr rtlCol="0" anchor="ctr"/>
+          <a:lstStyle/>
+          <a:p>
+            <a:pPr algn="ctr"/>
+            <a:endParaRPr lang="en-US"/>
+          </a:p>
+        </p:txBody>
+      </p:sp>
+      <p:sp useBgFill="1">
+        <p:nvSpPr>
+          <p:cNvPr id="30" name="Freeform: Shape 29">
+            <a:extLst>
+              <a:ext uri="{FF2B5EF4-FFF2-40B4-BE49-F238E27FC236}">
+                <a16:creationId xmlns:a16="http://schemas.microsoft.com/office/drawing/2014/main" id="{FE262A22-2006-FD90-119A-2997B88C3EF0}"/>
+              </a:ext>
+              <a:ext uri="{C183D7F6-B498-43B3-948B-1728B52AA6E4}">
+                <adec:decorative xmlns:adec="http://schemas.microsoft.com/office/drawing/2017/decorative" val="1"/>
+              </a:ext>
+            </a:extLst>
+          </p:cNvPr>
+          <p:cNvSpPr>
+            <a:spLocks noGrp="1" noRot="1" noChangeAspect="1" noMove="1" noResize="1" noEditPoints="1" noAdjustHandles="1" noChangeArrowheads="1" noChangeShapeType="1" noTextEdit="1"/>
+          </p:cNvSpPr>
+          <p:nvPr>
+            <p:extLst>
+              <p:ext uri="{386F3935-93C4-4BCD-93E2-E3B085C9AB24}">
+                <p16:designElem xmlns:p16="http://schemas.microsoft.com/office/powerpoint/2015/main" val="1"/>
+              </p:ext>
+            </p:extLst>
+          </p:nvPr>
+        </p:nvSpPr>
+        <p:spPr>
+          <a:xfrm>
+            <a:off x="0" y="0"/>
+            <a:ext cx="12185777" cy="1899601"/>
+          </a:xfrm>
+          <a:custGeom>
+            <a:avLst/>
+            <a:gdLst>
+              <a:gd name="connsiteX0" fmla="*/ 0 w 12188952"/>
+              <a:gd name="connsiteY0" fmla="*/ 0 h 1899601"/>
+              <a:gd name="connsiteX1" fmla="*/ 12188952 w 12188952"/>
+              <a:gd name="connsiteY1" fmla="*/ 0 h 1899601"/>
+              <a:gd name="connsiteX2" fmla="*/ 12188952 w 12188952"/>
+              <a:gd name="connsiteY2" fmla="*/ 1635106 h 1899601"/>
+              <a:gd name="connsiteX3" fmla="*/ 11356325 w 12188952"/>
+              <a:gd name="connsiteY3" fmla="*/ 1707615 h 1899601"/>
+              <a:gd name="connsiteX4" fmla="*/ 6096001 w 12188952"/>
+              <a:gd name="connsiteY4" fmla="*/ 1899601 h 1899601"/>
+              <a:gd name="connsiteX5" fmla="*/ 835678 w 12188952"/>
+              <a:gd name="connsiteY5" fmla="*/ 1707615 h 1899601"/>
+              <a:gd name="connsiteX6" fmla="*/ 0 w 12188952"/>
+              <a:gd name="connsiteY6" fmla="*/ 1634841 h 1899601"/>
+            </a:gdLst>
+            <a:ahLst/>
+            <a:cxnLst>
+              <a:cxn ang="0">
+                <a:pos x="connsiteX0" y="connsiteY0"/>
+              </a:cxn>
+              <a:cxn ang="0">
+                <a:pos x="connsiteX1" y="connsiteY1"/>
+              </a:cxn>
+              <a:cxn ang="0">
+                <a:pos x="connsiteX2" y="connsiteY2"/>
+              </a:cxn>
+              <a:cxn ang="0">
+                <a:pos x="connsiteX3" y="connsiteY3"/>
+              </a:cxn>
+              <a:cxn ang="0">
+                <a:pos x="connsiteX4" y="connsiteY4"/>
+              </a:cxn>
+              <a:cxn ang="0">
+                <a:pos x="connsiteX5" y="connsiteY5"/>
+              </a:cxn>
+              <a:cxn ang="0">
+                <a:pos x="connsiteX6" y="connsiteY6"/>
+              </a:cxn>
+            </a:cxnLst>
+            <a:rect l="l" t="t" r="r" b="b"/>
+            <a:pathLst>
+              <a:path w="12188952" h="1899601">
+                <a:moveTo>
+                  <a:pt x="0" y="0"/>
+                </a:moveTo>
+                <a:lnTo>
+                  <a:pt x="12188952" y="0"/>
+                </a:lnTo>
+                <a:lnTo>
+                  <a:pt x="12188952" y="1635106"/>
+                </a:lnTo>
+                <a:lnTo>
+                  <a:pt x="11356325" y="1707615"/>
+                </a:lnTo>
+                <a:cubicBezTo>
+                  <a:pt x="9739512" y="1831240"/>
+                  <a:pt x="7961919" y="1899601"/>
+                  <a:pt x="6096001" y="1899601"/>
+                </a:cubicBezTo>
+                <a:cubicBezTo>
+                  <a:pt x="4230084" y="1899601"/>
+                  <a:pt x="2452490" y="1831240"/>
+                  <a:pt x="835678" y="1707615"/>
+                </a:cubicBezTo>
+                <a:lnTo>
+                  <a:pt x="0" y="1634841"/>
+                </a:lnTo>
+                <a:close/>
+              </a:path>
+            </a:pathLst>
+          </a:custGeom>
+          <a:ln w="9525">
+            <a:solidFill>
+              <a:srgbClr val="E6E6E6"/>
+            </a:solidFill>
+          </a:ln>
+          <a:effectLst>
+            <a:outerShdw blurRad="50800" dist="38100" dir="2700000" algn="tl" rotWithShape="0">
+              <a:schemeClr val="bg1">
+                <a:lumMod val="85000"/>
+                <a:alpha val="50000"/>
+              </a:schemeClr>
+            </a:outerShdw>
+          </a:effectLst>
+        </p:spPr>
+        <p:style>
+          <a:lnRef idx="2">
+            <a:schemeClr val="accent1">
+              <a:shade val="50000"/>
+            </a:schemeClr>
+          </a:lnRef>
+          <a:fillRef idx="1">
+            <a:schemeClr val="accent1"/>
+          </a:fillRef>
+          <a:effectRef idx="0">
+            <a:schemeClr val="accent1"/>
+          </a:effectRef>
+          <a:fontRef idx="minor">
+            <a:schemeClr val="lt1"/>
+          </a:fontRef>
+        </p:style>
+        <p:txBody>
+          <a:bodyPr wrap="square" rtlCol="0" anchor="ctr">
+            <a:noAutofit/>
+          </a:bodyPr>
+          <a:lstStyle/>
+          <a:p>
+            <a:pPr marL="0" marR="0" lvl="0" indent="0" algn="ctr" defTabSz="914400" rtl="0" eaLnBrk="1" fontAlgn="auto" latinLnBrk="0" hangingPunct="1">
+              <a:lnSpc>
+                <a:spcPct val="100000"/>
+              </a:lnSpc>
+              <a:spcBef>
+                <a:spcPts val="0"/>
+              </a:spcBef>
+              <a:spcAft>
+                <a:spcPts val="0"/>
+              </a:spcAft>
+              <a:buClrTx/>
+              <a:buSzTx/>
+              <a:buFontTx/>
+              <a:buNone/>
+              <a:tabLst/>
+              <a:defRPr/>
+            </a:pPr>
+            <a:endParaRPr kumimoji="0" lang="en-US" sz="1800" b="0" i="0" u="none" strike="noStrike" kern="1200" cap="none" spc="0" normalizeH="0" baseline="0" noProof="0">
+              <a:ln>
+                <a:noFill/>
+              </a:ln>
+              <a:solidFill>
+                <a:prstClr val="white"/>
+              </a:solidFill>
+              <a:effectLst/>
+              <a:uLnTx/>
+              <a:uFillTx/>
+              <a:latin typeface="Calibri" panose="020F0502020204030204"/>
+              <a:ea typeface="+mn-ea"/>
+              <a:cs typeface="+mn-cs"/>
+            </a:endParaRPr>
+          </a:p>
+        </p:txBody>
+      </p:sp>
+      <p:sp useBgFill="1">
+        <p:nvSpPr>
+          <p:cNvPr id="32" name="Freeform: Shape 31">
+            <a:extLst>
+              <a:ext uri="{FF2B5EF4-FFF2-40B4-BE49-F238E27FC236}">
+                <a16:creationId xmlns:a16="http://schemas.microsoft.com/office/drawing/2014/main" id="{FE901D5A-5B19-5BC3-2392-A8A4C3962290}"/>
+              </a:ext>
+              <a:ext uri="{C183D7F6-B498-43B3-948B-1728B52AA6E4}">
+                <adec:decorative xmlns:adec="http://schemas.microsoft.com/office/drawing/2017/decorative" val="1"/>
+              </a:ext>
+            </a:extLst>
+          </p:cNvPr>
+          <p:cNvSpPr>
+            <a:spLocks noGrp="1" noRot="1" noChangeAspect="1" noMove="1" noResize="1" noEditPoints="1" noAdjustHandles="1" noChangeArrowheads="1" noChangeShapeType="1" noTextEdit="1"/>
+          </p:cNvSpPr>
+          <p:nvPr>
+            <p:extLst>
+              <p:ext uri="{386F3935-93C4-4BCD-93E2-E3B085C9AB24}">
+                <p16:designElem xmlns:p16="http://schemas.microsoft.com/office/powerpoint/2015/main" val="1"/>
+              </p:ext>
+            </p:extLst>
+          </p:nvPr>
+        </p:nvSpPr>
+        <p:spPr>
+          <a:xfrm>
+            <a:off x="0" y="0"/>
+            <a:ext cx="12188825" cy="1890722"/>
+          </a:xfrm>
+          <a:custGeom>
+            <a:avLst/>
+            <a:gdLst>
+              <a:gd name="connsiteX0" fmla="*/ 0 w 12192000"/>
+              <a:gd name="connsiteY0" fmla="*/ 0 h 1890722"/>
+              <a:gd name="connsiteX1" fmla="*/ 12192000 w 12192000"/>
+              <a:gd name="connsiteY1" fmla="*/ 0 h 1890722"/>
+              <a:gd name="connsiteX2" fmla="*/ 12192000 w 12192000"/>
+              <a:gd name="connsiteY2" fmla="*/ 1626227 h 1890722"/>
+              <a:gd name="connsiteX3" fmla="*/ 11359165 w 12192000"/>
+              <a:gd name="connsiteY3" fmla="*/ 1698736 h 1890722"/>
+              <a:gd name="connsiteX4" fmla="*/ 6097526 w 12192000"/>
+              <a:gd name="connsiteY4" fmla="*/ 1890722 h 1890722"/>
+              <a:gd name="connsiteX5" fmla="*/ 835887 w 12192000"/>
+              <a:gd name="connsiteY5" fmla="*/ 1698736 h 1890722"/>
+              <a:gd name="connsiteX6" fmla="*/ 0 w 12192000"/>
+              <a:gd name="connsiteY6" fmla="*/ 1625962 h 1890722"/>
+            </a:gdLst>
+            <a:ahLst/>
+            <a:cxnLst>
+              <a:cxn ang="0">
+                <a:pos x="connsiteX0" y="connsiteY0"/>
+              </a:cxn>
+              <a:cxn ang="0">
+                <a:pos x="connsiteX1" y="connsiteY1"/>
+              </a:cxn>
+              <a:cxn ang="0">
+                <a:pos x="connsiteX2" y="connsiteY2"/>
+              </a:cxn>
+              <a:cxn ang="0">
+                <a:pos x="connsiteX3" y="connsiteY3"/>
+              </a:cxn>
+              <a:cxn ang="0">
+                <a:pos x="connsiteX4" y="connsiteY4"/>
+              </a:cxn>
+              <a:cxn ang="0">
+                <a:pos x="connsiteX5" y="connsiteY5"/>
+              </a:cxn>
+              <a:cxn ang="0">
+                <a:pos x="connsiteX6" y="connsiteY6"/>
+              </a:cxn>
+            </a:cxnLst>
+            <a:rect l="l" t="t" r="r" b="b"/>
+            <a:pathLst>
+              <a:path w="12192000" h="1890722">
+                <a:moveTo>
+                  <a:pt x="0" y="0"/>
+                </a:moveTo>
+                <a:lnTo>
+                  <a:pt x="12192000" y="0"/>
+                </a:lnTo>
+                <a:lnTo>
+                  <a:pt x="12192000" y="1626227"/>
+                </a:lnTo>
+                <a:lnTo>
+                  <a:pt x="11359165" y="1698736"/>
+                </a:lnTo>
+                <a:cubicBezTo>
+                  <a:pt x="9741947" y="1822361"/>
+                  <a:pt x="7963910" y="1890722"/>
+                  <a:pt x="6097526" y="1890722"/>
+                </a:cubicBezTo>
+                <a:cubicBezTo>
+                  <a:pt x="4231142" y="1890722"/>
+                  <a:pt x="2453104" y="1822361"/>
+                  <a:pt x="835887" y="1698736"/>
+                </a:cubicBezTo>
+                <a:lnTo>
+                  <a:pt x="0" y="1625962"/>
+                </a:lnTo>
+                <a:close/>
+              </a:path>
+            </a:pathLst>
+          </a:custGeom>
+          <a:ln w="9525">
+            <a:noFill/>
+          </a:ln>
+          <a:effectLst/>
+        </p:spPr>
+        <p:style>
+          <a:lnRef idx="2">
+            <a:schemeClr val="accent1">
+              <a:shade val="50000"/>
+            </a:schemeClr>
+          </a:lnRef>
+          <a:fillRef idx="1">
+            <a:schemeClr val="accent1"/>
+          </a:fillRef>
+          <a:effectRef idx="0">
+            <a:schemeClr val="accent1"/>
+          </a:effectRef>
+          <a:fontRef idx="minor">
+            <a:schemeClr val="lt1"/>
+          </a:fontRef>
+        </p:style>
+        <p:txBody>
+          <a:bodyPr wrap="square" rtlCol="0" anchor="ctr">
+            <a:noAutofit/>
+          </a:bodyPr>
+          <a:lstStyle/>
+          <a:p>
+            <a:pPr marL="0" marR="0" lvl="0" indent="0" algn="ctr" defTabSz="914400" rtl="0" eaLnBrk="1" fontAlgn="auto" latinLnBrk="0" hangingPunct="1">
+              <a:lnSpc>
+                <a:spcPct val="100000"/>
+              </a:lnSpc>
+              <a:spcBef>
+                <a:spcPts val="0"/>
+              </a:spcBef>
+              <a:spcAft>
+                <a:spcPts val="0"/>
+              </a:spcAft>
+              <a:buClrTx/>
+              <a:buSzTx/>
+              <a:buFontTx/>
+              <a:buNone/>
+              <a:tabLst/>
+              <a:defRPr/>
+            </a:pPr>
+            <a:endParaRPr kumimoji="0" lang="en-US" sz="1800" b="0" i="0" u="none" strike="noStrike" kern="1200" cap="none" spc="0" normalizeH="0" baseline="0" noProof="0">
+              <a:ln>
+                <a:noFill/>
+              </a:ln>
+              <a:solidFill>
+                <a:prstClr val="white"/>
+              </a:solidFill>
+              <a:effectLst/>
+              <a:uLnTx/>
+              <a:uFillTx/>
+              <a:latin typeface="Calibri" panose="020F0502020204030204"/>
+              <a:ea typeface="+mn-ea"/>
+              <a:cs typeface="+mn-cs"/>
+            </a:endParaRPr>
+          </a:p>
+        </p:txBody>
+      </p:sp>
+      <p:sp>
+        <p:nvSpPr>
+          <p:cNvPr id="2" name="Title 1">
+            <a:extLst>
+              <a:ext uri="{FF2B5EF4-FFF2-40B4-BE49-F238E27FC236}">
+                <a16:creationId xmlns:a16="http://schemas.microsoft.com/office/drawing/2014/main" id="{B9698F0A-2080-BE70-D80F-4C82E4DFB4F3}"/>
+              </a:ext>
+            </a:extLst>
+          </p:cNvPr>
+          <p:cNvSpPr>
+            <a:spLocks noGrp="1"/>
+          </p:cNvSpPr>
+          <p:nvPr>
+            <p:ph type="title"/>
+          </p:nvPr>
+        </p:nvSpPr>
+        <p:spPr>
+          <a:xfrm>
+            <a:off x="837981" y="253397"/>
+            <a:ext cx="10512862" cy="1273233"/>
+          </a:xfrm>
+        </p:spPr>
+        <p:txBody>
+          <a:bodyPr>
+            <a:normAutofit/>
+          </a:bodyPr>
+          <a:lstStyle/>
+          <a:p>
+            <a:r>
+              <a:rPr lang="it-IT" sz="4000" dirty="0"/>
+              <a:t>Formule Metriche -Classificazione</a:t>
+            </a:r>
+          </a:p>
+        </p:txBody>
+      </p:sp>
+      <p:sp>
+        <p:nvSpPr>
+          <p:cNvPr id="34" name="Rectangle 33">
+            <a:extLst>
+              <a:ext uri="{FF2B5EF4-FFF2-40B4-BE49-F238E27FC236}">
+                <a16:creationId xmlns:a16="http://schemas.microsoft.com/office/drawing/2014/main" id="{7459A04A-4BCB-0F0D-2545-37E1CCD8B347}"/>
+              </a:ext>
+              <a:ext uri="{C183D7F6-B498-43B3-948B-1728B52AA6E4}">
+                <adec:decorative xmlns:adec="http://schemas.microsoft.com/office/drawing/2017/decorative" val="1"/>
+              </a:ext>
+            </a:extLst>
+          </p:cNvPr>
+          <p:cNvSpPr>
+            <a:spLocks noGrp="1" noRot="1" noChangeAspect="1" noMove="1" noResize="1" noEditPoints="1" noAdjustHandles="1" noChangeArrowheads="1" noChangeShapeType="1" noTextEdit="1"/>
+          </p:cNvSpPr>
+          <p:nvPr>
+            <p:extLst>
+              <p:ext uri="{386F3935-93C4-4BCD-93E2-E3B085C9AB24}">
+                <p16:designElem xmlns:p16="http://schemas.microsoft.com/office/powerpoint/2015/main" val="1"/>
+              </p:ext>
+            </p:extLst>
+          </p:nvPr>
+        </p:nvSpPr>
+        <p:spPr>
+          <a:xfrm>
+            <a:off x="0" y="524522"/>
+            <a:ext cx="127982" cy="704088"/>
+          </a:xfrm>
+          <a:prstGeom prst="rect">
+            <a:avLst/>
+          </a:prstGeom>
+          <a:solidFill>
+            <a:schemeClr val="accent2"/>
+          </a:solidFill>
+          <a:ln>
+            <a:noFill/>
+          </a:ln>
+        </p:spPr>
+        <p:style>
+          <a:lnRef idx="2">
+            <a:schemeClr val="accent1">
+              <a:shade val="50000"/>
+            </a:schemeClr>
+          </a:lnRef>
+          <a:fillRef idx="1">
+            <a:schemeClr val="accent1"/>
+          </a:fillRef>
+          <a:effectRef idx="0">
+            <a:schemeClr val="accent1"/>
+          </a:effectRef>
+          <a:fontRef idx="minor">
+            <a:schemeClr val="lt1"/>
+          </a:fontRef>
+        </p:style>
+        <p:txBody>
+          <a:bodyPr rtlCol="0" anchor="ctr"/>
+          <a:lstStyle/>
+          <a:p>
+            <a:pPr algn="ctr"/>
+            <a:endParaRPr lang="en-US">
+              <a:solidFill>
+                <a:prstClr val="white"/>
+              </a:solidFill>
+              <a:latin typeface="Calibri" panose="020F0502020204030204"/>
+            </a:endParaRPr>
+          </a:p>
+        </p:txBody>
+      </p:sp>
+      <p:pic>
+        <p:nvPicPr>
+          <p:cNvPr id="3" name="Immagine 2">
+            <a:extLst>
+              <a:ext uri="{FF2B5EF4-FFF2-40B4-BE49-F238E27FC236}">
+                <a16:creationId xmlns:a16="http://schemas.microsoft.com/office/drawing/2014/main" id="{4B9E135A-C699-E7D4-503A-883CE1D5FFD5}"/>
+              </a:ext>
+            </a:extLst>
+          </p:cNvPr>
+          <p:cNvPicPr>
+            <a:picLocks noChangeAspect="1"/>
+          </p:cNvPicPr>
+          <p:nvPr/>
+        </p:nvPicPr>
+        <p:blipFill>
+          <a:blip r:embed="rId3"/>
+          <a:stretch>
+            <a:fillRect/>
+          </a:stretch>
+        </p:blipFill>
+        <p:spPr>
+          <a:xfrm>
+            <a:off x="272425" y="3099018"/>
+            <a:ext cx="4220457" cy="2415374"/>
+          </a:xfrm>
+          <a:prstGeom prst="rect">
+            <a:avLst/>
+          </a:prstGeom>
+        </p:spPr>
+      </p:pic>
+      <p:pic>
+        <p:nvPicPr>
+          <p:cNvPr id="6" name="Immagine 5" descr="Immagine che contiene testo, Carattere, schermata, documento&#10;&#10;Il contenuto generato dall'IA potrebbe non essere corretto.">
+            <a:extLst>
+              <a:ext uri="{FF2B5EF4-FFF2-40B4-BE49-F238E27FC236}">
+                <a16:creationId xmlns:a16="http://schemas.microsoft.com/office/drawing/2014/main" id="{18B9D065-2580-BB3D-9562-85408E6D8C6F}"/>
+              </a:ext>
+            </a:extLst>
+          </p:cNvPr>
+          <p:cNvPicPr>
+            <a:picLocks noChangeAspect="1"/>
+          </p:cNvPicPr>
+          <p:nvPr/>
+        </p:nvPicPr>
+        <p:blipFill>
+          <a:blip r:embed="rId4"/>
+          <a:srcRect t="76289"/>
+          <a:stretch>
+            <a:fillRect/>
+          </a:stretch>
+        </p:blipFill>
+        <p:spPr>
+          <a:xfrm>
+            <a:off x="8433222" y="3099018"/>
+            <a:ext cx="3456046" cy="1186978"/>
+          </a:xfrm>
+          <a:prstGeom prst="rect">
+            <a:avLst/>
+          </a:prstGeom>
+        </p:spPr>
+      </p:pic>
+      <p:pic>
+        <p:nvPicPr>
+          <p:cNvPr id="8" name="Immagine 7" descr="Immagine che contiene testo, Carattere, schermata, documento&#10;&#10;Il contenuto generato dall'IA potrebbe non essere corretto.">
+            <a:extLst>
+              <a:ext uri="{FF2B5EF4-FFF2-40B4-BE49-F238E27FC236}">
+                <a16:creationId xmlns:a16="http://schemas.microsoft.com/office/drawing/2014/main" id="{2AD2F7A5-913E-19B8-46ED-84C687DA6582}"/>
+              </a:ext>
+            </a:extLst>
+          </p:cNvPr>
+          <p:cNvPicPr>
+            <a:picLocks noChangeAspect="1"/>
+          </p:cNvPicPr>
+          <p:nvPr/>
+        </p:nvPicPr>
+        <p:blipFill>
+          <a:blip r:embed="rId4"/>
+          <a:srcRect b="23170"/>
+          <a:stretch>
+            <a:fillRect/>
+          </a:stretch>
+        </p:blipFill>
+        <p:spPr>
+          <a:xfrm>
+            <a:off x="4634449" y="2336323"/>
+            <a:ext cx="3539167" cy="3938644"/>
+          </a:xfrm>
+          <a:prstGeom prst="rect">
+            <a:avLst/>
+          </a:prstGeom>
+        </p:spPr>
+      </p:pic>
+      <p:pic>
+        <p:nvPicPr>
+          <p:cNvPr id="10" name="Immagine 9" descr="Immagine che contiene testo, Carattere, schermata, bianco&#10;&#10;Il contenuto generato dall'IA potrebbe non essere corretto.">
+            <a:extLst>
+              <a:ext uri="{FF2B5EF4-FFF2-40B4-BE49-F238E27FC236}">
+                <a16:creationId xmlns:a16="http://schemas.microsoft.com/office/drawing/2014/main" id="{899EC826-8FBA-177C-7F1E-5A6DBA3DF231}"/>
+              </a:ext>
+            </a:extLst>
+          </p:cNvPr>
+          <p:cNvPicPr>
+            <a:picLocks noChangeAspect="1"/>
+          </p:cNvPicPr>
+          <p:nvPr/>
+        </p:nvPicPr>
+        <p:blipFill>
+          <a:blip r:embed="rId5"/>
+          <a:stretch>
+            <a:fillRect/>
+          </a:stretch>
+        </p:blipFill>
+        <p:spPr>
+          <a:xfrm>
+            <a:off x="8470124" y="4305645"/>
+            <a:ext cx="3419144" cy="1072105"/>
+          </a:xfrm>
+          <a:prstGeom prst="rect">
+            <a:avLst/>
+          </a:prstGeom>
+        </p:spPr>
+      </p:pic>
+    </p:spTree>
+    <p:extLst>
+      <p:ext uri="{BB962C8B-B14F-4D97-AF65-F5344CB8AC3E}">
+        <p14:creationId xmlns:p14="http://schemas.microsoft.com/office/powerpoint/2010/main" val="2059481123"/>
+      </p:ext>
+    </p:extLst>
+  </p:cSld>
+  <p:clrMapOvr>
+    <a:masterClrMapping/>
+  </p:clrMapOvr>
+</p:sld>
+</file>
+
+<file path=ppt/slides/slide25.xml><?xml version="1.0" encoding="utf-8"?>
+<p:sld xmlns:a="http://schemas.openxmlformats.org/drawingml/2006/main" xmlns:r="http://schemas.openxmlformats.org/officeDocument/2006/relationships" xmlns:p="http://schemas.openxmlformats.org/presentationml/2006/main">
+  <p:cSld>
+    <p:bg>
+      <p:bgPr>
+        <a:solidFill>
+          <a:schemeClr val="bg1"/>
+        </a:solidFill>
+        <a:effectLst/>
+      </p:bgPr>
+    </p:bg>
+    <p:spTree>
+      <p:nvGrpSpPr>
+        <p:cNvPr id="1" name="">
+          <a:extLst>
+            <a:ext uri="{FF2B5EF4-FFF2-40B4-BE49-F238E27FC236}">
+              <a16:creationId xmlns:a16="http://schemas.microsoft.com/office/drawing/2014/main" id="{61C69BF3-D4CD-0B9F-500E-B19092E325E6}"/>
+            </a:ext>
+          </a:extLst>
+        </p:cNvPr>
+        <p:cNvGrpSpPr/>
+        <p:nvPr/>
+      </p:nvGrpSpPr>
+      <p:grpSpPr>
+        <a:xfrm>
+          <a:off x="0" y="0"/>
+          <a:ext cx="0" cy="0"/>
+          <a:chOff x="0" y="0"/>
+          <a:chExt cx="0" cy="0"/>
+        </a:xfrm>
+      </p:grpSpPr>
+      <p:sp useBgFill="1">
+        <p:nvSpPr>
+          <p:cNvPr id="28" name="Rectangle 27">
+            <a:extLst>
+              <a:ext uri="{FF2B5EF4-FFF2-40B4-BE49-F238E27FC236}">
+                <a16:creationId xmlns:a16="http://schemas.microsoft.com/office/drawing/2014/main" id="{04F9EFB0-82FD-76F3-185A-804048DF28A0}"/>
+              </a:ext>
+              <a:ext uri="{C183D7F6-B498-43B3-948B-1728B52AA6E4}">
+                <adec:decorative xmlns:adec="http://schemas.microsoft.com/office/drawing/2017/decorative" val="1"/>
+              </a:ext>
+            </a:extLst>
+          </p:cNvPr>
+          <p:cNvSpPr>
+            <a:spLocks noGrp="1" noRot="1" noChangeAspect="1" noMove="1" noResize="1" noEditPoints="1" noAdjustHandles="1" noChangeArrowheads="1" noChangeShapeType="1" noTextEdit="1"/>
+          </p:cNvSpPr>
+          <p:nvPr>
+            <p:extLst>
+              <p:ext uri="{386F3935-93C4-4BCD-93E2-E3B085C9AB24}">
+                <p16:designElem xmlns:p16="http://schemas.microsoft.com/office/powerpoint/2015/main" val="1"/>
+              </p:ext>
+            </p:extLst>
+          </p:nvPr>
+        </p:nvSpPr>
+        <p:spPr>
+          <a:xfrm>
+            <a:off x="0" y="0"/>
+            <a:ext cx="12185777" cy="6858000"/>
+          </a:xfrm>
+          <a:prstGeom prst="rect">
+            <a:avLst/>
+          </a:prstGeom>
+          <a:ln>
+            <a:noFill/>
+          </a:ln>
+        </p:spPr>
+        <p:style>
+          <a:lnRef idx="2">
+            <a:schemeClr val="accent1">
+              <a:shade val="50000"/>
+            </a:schemeClr>
+          </a:lnRef>
+          <a:fillRef idx="1">
+            <a:schemeClr val="accent1"/>
+          </a:fillRef>
+          <a:effectRef idx="0">
+            <a:schemeClr val="accent1"/>
+          </a:effectRef>
+          <a:fontRef idx="minor">
+            <a:schemeClr val="lt1"/>
+          </a:fontRef>
+        </p:style>
+        <p:txBody>
+          <a:bodyPr rtlCol="0" anchor="ctr"/>
+          <a:lstStyle/>
+          <a:p>
+            <a:pPr algn="ctr"/>
+            <a:endParaRPr lang="en-US"/>
+          </a:p>
+        </p:txBody>
+      </p:sp>
+      <p:sp useBgFill="1">
+        <p:nvSpPr>
+          <p:cNvPr id="30" name="Freeform: Shape 29">
+            <a:extLst>
+              <a:ext uri="{FF2B5EF4-FFF2-40B4-BE49-F238E27FC236}">
+                <a16:creationId xmlns:a16="http://schemas.microsoft.com/office/drawing/2014/main" id="{B8AEEBE5-0CB6-D8C7-8489-F78C8444D7FC}"/>
+              </a:ext>
+              <a:ext uri="{C183D7F6-B498-43B3-948B-1728B52AA6E4}">
+                <adec:decorative xmlns:adec="http://schemas.microsoft.com/office/drawing/2017/decorative" val="1"/>
+              </a:ext>
+            </a:extLst>
+          </p:cNvPr>
+          <p:cNvSpPr>
+            <a:spLocks noGrp="1" noRot="1" noChangeAspect="1" noMove="1" noResize="1" noEditPoints="1" noAdjustHandles="1" noChangeArrowheads="1" noChangeShapeType="1" noTextEdit="1"/>
+          </p:cNvSpPr>
+          <p:nvPr>
+            <p:extLst>
+              <p:ext uri="{386F3935-93C4-4BCD-93E2-E3B085C9AB24}">
+                <p16:designElem xmlns:p16="http://schemas.microsoft.com/office/powerpoint/2015/main" val="1"/>
+              </p:ext>
+            </p:extLst>
+          </p:nvPr>
+        </p:nvSpPr>
+        <p:spPr>
+          <a:xfrm>
+            <a:off x="0" y="0"/>
+            <a:ext cx="12185777" cy="1899601"/>
+          </a:xfrm>
+          <a:custGeom>
+            <a:avLst/>
+            <a:gdLst>
+              <a:gd name="connsiteX0" fmla="*/ 0 w 12188952"/>
+              <a:gd name="connsiteY0" fmla="*/ 0 h 1899601"/>
+              <a:gd name="connsiteX1" fmla="*/ 12188952 w 12188952"/>
+              <a:gd name="connsiteY1" fmla="*/ 0 h 1899601"/>
+              <a:gd name="connsiteX2" fmla="*/ 12188952 w 12188952"/>
+              <a:gd name="connsiteY2" fmla="*/ 1635106 h 1899601"/>
+              <a:gd name="connsiteX3" fmla="*/ 11356325 w 12188952"/>
+              <a:gd name="connsiteY3" fmla="*/ 1707615 h 1899601"/>
+              <a:gd name="connsiteX4" fmla="*/ 6096001 w 12188952"/>
+              <a:gd name="connsiteY4" fmla="*/ 1899601 h 1899601"/>
+              <a:gd name="connsiteX5" fmla="*/ 835678 w 12188952"/>
+              <a:gd name="connsiteY5" fmla="*/ 1707615 h 1899601"/>
+              <a:gd name="connsiteX6" fmla="*/ 0 w 12188952"/>
+              <a:gd name="connsiteY6" fmla="*/ 1634841 h 1899601"/>
+            </a:gdLst>
+            <a:ahLst/>
+            <a:cxnLst>
+              <a:cxn ang="0">
+                <a:pos x="connsiteX0" y="connsiteY0"/>
+              </a:cxn>
+              <a:cxn ang="0">
+                <a:pos x="connsiteX1" y="connsiteY1"/>
+              </a:cxn>
+              <a:cxn ang="0">
+                <a:pos x="connsiteX2" y="connsiteY2"/>
+              </a:cxn>
+              <a:cxn ang="0">
+                <a:pos x="connsiteX3" y="connsiteY3"/>
+              </a:cxn>
+              <a:cxn ang="0">
+                <a:pos x="connsiteX4" y="connsiteY4"/>
+              </a:cxn>
+              <a:cxn ang="0">
+                <a:pos x="connsiteX5" y="connsiteY5"/>
+              </a:cxn>
+              <a:cxn ang="0">
+                <a:pos x="connsiteX6" y="connsiteY6"/>
+              </a:cxn>
+            </a:cxnLst>
+            <a:rect l="l" t="t" r="r" b="b"/>
+            <a:pathLst>
+              <a:path w="12188952" h="1899601">
+                <a:moveTo>
+                  <a:pt x="0" y="0"/>
+                </a:moveTo>
+                <a:lnTo>
+                  <a:pt x="12188952" y="0"/>
+                </a:lnTo>
+                <a:lnTo>
+                  <a:pt x="12188952" y="1635106"/>
+                </a:lnTo>
+                <a:lnTo>
+                  <a:pt x="11356325" y="1707615"/>
+                </a:lnTo>
+                <a:cubicBezTo>
+                  <a:pt x="9739512" y="1831240"/>
+                  <a:pt x="7961919" y="1899601"/>
+                  <a:pt x="6096001" y="1899601"/>
+                </a:cubicBezTo>
+                <a:cubicBezTo>
+                  <a:pt x="4230084" y="1899601"/>
+                  <a:pt x="2452490" y="1831240"/>
+                  <a:pt x="835678" y="1707615"/>
+                </a:cubicBezTo>
+                <a:lnTo>
+                  <a:pt x="0" y="1634841"/>
+                </a:lnTo>
+                <a:close/>
+              </a:path>
+            </a:pathLst>
+          </a:custGeom>
+          <a:ln w="9525">
+            <a:solidFill>
+              <a:srgbClr val="E6E6E6"/>
+            </a:solidFill>
+          </a:ln>
+          <a:effectLst>
+            <a:outerShdw blurRad="50800" dist="38100" dir="2700000" algn="tl" rotWithShape="0">
+              <a:schemeClr val="bg1">
+                <a:lumMod val="85000"/>
+                <a:alpha val="50000"/>
+              </a:schemeClr>
+            </a:outerShdw>
+          </a:effectLst>
+        </p:spPr>
+        <p:style>
+          <a:lnRef idx="2">
+            <a:schemeClr val="accent1">
+              <a:shade val="50000"/>
+            </a:schemeClr>
+          </a:lnRef>
+          <a:fillRef idx="1">
+            <a:schemeClr val="accent1"/>
+          </a:fillRef>
+          <a:effectRef idx="0">
+            <a:schemeClr val="accent1"/>
+          </a:effectRef>
+          <a:fontRef idx="minor">
+            <a:schemeClr val="lt1"/>
+          </a:fontRef>
+        </p:style>
+        <p:txBody>
+          <a:bodyPr wrap="square" rtlCol="0" anchor="ctr">
+            <a:noAutofit/>
+          </a:bodyPr>
+          <a:lstStyle/>
+          <a:p>
+            <a:pPr marL="0" marR="0" lvl="0" indent="0" algn="ctr" defTabSz="914400" rtl="0" eaLnBrk="1" fontAlgn="auto" latinLnBrk="0" hangingPunct="1">
+              <a:lnSpc>
+                <a:spcPct val="100000"/>
+              </a:lnSpc>
+              <a:spcBef>
+                <a:spcPts val="0"/>
+              </a:spcBef>
+              <a:spcAft>
+                <a:spcPts val="0"/>
+              </a:spcAft>
+              <a:buClrTx/>
+              <a:buSzTx/>
+              <a:buFontTx/>
+              <a:buNone/>
+              <a:tabLst/>
+              <a:defRPr/>
+            </a:pPr>
+            <a:endParaRPr kumimoji="0" lang="en-US" sz="1800" b="0" i="0" u="none" strike="noStrike" kern="1200" cap="none" spc="0" normalizeH="0" baseline="0" noProof="0">
+              <a:ln>
+                <a:noFill/>
+              </a:ln>
+              <a:solidFill>
+                <a:prstClr val="white"/>
+              </a:solidFill>
+              <a:effectLst/>
+              <a:uLnTx/>
+              <a:uFillTx/>
+              <a:latin typeface="Calibri" panose="020F0502020204030204"/>
+              <a:ea typeface="+mn-ea"/>
+              <a:cs typeface="+mn-cs"/>
+            </a:endParaRPr>
+          </a:p>
+        </p:txBody>
+      </p:sp>
+      <p:sp useBgFill="1">
+        <p:nvSpPr>
+          <p:cNvPr id="32" name="Freeform: Shape 31">
+            <a:extLst>
+              <a:ext uri="{FF2B5EF4-FFF2-40B4-BE49-F238E27FC236}">
+                <a16:creationId xmlns:a16="http://schemas.microsoft.com/office/drawing/2014/main" id="{DF32D63C-C2C6-7FDD-876B-B295A631AD72}"/>
+              </a:ext>
+              <a:ext uri="{C183D7F6-B498-43B3-948B-1728B52AA6E4}">
+                <adec:decorative xmlns:adec="http://schemas.microsoft.com/office/drawing/2017/decorative" val="1"/>
+              </a:ext>
+            </a:extLst>
+          </p:cNvPr>
+          <p:cNvSpPr>
+            <a:spLocks noGrp="1" noRot="1" noChangeAspect="1" noMove="1" noResize="1" noEditPoints="1" noAdjustHandles="1" noChangeArrowheads="1" noChangeShapeType="1" noTextEdit="1"/>
+          </p:cNvSpPr>
+          <p:nvPr>
+            <p:extLst>
+              <p:ext uri="{386F3935-93C4-4BCD-93E2-E3B085C9AB24}">
+                <p16:designElem xmlns:p16="http://schemas.microsoft.com/office/powerpoint/2015/main" val="1"/>
+              </p:ext>
+            </p:extLst>
+          </p:nvPr>
+        </p:nvSpPr>
+        <p:spPr>
+          <a:xfrm>
+            <a:off x="0" y="0"/>
+            <a:ext cx="12188825" cy="1890722"/>
+          </a:xfrm>
+          <a:custGeom>
+            <a:avLst/>
+            <a:gdLst>
+              <a:gd name="connsiteX0" fmla="*/ 0 w 12192000"/>
+              <a:gd name="connsiteY0" fmla="*/ 0 h 1890722"/>
+              <a:gd name="connsiteX1" fmla="*/ 12192000 w 12192000"/>
+              <a:gd name="connsiteY1" fmla="*/ 0 h 1890722"/>
+              <a:gd name="connsiteX2" fmla="*/ 12192000 w 12192000"/>
+              <a:gd name="connsiteY2" fmla="*/ 1626227 h 1890722"/>
+              <a:gd name="connsiteX3" fmla="*/ 11359165 w 12192000"/>
+              <a:gd name="connsiteY3" fmla="*/ 1698736 h 1890722"/>
+              <a:gd name="connsiteX4" fmla="*/ 6097526 w 12192000"/>
+              <a:gd name="connsiteY4" fmla="*/ 1890722 h 1890722"/>
+              <a:gd name="connsiteX5" fmla="*/ 835887 w 12192000"/>
+              <a:gd name="connsiteY5" fmla="*/ 1698736 h 1890722"/>
+              <a:gd name="connsiteX6" fmla="*/ 0 w 12192000"/>
+              <a:gd name="connsiteY6" fmla="*/ 1625962 h 1890722"/>
+            </a:gdLst>
+            <a:ahLst/>
+            <a:cxnLst>
+              <a:cxn ang="0">
+                <a:pos x="connsiteX0" y="connsiteY0"/>
+              </a:cxn>
+              <a:cxn ang="0">
+                <a:pos x="connsiteX1" y="connsiteY1"/>
+              </a:cxn>
+              <a:cxn ang="0">
+                <a:pos x="connsiteX2" y="connsiteY2"/>
+              </a:cxn>
+              <a:cxn ang="0">
+                <a:pos x="connsiteX3" y="connsiteY3"/>
+              </a:cxn>
+              <a:cxn ang="0">
+                <a:pos x="connsiteX4" y="connsiteY4"/>
+              </a:cxn>
+              <a:cxn ang="0">
+                <a:pos x="connsiteX5" y="connsiteY5"/>
+              </a:cxn>
+              <a:cxn ang="0">
+                <a:pos x="connsiteX6" y="connsiteY6"/>
+              </a:cxn>
+            </a:cxnLst>
+            <a:rect l="l" t="t" r="r" b="b"/>
+            <a:pathLst>
+              <a:path w="12192000" h="1890722">
+                <a:moveTo>
+                  <a:pt x="0" y="0"/>
+                </a:moveTo>
+                <a:lnTo>
+                  <a:pt x="12192000" y="0"/>
+                </a:lnTo>
+                <a:lnTo>
+                  <a:pt x="12192000" y="1626227"/>
+                </a:lnTo>
+                <a:lnTo>
+                  <a:pt x="11359165" y="1698736"/>
+                </a:lnTo>
+                <a:cubicBezTo>
+                  <a:pt x="9741947" y="1822361"/>
+                  <a:pt x="7963910" y="1890722"/>
+                  <a:pt x="6097526" y="1890722"/>
+                </a:cubicBezTo>
+                <a:cubicBezTo>
+                  <a:pt x="4231142" y="1890722"/>
+                  <a:pt x="2453104" y="1822361"/>
+                  <a:pt x="835887" y="1698736"/>
+                </a:cubicBezTo>
+                <a:lnTo>
+                  <a:pt x="0" y="1625962"/>
+                </a:lnTo>
+                <a:close/>
+              </a:path>
+            </a:pathLst>
+          </a:custGeom>
+          <a:ln w="9525">
+            <a:noFill/>
+          </a:ln>
+          <a:effectLst/>
+        </p:spPr>
+        <p:style>
+          <a:lnRef idx="2">
+            <a:schemeClr val="accent1">
+              <a:shade val="50000"/>
+            </a:schemeClr>
+          </a:lnRef>
+          <a:fillRef idx="1">
+            <a:schemeClr val="accent1"/>
+          </a:fillRef>
+          <a:effectRef idx="0">
+            <a:schemeClr val="accent1"/>
+          </a:effectRef>
+          <a:fontRef idx="minor">
+            <a:schemeClr val="lt1"/>
+          </a:fontRef>
+        </p:style>
+        <p:txBody>
+          <a:bodyPr wrap="square" rtlCol="0" anchor="ctr">
+            <a:noAutofit/>
+          </a:bodyPr>
+          <a:lstStyle/>
+          <a:p>
+            <a:pPr marL="0" marR="0" lvl="0" indent="0" algn="ctr" defTabSz="914400" rtl="0" eaLnBrk="1" fontAlgn="auto" latinLnBrk="0" hangingPunct="1">
+              <a:lnSpc>
+                <a:spcPct val="100000"/>
+              </a:lnSpc>
+              <a:spcBef>
+                <a:spcPts val="0"/>
+              </a:spcBef>
+              <a:spcAft>
+                <a:spcPts val="0"/>
+              </a:spcAft>
+              <a:buClrTx/>
+              <a:buSzTx/>
+              <a:buFontTx/>
+              <a:buNone/>
+              <a:tabLst/>
+              <a:defRPr/>
+            </a:pPr>
+            <a:endParaRPr kumimoji="0" lang="en-US" sz="1800" b="0" i="0" u="none" strike="noStrike" kern="1200" cap="none" spc="0" normalizeH="0" baseline="0" noProof="0">
+              <a:ln>
+                <a:noFill/>
+              </a:ln>
+              <a:solidFill>
+                <a:prstClr val="white"/>
+              </a:solidFill>
+              <a:effectLst/>
+              <a:uLnTx/>
+              <a:uFillTx/>
+              <a:latin typeface="Calibri" panose="020F0502020204030204"/>
+              <a:ea typeface="+mn-ea"/>
+              <a:cs typeface="+mn-cs"/>
+            </a:endParaRPr>
+          </a:p>
+        </p:txBody>
+      </p:sp>
+      <p:sp>
+        <p:nvSpPr>
+          <p:cNvPr id="2" name="Title 1">
+            <a:extLst>
+              <a:ext uri="{FF2B5EF4-FFF2-40B4-BE49-F238E27FC236}">
+                <a16:creationId xmlns:a16="http://schemas.microsoft.com/office/drawing/2014/main" id="{9E06A058-482D-E9DC-8A1C-3A3FA0BB365E}"/>
+              </a:ext>
+            </a:extLst>
+          </p:cNvPr>
+          <p:cNvSpPr>
+            <a:spLocks noGrp="1"/>
+          </p:cNvSpPr>
+          <p:nvPr>
+            <p:ph type="title"/>
+          </p:nvPr>
+        </p:nvSpPr>
+        <p:spPr>
+          <a:xfrm>
+            <a:off x="837981" y="253397"/>
+            <a:ext cx="10512862" cy="1273233"/>
+          </a:xfrm>
+        </p:spPr>
+        <p:txBody>
+          <a:bodyPr>
+            <a:normAutofit/>
+          </a:bodyPr>
+          <a:lstStyle/>
+          <a:p>
+            <a:r>
+              <a:rPr lang="it-IT" sz="4000" dirty="0"/>
+              <a:t>Altre Formule Metriche</a:t>
+            </a:r>
+          </a:p>
+        </p:txBody>
+      </p:sp>
+      <p:sp>
+        <p:nvSpPr>
+          <p:cNvPr id="34" name="Rectangle 33">
+            <a:extLst>
+              <a:ext uri="{FF2B5EF4-FFF2-40B4-BE49-F238E27FC236}">
+                <a16:creationId xmlns:a16="http://schemas.microsoft.com/office/drawing/2014/main" id="{BA2914F1-3195-297C-8DE0-56780B75AFF8}"/>
+              </a:ext>
+              <a:ext uri="{C183D7F6-B498-43B3-948B-1728B52AA6E4}">
+                <adec:decorative xmlns:adec="http://schemas.microsoft.com/office/drawing/2017/decorative" val="1"/>
+              </a:ext>
+            </a:extLst>
+          </p:cNvPr>
+          <p:cNvSpPr>
+            <a:spLocks noGrp="1" noRot="1" noChangeAspect="1" noMove="1" noResize="1" noEditPoints="1" noAdjustHandles="1" noChangeArrowheads="1" noChangeShapeType="1" noTextEdit="1"/>
+          </p:cNvSpPr>
+          <p:nvPr>
+            <p:extLst>
+              <p:ext uri="{386F3935-93C4-4BCD-93E2-E3B085C9AB24}">
+                <p16:designElem xmlns:p16="http://schemas.microsoft.com/office/powerpoint/2015/main" val="1"/>
+              </p:ext>
+            </p:extLst>
+          </p:nvPr>
+        </p:nvSpPr>
+        <p:spPr>
+          <a:xfrm>
+            <a:off x="0" y="524522"/>
+            <a:ext cx="127982" cy="704088"/>
+          </a:xfrm>
+          <a:prstGeom prst="rect">
+            <a:avLst/>
+          </a:prstGeom>
+          <a:solidFill>
+            <a:schemeClr val="accent2"/>
+          </a:solidFill>
+          <a:ln>
+            <a:noFill/>
+          </a:ln>
+        </p:spPr>
+        <p:style>
+          <a:lnRef idx="2">
+            <a:schemeClr val="accent1">
+              <a:shade val="50000"/>
+            </a:schemeClr>
+          </a:lnRef>
+          <a:fillRef idx="1">
+            <a:schemeClr val="accent1"/>
+          </a:fillRef>
+          <a:effectRef idx="0">
+            <a:schemeClr val="accent1"/>
+          </a:effectRef>
+          <a:fontRef idx="minor">
+            <a:schemeClr val="lt1"/>
+          </a:fontRef>
+        </p:style>
+        <p:txBody>
+          <a:bodyPr rtlCol="0" anchor="ctr"/>
+          <a:lstStyle/>
+          <a:p>
+            <a:pPr algn="ctr"/>
+            <a:endParaRPr lang="en-US">
+              <a:solidFill>
+                <a:prstClr val="white"/>
+              </a:solidFill>
+              <a:latin typeface="Calibri" panose="020F0502020204030204"/>
+            </a:endParaRPr>
+          </a:p>
+        </p:txBody>
+      </p:sp>
+      <p:pic>
+        <p:nvPicPr>
+          <p:cNvPr id="5" name="Immagine 4">
+            <a:extLst>
+              <a:ext uri="{FF2B5EF4-FFF2-40B4-BE49-F238E27FC236}">
+                <a16:creationId xmlns:a16="http://schemas.microsoft.com/office/drawing/2014/main" id="{3AE757C0-AB7F-A7A7-E865-632A437087B1}"/>
+              </a:ext>
+            </a:extLst>
+          </p:cNvPr>
+          <p:cNvPicPr>
+            <a:picLocks noChangeAspect="1"/>
+          </p:cNvPicPr>
+          <p:nvPr/>
+        </p:nvPicPr>
+        <p:blipFill>
+          <a:blip r:embed="rId3"/>
+          <a:stretch>
+            <a:fillRect/>
+          </a:stretch>
+        </p:blipFill>
+        <p:spPr>
+          <a:xfrm>
+            <a:off x="4522568" y="2459889"/>
+            <a:ext cx="3143689" cy="266737"/>
+          </a:xfrm>
+          <a:prstGeom prst="rect">
+            <a:avLst/>
+          </a:prstGeom>
+        </p:spPr>
+      </p:pic>
+      <p:pic>
+        <p:nvPicPr>
+          <p:cNvPr id="9" name="Immagine 8" descr="Immagine che contiene testo, ricevuta, Carattere, bianco&#10;&#10;Il contenuto generato dall'IA potrebbe non essere corretto.">
+            <a:extLst>
+              <a:ext uri="{FF2B5EF4-FFF2-40B4-BE49-F238E27FC236}">
+                <a16:creationId xmlns:a16="http://schemas.microsoft.com/office/drawing/2014/main" id="{FFE709E7-95CA-FCB9-4F82-47F1BD2F4B83}"/>
+              </a:ext>
+            </a:extLst>
+          </p:cNvPr>
+          <p:cNvPicPr>
+            <a:picLocks noChangeAspect="1"/>
+          </p:cNvPicPr>
+          <p:nvPr/>
+        </p:nvPicPr>
+        <p:blipFill>
+          <a:blip r:embed="rId4"/>
+          <a:stretch>
+            <a:fillRect/>
+          </a:stretch>
+        </p:blipFill>
+        <p:spPr>
+          <a:xfrm>
+            <a:off x="1206390" y="4039733"/>
+            <a:ext cx="4505954" cy="1505160"/>
+          </a:xfrm>
+          <a:prstGeom prst="rect">
+            <a:avLst/>
+          </a:prstGeom>
+        </p:spPr>
+      </p:pic>
+      <p:pic>
+        <p:nvPicPr>
+          <p:cNvPr id="12" name="Immagine 11" descr="Immagine che contiene testo, Carattere, schermata, algebra&#10;&#10;Il contenuto generato dall'IA potrebbe non essere corretto.">
+            <a:extLst>
+              <a:ext uri="{FF2B5EF4-FFF2-40B4-BE49-F238E27FC236}">
+                <a16:creationId xmlns:a16="http://schemas.microsoft.com/office/drawing/2014/main" id="{DCCFD5B5-BC51-3A2F-1767-084C862997E6}"/>
+              </a:ext>
+            </a:extLst>
+          </p:cNvPr>
+          <p:cNvPicPr>
+            <a:picLocks noChangeAspect="1"/>
+          </p:cNvPicPr>
+          <p:nvPr/>
+        </p:nvPicPr>
+        <p:blipFill>
+          <a:blip r:embed="rId5"/>
+          <a:stretch>
+            <a:fillRect/>
+          </a:stretch>
+        </p:blipFill>
+        <p:spPr>
+          <a:xfrm>
+            <a:off x="6570346" y="3600898"/>
+            <a:ext cx="4534533" cy="2715004"/>
+          </a:xfrm>
+          <a:prstGeom prst="rect">
+            <a:avLst/>
+          </a:prstGeom>
+        </p:spPr>
+      </p:pic>
+    </p:spTree>
+    <p:extLst>
+      <p:ext uri="{BB962C8B-B14F-4D97-AF65-F5344CB8AC3E}">
+        <p14:creationId xmlns:p14="http://schemas.microsoft.com/office/powerpoint/2010/main" val="772064779"/>
+      </p:ext>
+    </p:extLst>
+  </p:cSld>
+  <p:clrMapOvr>
+    <a:masterClrMapping/>
+  </p:clrMapOvr>
+</p:sld>
+</file>
+
+<file path=ppt/slides/slide26.xml><?xml version="1.0" encoding="utf-8"?>
+<p:sld xmlns:a="http://schemas.openxmlformats.org/drawingml/2006/main" xmlns:r="http://schemas.openxmlformats.org/officeDocument/2006/relationships" xmlns:p="http://schemas.openxmlformats.org/presentationml/2006/main">
+  <p:cSld>
+    <p:bg>
+      <p:bgPr>
+        <a:solidFill>
+          <a:schemeClr val="bg1"/>
+        </a:solidFill>
+        <a:effectLst/>
+      </p:bgPr>
+    </p:bg>
+    <p:spTree>
+      <p:nvGrpSpPr>
+        <p:cNvPr id="1" name="">
+          <a:extLst>
+            <a:ext uri="{FF2B5EF4-FFF2-40B4-BE49-F238E27FC236}">
+              <a16:creationId xmlns:a16="http://schemas.microsoft.com/office/drawing/2014/main" id="{7B5375AF-EAA5-A3A4-5D57-BEA02AFB79BE}"/>
+            </a:ext>
+          </a:extLst>
+        </p:cNvPr>
+        <p:cNvGrpSpPr/>
+        <p:nvPr/>
+      </p:nvGrpSpPr>
+      <p:grpSpPr>
+        <a:xfrm>
+          <a:off x="0" y="0"/>
+          <a:ext cx="0" cy="0"/>
+          <a:chOff x="0" y="0"/>
+          <a:chExt cx="0" cy="0"/>
+        </a:xfrm>
+      </p:grpSpPr>
+      <p:sp useBgFill="1">
+        <p:nvSpPr>
+          <p:cNvPr id="28" name="Rectangle 27">
+            <a:extLst>
+              <a:ext uri="{FF2B5EF4-FFF2-40B4-BE49-F238E27FC236}">
+                <a16:creationId xmlns:a16="http://schemas.microsoft.com/office/drawing/2014/main" id="{D8512B6B-1007-DD8E-5DDC-0FFD2EA533FF}"/>
+              </a:ext>
+              <a:ext uri="{C183D7F6-B498-43B3-948B-1728B52AA6E4}">
+                <adec:decorative xmlns:adec="http://schemas.microsoft.com/office/drawing/2017/decorative" val="1"/>
+              </a:ext>
+            </a:extLst>
+          </p:cNvPr>
+          <p:cNvSpPr>
+            <a:spLocks noGrp="1" noRot="1" noChangeAspect="1" noMove="1" noResize="1" noEditPoints="1" noAdjustHandles="1" noChangeArrowheads="1" noChangeShapeType="1" noTextEdit="1"/>
+          </p:cNvSpPr>
+          <p:nvPr>
+            <p:extLst>
+              <p:ext uri="{386F3935-93C4-4BCD-93E2-E3B085C9AB24}">
+                <p16:designElem xmlns:p16="http://schemas.microsoft.com/office/powerpoint/2015/main" val="1"/>
+              </p:ext>
+            </p:extLst>
+          </p:nvPr>
+        </p:nvSpPr>
+        <p:spPr>
+          <a:xfrm>
+            <a:off x="0" y="0"/>
+            <a:ext cx="12185777" cy="6858000"/>
+          </a:xfrm>
+          <a:prstGeom prst="rect">
+            <a:avLst/>
+          </a:prstGeom>
+          <a:ln>
+            <a:noFill/>
+          </a:ln>
+        </p:spPr>
+        <p:style>
+          <a:lnRef idx="2">
+            <a:schemeClr val="accent1">
+              <a:shade val="50000"/>
+            </a:schemeClr>
+          </a:lnRef>
+          <a:fillRef idx="1">
+            <a:schemeClr val="accent1"/>
+          </a:fillRef>
+          <a:effectRef idx="0">
+            <a:schemeClr val="accent1"/>
+          </a:effectRef>
+          <a:fontRef idx="minor">
+            <a:schemeClr val="lt1"/>
+          </a:fontRef>
+        </p:style>
+        <p:txBody>
+          <a:bodyPr rtlCol="0" anchor="ctr"/>
+          <a:lstStyle/>
+          <a:p>
+            <a:pPr algn="ctr"/>
+            <a:endParaRPr lang="en-US"/>
+          </a:p>
+        </p:txBody>
+      </p:sp>
+      <p:sp useBgFill="1">
+        <p:nvSpPr>
+          <p:cNvPr id="30" name="Freeform: Shape 29">
+            <a:extLst>
+              <a:ext uri="{FF2B5EF4-FFF2-40B4-BE49-F238E27FC236}">
+                <a16:creationId xmlns:a16="http://schemas.microsoft.com/office/drawing/2014/main" id="{F11977F3-A448-12FE-0248-B1C80E869681}"/>
+              </a:ext>
+              <a:ext uri="{C183D7F6-B498-43B3-948B-1728B52AA6E4}">
+                <adec:decorative xmlns:adec="http://schemas.microsoft.com/office/drawing/2017/decorative" val="1"/>
+              </a:ext>
+            </a:extLst>
+          </p:cNvPr>
+          <p:cNvSpPr>
+            <a:spLocks noGrp="1" noRot="1" noChangeAspect="1" noMove="1" noResize="1" noEditPoints="1" noAdjustHandles="1" noChangeArrowheads="1" noChangeShapeType="1" noTextEdit="1"/>
+          </p:cNvSpPr>
+          <p:nvPr>
+            <p:extLst>
+              <p:ext uri="{386F3935-93C4-4BCD-93E2-E3B085C9AB24}">
+                <p16:designElem xmlns:p16="http://schemas.microsoft.com/office/powerpoint/2015/main" val="1"/>
+              </p:ext>
+            </p:extLst>
+          </p:nvPr>
+        </p:nvSpPr>
+        <p:spPr>
+          <a:xfrm>
+            <a:off x="0" y="0"/>
+            <a:ext cx="12185777" cy="1899601"/>
+          </a:xfrm>
+          <a:custGeom>
+            <a:avLst/>
+            <a:gdLst>
+              <a:gd name="connsiteX0" fmla="*/ 0 w 12188952"/>
+              <a:gd name="connsiteY0" fmla="*/ 0 h 1899601"/>
+              <a:gd name="connsiteX1" fmla="*/ 12188952 w 12188952"/>
+              <a:gd name="connsiteY1" fmla="*/ 0 h 1899601"/>
+              <a:gd name="connsiteX2" fmla="*/ 12188952 w 12188952"/>
+              <a:gd name="connsiteY2" fmla="*/ 1635106 h 1899601"/>
+              <a:gd name="connsiteX3" fmla="*/ 11356325 w 12188952"/>
+              <a:gd name="connsiteY3" fmla="*/ 1707615 h 1899601"/>
+              <a:gd name="connsiteX4" fmla="*/ 6096001 w 12188952"/>
+              <a:gd name="connsiteY4" fmla="*/ 1899601 h 1899601"/>
+              <a:gd name="connsiteX5" fmla="*/ 835678 w 12188952"/>
+              <a:gd name="connsiteY5" fmla="*/ 1707615 h 1899601"/>
+              <a:gd name="connsiteX6" fmla="*/ 0 w 12188952"/>
+              <a:gd name="connsiteY6" fmla="*/ 1634841 h 1899601"/>
+            </a:gdLst>
+            <a:ahLst/>
+            <a:cxnLst>
+              <a:cxn ang="0">
+                <a:pos x="connsiteX0" y="connsiteY0"/>
+              </a:cxn>
+              <a:cxn ang="0">
+                <a:pos x="connsiteX1" y="connsiteY1"/>
+              </a:cxn>
+              <a:cxn ang="0">
+                <a:pos x="connsiteX2" y="connsiteY2"/>
+              </a:cxn>
+              <a:cxn ang="0">
+                <a:pos x="connsiteX3" y="connsiteY3"/>
+              </a:cxn>
+              <a:cxn ang="0">
+                <a:pos x="connsiteX4" y="connsiteY4"/>
+              </a:cxn>
+              <a:cxn ang="0">
+                <a:pos x="connsiteX5" y="connsiteY5"/>
+              </a:cxn>
+              <a:cxn ang="0">
+                <a:pos x="connsiteX6" y="connsiteY6"/>
+              </a:cxn>
+            </a:cxnLst>
+            <a:rect l="l" t="t" r="r" b="b"/>
+            <a:pathLst>
+              <a:path w="12188952" h="1899601">
+                <a:moveTo>
+                  <a:pt x="0" y="0"/>
+                </a:moveTo>
+                <a:lnTo>
+                  <a:pt x="12188952" y="0"/>
+                </a:lnTo>
+                <a:lnTo>
+                  <a:pt x="12188952" y="1635106"/>
+                </a:lnTo>
+                <a:lnTo>
+                  <a:pt x="11356325" y="1707615"/>
+                </a:lnTo>
+                <a:cubicBezTo>
+                  <a:pt x="9739512" y="1831240"/>
+                  <a:pt x="7961919" y="1899601"/>
+                  <a:pt x="6096001" y="1899601"/>
+                </a:cubicBezTo>
+                <a:cubicBezTo>
+                  <a:pt x="4230084" y="1899601"/>
+                  <a:pt x="2452490" y="1831240"/>
+                  <a:pt x="835678" y="1707615"/>
+                </a:cubicBezTo>
+                <a:lnTo>
+                  <a:pt x="0" y="1634841"/>
+                </a:lnTo>
+                <a:close/>
+              </a:path>
+            </a:pathLst>
+          </a:custGeom>
+          <a:ln w="9525">
+            <a:solidFill>
+              <a:srgbClr val="E6E6E6"/>
+            </a:solidFill>
+          </a:ln>
+          <a:effectLst>
+            <a:outerShdw blurRad="50800" dist="38100" dir="2700000" algn="tl" rotWithShape="0">
+              <a:schemeClr val="bg1">
+                <a:lumMod val="85000"/>
+                <a:alpha val="50000"/>
+              </a:schemeClr>
+            </a:outerShdw>
+          </a:effectLst>
+        </p:spPr>
+        <p:style>
+          <a:lnRef idx="2">
+            <a:schemeClr val="accent1">
+              <a:shade val="50000"/>
+            </a:schemeClr>
+          </a:lnRef>
+          <a:fillRef idx="1">
+            <a:schemeClr val="accent1"/>
+          </a:fillRef>
+          <a:effectRef idx="0">
+            <a:schemeClr val="accent1"/>
+          </a:effectRef>
+          <a:fontRef idx="minor">
+            <a:schemeClr val="lt1"/>
+          </a:fontRef>
+        </p:style>
+        <p:txBody>
+          <a:bodyPr wrap="square" rtlCol="0" anchor="ctr">
+            <a:noAutofit/>
+          </a:bodyPr>
+          <a:lstStyle/>
+          <a:p>
+            <a:pPr marL="0" marR="0" lvl="0" indent="0" algn="ctr" defTabSz="914400" rtl="0" eaLnBrk="1" fontAlgn="auto" latinLnBrk="0" hangingPunct="1">
+              <a:lnSpc>
+                <a:spcPct val="100000"/>
+              </a:lnSpc>
+              <a:spcBef>
+                <a:spcPts val="0"/>
+              </a:spcBef>
+              <a:spcAft>
+                <a:spcPts val="0"/>
+              </a:spcAft>
+              <a:buClrTx/>
+              <a:buSzTx/>
+              <a:buFontTx/>
+              <a:buNone/>
+              <a:tabLst/>
+              <a:defRPr/>
+            </a:pPr>
+            <a:endParaRPr kumimoji="0" lang="en-US" sz="1800" b="0" i="0" u="none" strike="noStrike" kern="1200" cap="none" spc="0" normalizeH="0" baseline="0" noProof="0">
+              <a:ln>
+                <a:noFill/>
+              </a:ln>
+              <a:solidFill>
+                <a:prstClr val="white"/>
+              </a:solidFill>
+              <a:effectLst/>
+              <a:uLnTx/>
+              <a:uFillTx/>
+              <a:latin typeface="Calibri" panose="020F0502020204030204"/>
+              <a:ea typeface="+mn-ea"/>
+              <a:cs typeface="+mn-cs"/>
+            </a:endParaRPr>
+          </a:p>
+        </p:txBody>
+      </p:sp>
+      <p:sp useBgFill="1">
+        <p:nvSpPr>
+          <p:cNvPr id="32" name="Freeform: Shape 31">
+            <a:extLst>
+              <a:ext uri="{FF2B5EF4-FFF2-40B4-BE49-F238E27FC236}">
+                <a16:creationId xmlns:a16="http://schemas.microsoft.com/office/drawing/2014/main" id="{B8E9D6B4-7483-DE8F-6470-E23728EEAC36}"/>
+              </a:ext>
+              <a:ext uri="{C183D7F6-B498-43B3-948B-1728B52AA6E4}">
+                <adec:decorative xmlns:adec="http://schemas.microsoft.com/office/drawing/2017/decorative" val="1"/>
+              </a:ext>
+            </a:extLst>
+          </p:cNvPr>
+          <p:cNvSpPr>
+            <a:spLocks noGrp="1" noRot="1" noChangeAspect="1" noMove="1" noResize="1" noEditPoints="1" noAdjustHandles="1" noChangeArrowheads="1" noChangeShapeType="1" noTextEdit="1"/>
+          </p:cNvSpPr>
+          <p:nvPr>
+            <p:extLst>
+              <p:ext uri="{386F3935-93C4-4BCD-93E2-E3B085C9AB24}">
+                <p16:designElem xmlns:p16="http://schemas.microsoft.com/office/powerpoint/2015/main" val="1"/>
+              </p:ext>
+            </p:extLst>
+          </p:nvPr>
+        </p:nvSpPr>
+        <p:spPr>
+          <a:xfrm>
+            <a:off x="0" y="0"/>
+            <a:ext cx="12188825" cy="1890722"/>
+          </a:xfrm>
+          <a:custGeom>
+            <a:avLst/>
+            <a:gdLst>
+              <a:gd name="connsiteX0" fmla="*/ 0 w 12192000"/>
+              <a:gd name="connsiteY0" fmla="*/ 0 h 1890722"/>
+              <a:gd name="connsiteX1" fmla="*/ 12192000 w 12192000"/>
+              <a:gd name="connsiteY1" fmla="*/ 0 h 1890722"/>
+              <a:gd name="connsiteX2" fmla="*/ 12192000 w 12192000"/>
+              <a:gd name="connsiteY2" fmla="*/ 1626227 h 1890722"/>
+              <a:gd name="connsiteX3" fmla="*/ 11359165 w 12192000"/>
+              <a:gd name="connsiteY3" fmla="*/ 1698736 h 1890722"/>
+              <a:gd name="connsiteX4" fmla="*/ 6097526 w 12192000"/>
+              <a:gd name="connsiteY4" fmla="*/ 1890722 h 1890722"/>
+              <a:gd name="connsiteX5" fmla="*/ 835887 w 12192000"/>
+              <a:gd name="connsiteY5" fmla="*/ 1698736 h 1890722"/>
+              <a:gd name="connsiteX6" fmla="*/ 0 w 12192000"/>
+              <a:gd name="connsiteY6" fmla="*/ 1625962 h 1890722"/>
+            </a:gdLst>
+            <a:ahLst/>
+            <a:cxnLst>
+              <a:cxn ang="0">
+                <a:pos x="connsiteX0" y="connsiteY0"/>
+              </a:cxn>
+              <a:cxn ang="0">
+                <a:pos x="connsiteX1" y="connsiteY1"/>
+              </a:cxn>
+              <a:cxn ang="0">
+                <a:pos x="connsiteX2" y="connsiteY2"/>
+              </a:cxn>
+              <a:cxn ang="0">
+                <a:pos x="connsiteX3" y="connsiteY3"/>
+              </a:cxn>
+              <a:cxn ang="0">
+                <a:pos x="connsiteX4" y="connsiteY4"/>
+              </a:cxn>
+              <a:cxn ang="0">
+                <a:pos x="connsiteX5" y="connsiteY5"/>
+              </a:cxn>
+              <a:cxn ang="0">
+                <a:pos x="connsiteX6" y="connsiteY6"/>
+              </a:cxn>
+            </a:cxnLst>
+            <a:rect l="l" t="t" r="r" b="b"/>
+            <a:pathLst>
+              <a:path w="12192000" h="1890722">
+                <a:moveTo>
+                  <a:pt x="0" y="0"/>
+                </a:moveTo>
+                <a:lnTo>
+                  <a:pt x="12192000" y="0"/>
+                </a:lnTo>
+                <a:lnTo>
+                  <a:pt x="12192000" y="1626227"/>
+                </a:lnTo>
+                <a:lnTo>
+                  <a:pt x="11359165" y="1698736"/>
+                </a:lnTo>
+                <a:cubicBezTo>
+                  <a:pt x="9741947" y="1822361"/>
+                  <a:pt x="7963910" y="1890722"/>
+                  <a:pt x="6097526" y="1890722"/>
+                </a:cubicBezTo>
+                <a:cubicBezTo>
+                  <a:pt x="4231142" y="1890722"/>
+                  <a:pt x="2453104" y="1822361"/>
+                  <a:pt x="835887" y="1698736"/>
+                </a:cubicBezTo>
+                <a:lnTo>
+                  <a:pt x="0" y="1625962"/>
+                </a:lnTo>
+                <a:close/>
+              </a:path>
+            </a:pathLst>
+          </a:custGeom>
+          <a:ln w="9525">
+            <a:noFill/>
+          </a:ln>
+          <a:effectLst/>
+        </p:spPr>
+        <p:style>
+          <a:lnRef idx="2">
+            <a:schemeClr val="accent1">
+              <a:shade val="50000"/>
+            </a:schemeClr>
+          </a:lnRef>
+          <a:fillRef idx="1">
+            <a:schemeClr val="accent1"/>
+          </a:fillRef>
+          <a:effectRef idx="0">
+            <a:schemeClr val="accent1"/>
+          </a:effectRef>
+          <a:fontRef idx="minor">
+            <a:schemeClr val="lt1"/>
+          </a:fontRef>
+        </p:style>
+        <p:txBody>
+          <a:bodyPr wrap="square" rtlCol="0" anchor="ctr">
+            <a:noAutofit/>
+          </a:bodyPr>
+          <a:lstStyle/>
+          <a:p>
+            <a:pPr marL="0" marR="0" lvl="0" indent="0" algn="ctr" defTabSz="914400" rtl="0" eaLnBrk="1" fontAlgn="auto" latinLnBrk="0" hangingPunct="1">
+              <a:lnSpc>
+                <a:spcPct val="100000"/>
+              </a:lnSpc>
+              <a:spcBef>
+                <a:spcPts val="0"/>
+              </a:spcBef>
+              <a:spcAft>
+                <a:spcPts val="0"/>
+              </a:spcAft>
+              <a:buClrTx/>
+              <a:buSzTx/>
+              <a:buFontTx/>
+              <a:buNone/>
+              <a:tabLst/>
+              <a:defRPr/>
+            </a:pPr>
+            <a:endParaRPr kumimoji="0" lang="en-US" sz="1800" b="0" i="0" u="none" strike="noStrike" kern="1200" cap="none" spc="0" normalizeH="0" baseline="0" noProof="0">
+              <a:ln>
+                <a:noFill/>
+              </a:ln>
+              <a:solidFill>
+                <a:prstClr val="white"/>
+              </a:solidFill>
+              <a:effectLst/>
+              <a:uLnTx/>
+              <a:uFillTx/>
+              <a:latin typeface="Calibri" panose="020F0502020204030204"/>
+              <a:ea typeface="+mn-ea"/>
+              <a:cs typeface="+mn-cs"/>
+            </a:endParaRPr>
+          </a:p>
+        </p:txBody>
+      </p:sp>
+      <p:sp>
+        <p:nvSpPr>
+          <p:cNvPr id="2" name="Title 1">
+            <a:extLst>
+              <a:ext uri="{FF2B5EF4-FFF2-40B4-BE49-F238E27FC236}">
+                <a16:creationId xmlns:a16="http://schemas.microsoft.com/office/drawing/2014/main" id="{249ADF1F-79DD-C423-4D08-7D4319F29310}"/>
+              </a:ext>
+            </a:extLst>
+          </p:cNvPr>
+          <p:cNvSpPr>
+            <a:spLocks noGrp="1"/>
+          </p:cNvSpPr>
+          <p:nvPr>
+            <p:ph type="title"/>
+          </p:nvPr>
+        </p:nvSpPr>
+        <p:spPr>
+          <a:xfrm>
+            <a:off x="837981" y="253397"/>
+            <a:ext cx="10512862" cy="1273233"/>
+          </a:xfrm>
+        </p:spPr>
+        <p:txBody>
+          <a:bodyPr>
+            <a:normAutofit/>
+          </a:bodyPr>
+          <a:lstStyle/>
+          <a:p>
+            <a:r>
+              <a:rPr lang="it-IT" sz="4000" dirty="0"/>
+              <a:t>Random </a:t>
+            </a:r>
+            <a:r>
+              <a:rPr lang="it-IT" sz="4000" dirty="0" err="1"/>
+              <a:t>Search</a:t>
+            </a:r>
+            <a:r>
+              <a:rPr lang="it-IT" sz="4000" dirty="0"/>
+              <a:t> Modificato</a:t>
+            </a:r>
+          </a:p>
+        </p:txBody>
+      </p:sp>
+      <p:sp>
+        <p:nvSpPr>
+          <p:cNvPr id="34" name="Rectangle 33">
+            <a:extLst>
+              <a:ext uri="{FF2B5EF4-FFF2-40B4-BE49-F238E27FC236}">
+                <a16:creationId xmlns:a16="http://schemas.microsoft.com/office/drawing/2014/main" id="{13B2B8C0-1708-CA97-55ED-A566EFFD2130}"/>
+              </a:ext>
+              <a:ext uri="{C183D7F6-B498-43B3-948B-1728B52AA6E4}">
+                <adec:decorative xmlns:adec="http://schemas.microsoft.com/office/drawing/2017/decorative" val="1"/>
+              </a:ext>
+            </a:extLst>
+          </p:cNvPr>
+          <p:cNvSpPr>
+            <a:spLocks noGrp="1" noRot="1" noChangeAspect="1" noMove="1" noResize="1" noEditPoints="1" noAdjustHandles="1" noChangeArrowheads="1" noChangeShapeType="1" noTextEdit="1"/>
+          </p:cNvSpPr>
+          <p:nvPr>
+            <p:extLst>
+              <p:ext uri="{386F3935-93C4-4BCD-93E2-E3B085C9AB24}">
+                <p16:designElem xmlns:p16="http://schemas.microsoft.com/office/powerpoint/2015/main" val="1"/>
+              </p:ext>
+            </p:extLst>
+          </p:nvPr>
+        </p:nvSpPr>
+        <p:spPr>
+          <a:xfrm>
+            <a:off x="0" y="524522"/>
+            <a:ext cx="127982" cy="704088"/>
+          </a:xfrm>
+          <a:prstGeom prst="rect">
+            <a:avLst/>
+          </a:prstGeom>
+          <a:solidFill>
+            <a:schemeClr val="accent2"/>
+          </a:solidFill>
+          <a:ln>
+            <a:noFill/>
+          </a:ln>
+        </p:spPr>
+        <p:style>
+          <a:lnRef idx="2">
+            <a:schemeClr val="accent1">
+              <a:shade val="50000"/>
+            </a:schemeClr>
+          </a:lnRef>
+          <a:fillRef idx="1">
+            <a:schemeClr val="accent1"/>
+          </a:fillRef>
+          <a:effectRef idx="0">
+            <a:schemeClr val="accent1"/>
+          </a:effectRef>
+          <a:fontRef idx="minor">
+            <a:schemeClr val="lt1"/>
+          </a:fontRef>
+        </p:style>
+        <p:txBody>
+          <a:bodyPr rtlCol="0" anchor="ctr"/>
+          <a:lstStyle/>
+          <a:p>
+            <a:pPr algn="ctr"/>
+            <a:endParaRPr lang="en-US">
+              <a:solidFill>
+                <a:prstClr val="white"/>
+              </a:solidFill>
+              <a:latin typeface="Calibri" panose="020F0502020204030204"/>
+            </a:endParaRPr>
+          </a:p>
+        </p:txBody>
+      </p:sp>
+      <p:pic>
+        <p:nvPicPr>
+          <p:cNvPr id="4" name="Immagine 3" descr="Immagine che contiene testo, Carattere, schermata, numero&#10;&#10;Il contenuto generato dall'IA potrebbe non essere corretto.">
+            <a:extLst>
+              <a:ext uri="{FF2B5EF4-FFF2-40B4-BE49-F238E27FC236}">
+                <a16:creationId xmlns:a16="http://schemas.microsoft.com/office/drawing/2014/main" id="{17815665-5596-A927-308E-67D9DD3B0D93}"/>
+              </a:ext>
+            </a:extLst>
+          </p:cNvPr>
+          <p:cNvPicPr>
+            <a:picLocks noChangeAspect="1"/>
+          </p:cNvPicPr>
+          <p:nvPr/>
+        </p:nvPicPr>
+        <p:blipFill>
+          <a:blip r:embed="rId3"/>
+          <a:srcRect t="11179" b="21055"/>
+          <a:stretch>
+            <a:fillRect/>
+          </a:stretch>
+        </p:blipFill>
+        <p:spPr>
+          <a:xfrm>
+            <a:off x="3296453" y="1977663"/>
+            <a:ext cx="5592870" cy="4880337"/>
+          </a:xfrm>
+          <a:prstGeom prst="rect">
+            <a:avLst/>
+          </a:prstGeom>
+        </p:spPr>
+      </p:pic>
+    </p:spTree>
+    <p:extLst>
+      <p:ext uri="{BB962C8B-B14F-4D97-AF65-F5344CB8AC3E}">
+        <p14:creationId xmlns:p14="http://schemas.microsoft.com/office/powerpoint/2010/main" val="151094654"/>
+      </p:ext>
+    </p:extLst>
   </p:cSld>
   <p:clrMapOvr>
     <a:masterClrMapping/>

--- a/Presentation.pptx
+++ b/Presentation.pptx
@@ -8577,8 +8577,8 @@
           </a:p>
         </p:txBody>
       </p:sp>
-      <mc:AlternateContent xmlns:mc="http://schemas.openxmlformats.org/markup-compatibility/2006" xmlns:a14="http://schemas.microsoft.com/office/drawing/2010/main">
-        <mc:Choice Requires="a14">
+      <mc:AlternateContent xmlns:mc="http://schemas.openxmlformats.org/markup-compatibility/2006">
+        <mc:Choice xmlns:a14="http://schemas.microsoft.com/office/drawing/2010/main" Requires="a14">
           <p:sp>
             <p:nvSpPr>
               <p:cNvPr id="4" name="Rectangle 1">
@@ -8595,8 +8595,8 @@
             </p:nvSpPr>
             <p:spPr bwMode="auto">
               <a:xfrm>
-                <a:off x="1718583" y="2383057"/>
-                <a:ext cx="8747060" cy="3170099"/>
+                <a:off x="1718583" y="2536945"/>
+                <a:ext cx="8747060" cy="2862322"/>
               </a:xfrm>
               <a:prstGeom prst="rect">
                 <a:avLst/>
@@ -8900,30 +8900,12 @@
                   <a:tabLst/>
                 </a:pPr>
                 <a:r>
-                  <a:rPr lang="it-IT" altLang="it-IT" sz="2000" dirty="0"/>
-                  <a:t>Oltre alle performance, è stata misurata la complessità di ciascun modello.</a:t>
+                  <a:rPr lang="it-IT" altLang="it-IT" sz="2000" b="1" dirty="0"/>
+                  <a:t>Per le reti neurali</a:t>
                 </a:r>
-              </a:p>
-              <a:p>
-                <a:pPr marL="285750" marR="0" lvl="0" indent="-285750" algn="l" defTabSz="914400" rtl="0" eaLnBrk="0" fontAlgn="base" latinLnBrk="0" hangingPunct="0">
-                  <a:lnSpc>
-                    <a:spcPct val="100000"/>
-                  </a:lnSpc>
-                  <a:spcBef>
-                    <a:spcPct val="0"/>
-                  </a:spcBef>
-                  <a:spcAft>
-                    <a:spcPct val="0"/>
-                  </a:spcAft>
-                  <a:buClrTx/>
-                  <a:buSzTx/>
-                  <a:buFont typeface="Arial" panose="020B0604020202020204" pitchFamily="34" charset="0"/>
-                  <a:buChar char="•"/>
-                  <a:tabLst/>
-                </a:pPr>
                 <a:r>
                   <a:rPr lang="it-IT" altLang="it-IT" sz="2000" dirty="0"/>
-                  <a:t>Per le reti neurali, la complessità è il </a:t>
+                  <a:t>, la complessità è il </a:t>
                 </a:r>
                 <a:r>
                   <a:rPr lang="it-IT" altLang="it-IT" sz="2000" b="1" dirty="0"/>
@@ -8952,8 +8934,12 @@
                   <a:tabLst/>
                 </a:pPr>
                 <a:r>
+                  <a:rPr lang="it-IT" altLang="it-IT" sz="2000" b="1" dirty="0"/>
+                  <a:t>Per gli ensemble</a:t>
+                </a:r>
+                <a:r>
                   <a:rPr lang="it-IT" altLang="it-IT" sz="2000" dirty="0"/>
-                  <a:t>Per gli ensemble, la complessità è il </a:t>
+                  <a:t>, la complessità è il </a:t>
                 </a:r>
                 <a:r>
                   <a:rPr lang="it-IT" altLang="it-IT" sz="2000" b="1" dirty="0"/>
@@ -8967,7 +8953,7 @@
             </p:txBody>
           </p:sp>
         </mc:Choice>
-        <mc:Fallback xmlns="">
+        <mc:Fallback>
           <p:sp>
             <p:nvSpPr>
               <p:cNvPr id="4" name="Rectangle 1">
@@ -8984,8 +8970,8 @@
             </p:nvSpPr>
             <p:spPr bwMode="auto">
               <a:xfrm>
-                <a:off x="1718583" y="2383057"/>
-                <a:ext cx="8747060" cy="3170099"/>
+                <a:off x="1718583" y="2536945"/>
+                <a:ext cx="8747060" cy="2862322"/>
               </a:xfrm>
               <a:prstGeom prst="rect">
                 <a:avLst/>
@@ -8993,7 +8979,7 @@
               <a:blipFill>
                 <a:blip r:embed="rId3"/>
                 <a:stretch>
-                  <a:fillRect l="-767" t="-577" b="-2885"/>
+                  <a:fillRect l="-767" t="-638" b="-3191"/>
                 </a:stretch>
               </a:blipFill>
               <a:ln>
@@ -11734,8 +11720,8 @@
         </p:nvSpPr>
         <p:spPr bwMode="auto">
           <a:xfrm>
-            <a:off x="417378" y="2142958"/>
-            <a:ext cx="5674735" cy="3970318"/>
+            <a:off x="417378" y="2004459"/>
+            <a:ext cx="5674735" cy="4247317"/>
           </a:xfrm>
           <a:prstGeom prst="rect">
             <a:avLst/>
@@ -11878,7 +11864,7 @@
               <a:tabLst/>
             </a:pPr>
             <a:r>
-              <a:rPr lang="it-IT" altLang="it-IT" b="1" dirty="0"/>
+              <a:rPr lang="it-IT" altLang="it-IT" dirty="0"/>
               <a:t>KAN: 0.7823</a:t>
             </a:r>
           </a:p>
@@ -11900,7 +11886,7 @@
               <a:tabLst/>
             </a:pPr>
             <a:r>
-              <a:rPr lang="it-IT" altLang="it-IT" b="1" dirty="0"/>
+              <a:rPr lang="it-IT" altLang="it-IT" dirty="0"/>
               <a:t>MLP: 0.7654</a:t>
             </a:r>
           </a:p>
@@ -11944,7 +11930,7 @@
               <a:tabLst/>
             </a:pPr>
             <a:r>
-              <a:rPr lang="it-IT" altLang="it-IT" b="1" dirty="0"/>
+              <a:rPr lang="it-IT" altLang="it-IT" dirty="0"/>
               <a:t>KAN: 7.7k</a:t>
             </a:r>
           </a:p>
@@ -11966,7 +11952,7 @@
               <a:tabLst/>
             </a:pPr>
             <a:r>
-              <a:rPr lang="it-IT" altLang="it-IT" b="1" dirty="0"/>
+              <a:rPr lang="it-IT" altLang="it-IT" dirty="0"/>
               <a:t>MLP: 7.8k</a:t>
             </a:r>
           </a:p>
@@ -12100,12 +12086,16 @@
               <a:tabLst/>
             </a:pPr>
             <a:r>
-              <a:rPr lang="it-IT" altLang="it-IT" dirty="0" err="1"/>
+              <a:rPr lang="it-IT" altLang="it-IT" b="1" dirty="0" err="1"/>
               <a:t>XGBoost</a:t>
             </a:r>
             <a:r>
+              <a:rPr lang="it-IT" altLang="it-IT" b="1" dirty="0"/>
+              <a:t> è il migliore in termini di performance assolute</a:t>
+            </a:r>
+            <a:r>
               <a:rPr lang="it-IT" altLang="it-IT" dirty="0"/>
-              <a:t> vince in termini di performance assolute.</a:t>
+              <a:t>.</a:t>
             </a:r>
           </a:p>
         </p:txBody>
@@ -13620,11 +13610,11 @@
             </a:r>
             <a:r>
               <a:rPr lang="it-IT" altLang="it-IT" sz="2200" dirty="0"/>
-              <a:t> la stima dell'età da un problema di regressione </a:t>
+              <a:t> la stima dell'età da </a:t>
             </a:r>
             <a:r>
               <a:rPr lang="it-IT" altLang="it-IT" sz="2200" b="1" dirty="0"/>
-              <a:t>ad un problema di classificazione in fasce d'età </a:t>
+              <a:t>un problema di regressione ad un problema di classificazione in fasce d'età </a:t>
             </a:r>
             <a:r>
               <a:rPr lang="it-IT" altLang="it-IT" sz="2200" dirty="0"/>
@@ -14097,13 +14087,13 @@
         </p:nvSpPr>
         <p:spPr>
           <a:xfrm>
-            <a:off x="626080" y="2478405"/>
-            <a:ext cx="10936664" cy="3826764"/>
+            <a:off x="1035552" y="2478405"/>
+            <a:ext cx="10209560" cy="3264027"/>
           </a:xfrm>
         </p:spPr>
         <p:txBody>
           <a:bodyPr>
-            <a:normAutofit/>
+            <a:noAutofit/>
           </a:bodyPr>
           <a:lstStyle/>
           <a:p>
@@ -14181,7 +14171,15 @@
             </a:r>
             <a:r>
               <a:rPr lang="it-IT" sz="2400" dirty="0"/>
-              <a:t>attraverso un'analisi approfondita:</a:t>
+              <a:t>differenti per tipologia di problema (regressione e classificazione) e natura dei dati (tabellari, serie storiche ed immagini)</a:t>
+            </a:r>
+            <a:r>
+              <a:rPr lang="it-IT" sz="2400" b="1" dirty="0"/>
+              <a:t> </a:t>
+            </a:r>
+            <a:r>
+              <a:rPr lang="it-IT" sz="2400" dirty="0"/>
+              <a:t>tramite:</a:t>
             </a:r>
           </a:p>
           <a:p>
@@ -14194,11 +14192,11 @@
             </a:pPr>
             <a:r>
               <a:rPr lang="it-IT" sz="2400" b="1" dirty="0"/>
-              <a:t>Addestramento &amp; Valutazione: </a:t>
+              <a:t>Addestramento &amp; Valutazione </a:t>
             </a:r>
             <a:r>
               <a:rPr lang="it-IT" sz="2400" dirty="0"/>
-              <a:t>Addestrare i modelli su tre casi di studio diversi per tipologia di problema (regressione e classificazione) e natura dei dati (tabellari, serie storiche, immagini).</a:t>
+              <a:t>dei modelli.</a:t>
             </a:r>
           </a:p>
           <a:p>
@@ -14211,7 +14209,7 @@
             </a:pPr>
             <a:r>
               <a:rPr lang="it-IT" sz="2400" b="1" dirty="0"/>
-              <a:t>Studio di Ablazione Post-Training: </a:t>
+              <a:t>Studio di Ablazione: </a:t>
             </a:r>
             <a:r>
               <a:rPr lang="it-IT" sz="2400" dirty="0"/>
@@ -14231,7 +14229,7 @@
             </a:r>
             <a:r>
               <a:rPr lang="it-IT" sz="2400" dirty="0"/>
-              <a:t>(riduzione dei parametri) per misurare il trade-off tra la complessità del modello e le prestazioni.</a:t>
+              <a:t>per misurare il trade-off tra la complessità del modello e le prestazioni.</a:t>
             </a:r>
           </a:p>
         </p:txBody>
@@ -15497,7 +15495,7 @@
               <a:tabLst/>
             </a:pPr>
             <a:r>
-              <a:rPr lang="it-IT" altLang="it-IT" b="1" dirty="0"/>
+              <a:rPr lang="it-IT" altLang="it-IT" dirty="0"/>
               <a:t>F1-Weighted Test:</a:t>
             </a:r>
           </a:p>
@@ -15519,12 +15517,8 @@
               <a:tabLst/>
             </a:pPr>
             <a:r>
-              <a:rPr lang="it-IT" altLang="it-IT" b="1" dirty="0"/>
-              <a:t>CNN+KAN: </a:t>
-            </a:r>
-            <a:r>
               <a:rPr lang="it-IT" altLang="it-IT" dirty="0"/>
-              <a:t>0.7843</a:t>
+              <a:t>CNN+KAN: 0.7843</a:t>
             </a:r>
           </a:p>
           <a:p>
@@ -15545,12 +15539,8 @@
               <a:tabLst/>
             </a:pPr>
             <a:r>
-              <a:rPr lang="it-IT" altLang="it-IT" b="1" dirty="0"/>
-              <a:t>CNN+MLP: </a:t>
-            </a:r>
-            <a:r>
               <a:rPr lang="it-IT" altLang="it-IT" dirty="0"/>
-              <a:t>0.7595</a:t>
+              <a:t>CNN+MLP: 0.7595</a:t>
             </a:r>
           </a:p>
           <a:p>
@@ -15571,7 +15561,7 @@
               <a:tabLst/>
             </a:pPr>
             <a:r>
-              <a:rPr lang="it-IT" altLang="it-IT" b="1" dirty="0"/>
+              <a:rPr lang="it-IT" altLang="it-IT" dirty="0"/>
               <a:t>Complessità:</a:t>
             </a:r>
           </a:p>
@@ -15593,12 +15583,8 @@
               <a:tabLst/>
             </a:pPr>
             <a:r>
-              <a:rPr lang="it-IT" altLang="it-IT" b="1" dirty="0"/>
-              <a:t>CNN+MLP: </a:t>
-            </a:r>
-            <a:r>
               <a:rPr lang="it-IT" altLang="it-IT" dirty="0"/>
-              <a:t>6 milioni</a:t>
+              <a:t>CNN+MLP: 6 milioni</a:t>
             </a:r>
           </a:p>
           <a:p>
@@ -15619,12 +15605,8 @@
               <a:tabLst/>
             </a:pPr>
             <a:r>
-              <a:rPr lang="it-IT" altLang="it-IT" b="1" dirty="0"/>
-              <a:t>CNN+KAN: </a:t>
-            </a:r>
-            <a:r>
               <a:rPr lang="it-IT" altLang="it-IT" dirty="0"/>
-              <a:t>16.4 milioni</a:t>
+              <a:t>CNN+KAN: 16.4 milioni</a:t>
             </a:r>
           </a:p>
           <a:p>
@@ -15645,7 +15627,7 @@
               <a:tabLst/>
             </a:pPr>
             <a:r>
-              <a:rPr lang="it-IT" altLang="it-IT" b="1" dirty="0"/>
+              <a:rPr lang="it-IT" altLang="it-IT" dirty="0"/>
               <a:t>Trade-off:</a:t>
             </a:r>
           </a:p>
@@ -17550,7 +17532,7 @@
           <a:p>
             <a:r>
               <a:rPr lang="it-IT" sz="4000" dirty="0"/>
-              <a:t>Formule Metriche -Classificazione</a:t>
+              <a:t>Formule Metriche - Classificazione</a:t>
             </a:r>
           </a:p>
         </p:txBody>
@@ -21472,8 +21454,8 @@
           </a:p>
         </p:txBody>
       </p:sp>
-      <mc:AlternateContent xmlns:mc="http://schemas.openxmlformats.org/markup-compatibility/2006" xmlns:a14="http://schemas.microsoft.com/office/drawing/2010/main">
-        <mc:Choice Requires="a14">
+      <mc:AlternateContent xmlns:mc="http://schemas.openxmlformats.org/markup-compatibility/2006">
+        <mc:Choice xmlns:a14="http://schemas.microsoft.com/office/drawing/2010/main" Requires="a14">
           <p:sp>
             <p:nvSpPr>
               <p:cNvPr id="3" name="Content Placeholder 2">
@@ -21949,10 +21931,14 @@
                 </a:r>
                 <a:r>
                   <a:rPr lang="it-IT" sz="2000" dirty="0"/>
-                  <a:t>→ non indica come determinare esplicitamente le funzioni </a:t>
+                  <a:t>→ </a:t>
                 </a:r>
                 <a:r>
-                  <a:rPr lang="it-IT" sz="2000" dirty="0" err="1"/>
+                  <a:rPr lang="it-IT" sz="2000" b="1" dirty="0"/>
+                  <a:t>non indica un metodo esplicito per determinare le funzioni </a:t>
+                </a:r>
+                <a:r>
+                  <a:rPr lang="it-IT" sz="2000" b="1" dirty="0" err="1"/>
                   <a:t>univariate</a:t>
                 </a:r>
                 <a:r>
@@ -21963,7 +21949,7 @@
             </p:txBody>
           </p:sp>
         </mc:Choice>
-        <mc:Fallback xmlns="">
+        <mc:Fallback>
           <p:sp>
             <p:nvSpPr>
               <p:cNvPr id="3" name="Content Placeholder 2">
@@ -23201,13 +23187,13 @@
         </p:nvSpPr>
         <p:spPr>
           <a:xfrm>
-            <a:off x="915056" y="2017953"/>
-            <a:ext cx="5256431" cy="1527875"/>
+            <a:off x="1322491" y="2096894"/>
+            <a:ext cx="4451520" cy="1080977"/>
           </a:xfrm>
         </p:spPr>
         <p:txBody>
           <a:bodyPr vert="horz" lIns="91440" tIns="45720" rIns="91440" bIns="45720" rtlCol="0">
-            <a:normAutofit/>
+            <a:noAutofit/>
           </a:bodyPr>
           <a:lstStyle/>
           <a:p>
@@ -23224,7 +23210,7 @@
             </a:r>
             <a:r>
               <a:rPr lang="it-IT" sz="2200" dirty="0"/>
-              <a:t>Algoritmo di ensemble che costruisce alberi decisionali in modo sequenziale. Ogni nuovo albero corregge gli errori del precedente.</a:t>
+              <a:t>Algoritmo di ensemble sequenziale, dove ogni nuovo albero corregge gli errori del precedente.</a:t>
             </a:r>
           </a:p>
         </p:txBody>
@@ -23275,8 +23261,8 @@
         </p:nvSpPr>
         <p:spPr>
           <a:xfrm>
-            <a:off x="6171487" y="2017953"/>
-            <a:ext cx="5256431" cy="1527875"/>
+            <a:off x="6254496" y="2017953"/>
+            <a:ext cx="5173422" cy="1527875"/>
           </a:xfrm>
           <a:prstGeom prst="rect">
             <a:avLst/>
@@ -23434,7 +23420,7 @@
             </a:r>
             <a:r>
               <a:rPr lang="it-IT" sz="2200" dirty="0"/>
-              <a:t>Algoritmo di ensemble che combina le previsioni di più alberi decisionali. Ogni albero è addestrato su un sottoinsieme casuale di dati e feature.</a:t>
+              <a:t>Algoritmo di ensemble che combina le previsioni di più alberi decisionali addestrati su un sottoinsieme casuale di dati e feature.</a:t>
             </a:r>
           </a:p>
         </p:txBody>

--- a/Presentation.pptx
+++ b/Presentation.pptx
@@ -8577,8 +8577,8 @@
           </a:p>
         </p:txBody>
       </p:sp>
-      <mc:AlternateContent xmlns:mc="http://schemas.openxmlformats.org/markup-compatibility/2006">
-        <mc:Choice xmlns:a14="http://schemas.microsoft.com/office/drawing/2010/main" Requires="a14">
+      <mc:AlternateContent xmlns:mc="http://schemas.openxmlformats.org/markup-compatibility/2006" xmlns:a14="http://schemas.microsoft.com/office/drawing/2010/main">
+        <mc:Choice Requires="a14">
           <p:sp>
             <p:nvSpPr>
               <p:cNvPr id="4" name="Rectangle 1">
@@ -8953,7 +8953,7 @@
             </p:txBody>
           </p:sp>
         </mc:Choice>
-        <mc:Fallback>
+        <mc:Fallback xmlns="">
           <p:sp>
             <p:nvSpPr>
               <p:cNvPr id="4" name="Rectangle 1">
@@ -21454,8 +21454,8 @@
           </a:p>
         </p:txBody>
       </p:sp>
-      <mc:AlternateContent xmlns:mc="http://schemas.openxmlformats.org/markup-compatibility/2006">
-        <mc:Choice xmlns:a14="http://schemas.microsoft.com/office/drawing/2010/main" Requires="a14">
+      <mc:AlternateContent xmlns:mc="http://schemas.openxmlformats.org/markup-compatibility/2006" xmlns:a14="http://schemas.microsoft.com/office/drawing/2010/main">
+        <mc:Choice Requires="a14">
           <p:sp>
             <p:nvSpPr>
               <p:cNvPr id="3" name="Content Placeholder 2">
@@ -21949,7 +21949,7 @@
             </p:txBody>
           </p:sp>
         </mc:Choice>
-        <mc:Fallback>
+        <mc:Fallback xmlns="">
           <p:sp>
             <p:nvSpPr>
               <p:cNvPr id="3" name="Content Placeholder 2">
